--- a/조민섭_포트폴리오.pptx
+++ b/조민섭_포트폴리오.pptx
@@ -5,7 +5,7 @@
     <p:sldMasterId id="2147483648" r:id="rId1"/>
   </p:sldMasterIdLst>
   <p:notesMasterIdLst>
-    <p:notesMasterId r:id="rId12"/>
+    <p:notesMasterId r:id="rId16"/>
   </p:notesMasterIdLst>
   <p:sldIdLst>
     <p:sldId id="256" r:id="rId2"/>
@@ -14,10 +14,14 @@
     <p:sldId id="269" r:id="rId5"/>
     <p:sldId id="280" r:id="rId6"/>
     <p:sldId id="265" r:id="rId7"/>
-    <p:sldId id="271" r:id="rId8"/>
-    <p:sldId id="272" r:id="rId9"/>
-    <p:sldId id="284" r:id="rId10"/>
-    <p:sldId id="267" r:id="rId11"/>
+    <p:sldId id="285" r:id="rId8"/>
+    <p:sldId id="271" r:id="rId9"/>
+    <p:sldId id="286" r:id="rId10"/>
+    <p:sldId id="272" r:id="rId11"/>
+    <p:sldId id="287" r:id="rId12"/>
+    <p:sldId id="288" r:id="rId13"/>
+    <p:sldId id="284" r:id="rId14"/>
+    <p:sldId id="267" r:id="rId15"/>
   </p:sldIdLst>
   <p:sldSz cx="18288000" cy="10287000"/>
   <p:notesSz cx="10287000" cy="18288000"/>
@@ -217,7 +221,7 @@
           <a:p>
             <a:fld id="{0CCE5C56-E494-4F52-995E-96482D5FEE58}" type="datetimeFigureOut">
               <a:rPr lang="ko-KR" altLang="en-US" smtClean="0"/>
-              <a:t>2022-05-26</a:t>
+              <a:t>2022-06-24</a:t>
             </a:fld>
             <a:endParaRPr lang="ko-KR" altLang="en-US"/>
           </a:p>
@@ -666,7 +670,7 @@
           <a:p>
             <a:fld id="{F8166F1F-CE9B-4651-A6AA-CD717754106B}" type="datetimeFigureOut">
               <a:rPr lang="en-US" smtClean="0"/>
-              <a:t>5/26/2022</a:t>
+              <a:t>6/24/2022</a:t>
             </a:fld>
             <a:endParaRPr lang="en-US"/>
           </a:p>
@@ -831,7 +835,7 @@
           <a:p>
             <a:fld id="{A76116CE-C4A3-4A05-B2D7-7C2E9A889C0F}" type="datetimeFigureOut">
               <a:rPr lang="en-US" smtClean="0"/>
-              <a:t>5/26/2022</a:t>
+              <a:t>6/24/2022</a:t>
             </a:fld>
             <a:endParaRPr lang="en-US"/>
           </a:p>
@@ -1006,7 +1010,7 @@
           <a:p>
             <a:fld id="{A76116CE-C4A3-4A05-B2D7-7C2E9A889C0F}" type="datetimeFigureOut">
               <a:rPr lang="en-US" smtClean="0"/>
-              <a:t>5/26/2022</a:t>
+              <a:t>6/24/2022</a:t>
             </a:fld>
             <a:endParaRPr lang="en-US"/>
           </a:p>
@@ -1173,7 +1177,7 @@
           <a:p>
             <a:fld id="{A76116CE-C4A3-4A05-B2D7-7C2E9A889C0F}" type="datetimeFigureOut">
               <a:rPr lang="en-US" smtClean="0"/>
-              <a:t>5/26/2022</a:t>
+              <a:t>6/24/2022</a:t>
             </a:fld>
             <a:endParaRPr lang="en-US"/>
           </a:p>
@@ -1414,7 +1418,7 @@
           <a:p>
             <a:fld id="{A76116CE-C4A3-4A05-B2D7-7C2E9A889C0F}" type="datetimeFigureOut">
               <a:rPr lang="en-US" smtClean="0"/>
-              <a:t>5/26/2022</a:t>
+              <a:t>6/24/2022</a:t>
             </a:fld>
             <a:endParaRPr lang="en-US"/>
           </a:p>
@@ -1697,7 +1701,7 @@
           <a:p>
             <a:fld id="{A76116CE-C4A3-4A05-B2D7-7C2E9A889C0F}" type="datetimeFigureOut">
               <a:rPr lang="en-US" smtClean="0"/>
-              <a:t>5/26/2022</a:t>
+              <a:t>6/24/2022</a:t>
             </a:fld>
             <a:endParaRPr lang="en-US"/>
           </a:p>
@@ -2114,7 +2118,7 @@
           <a:p>
             <a:fld id="{A76116CE-C4A3-4A05-B2D7-7C2E9A889C0F}" type="datetimeFigureOut">
               <a:rPr lang="en-US" smtClean="0"/>
-              <a:t>5/26/2022</a:t>
+              <a:t>6/24/2022</a:t>
             </a:fld>
             <a:endParaRPr lang="en-US"/>
           </a:p>
@@ -2227,7 +2231,7 @@
           <a:p>
             <a:fld id="{A76116CE-C4A3-4A05-B2D7-7C2E9A889C0F}" type="datetimeFigureOut">
               <a:rPr lang="en-US" smtClean="0"/>
-              <a:t>5/26/2022</a:t>
+              <a:t>6/24/2022</a:t>
             </a:fld>
             <a:endParaRPr lang="en-US"/>
           </a:p>
@@ -2317,7 +2321,7 @@
           <a:p>
             <a:fld id="{A76116CE-C4A3-4A05-B2D7-7C2E9A889C0F}" type="datetimeFigureOut">
               <a:rPr lang="en-US" smtClean="0"/>
-              <a:t>5/26/2022</a:t>
+              <a:t>6/24/2022</a:t>
             </a:fld>
             <a:endParaRPr lang="en-US"/>
           </a:p>
@@ -2589,7 +2593,7 @@
           <a:p>
             <a:fld id="{A76116CE-C4A3-4A05-B2D7-7C2E9A889C0F}" type="datetimeFigureOut">
               <a:rPr lang="en-US" smtClean="0"/>
-              <a:t>5/26/2022</a:t>
+              <a:t>6/24/2022</a:t>
             </a:fld>
             <a:endParaRPr lang="en-US"/>
           </a:p>
@@ -2837,7 +2841,7 @@
           <a:p>
             <a:fld id="{A76116CE-C4A3-4A05-B2D7-7C2E9A889C0F}" type="datetimeFigureOut">
               <a:rPr lang="en-US" smtClean="0"/>
-              <a:t>5/26/2022</a:t>
+              <a:t>6/24/2022</a:t>
             </a:fld>
             <a:endParaRPr lang="en-US"/>
           </a:p>
@@ -3045,7 +3049,7 @@
           <a:p>
             <a:fld id="{F8166F1F-CE9B-4651-A6AA-CD717754106B}" type="datetimeFigureOut">
               <a:rPr lang="en-US" smtClean="0"/>
-              <a:t>5/26/2022</a:t>
+              <a:t>6/24/2022</a:t>
             </a:fld>
             <a:endParaRPr lang="en-US"/>
           </a:p>
@@ -3832,6 +3836,2697 @@
 
 <file path=ppt/slides/slide10.xml><?xml version="1.0" encoding="utf-8"?>
 <p:sld xmlns:a="http://schemas.openxmlformats.org/drawingml/2006/main" xmlns:r="http://schemas.openxmlformats.org/officeDocument/2006/relationships" xmlns:p="http://schemas.openxmlformats.org/presentationml/2006/main">
+  <p:cSld>
+    <p:spTree>
+      <p:nvGrpSpPr>
+        <p:cNvPr id="1" name=""/>
+        <p:cNvGrpSpPr/>
+        <p:nvPr/>
+      </p:nvGrpSpPr>
+      <p:grpSpPr>
+        <a:xfrm>
+          <a:off x="0" y="0"/>
+          <a:ext cx="0" cy="0"/>
+          <a:chOff x="0" y="0"/>
+          <a:chExt cx="0" cy="0"/>
+        </a:xfrm>
+      </p:grpSpPr>
+      <p:grpSp>
+        <p:nvGrpSpPr>
+          <p:cNvPr id="1001" name="그룹 1001"/>
+          <p:cNvGrpSpPr/>
+          <p:nvPr/>
+        </p:nvGrpSpPr>
+        <p:grpSpPr>
+          <a:xfrm>
+            <a:off x="775595" y="3805265"/>
+            <a:ext cx="19276190" cy="6421463"/>
+            <a:chOff x="-495238" y="4070327"/>
+            <a:chExt cx="19276190" cy="6421463"/>
+          </a:xfrm>
+        </p:grpSpPr>
+        <p:pic>
+          <p:nvPicPr>
+            <p:cNvPr id="3" name="Object 2"/>
+            <p:cNvPicPr>
+              <a:picLocks noChangeAspect="1"/>
+            </p:cNvPicPr>
+            <p:nvPr/>
+          </p:nvPicPr>
+          <p:blipFill>
+            <a:blip r:embed="rId2" cstate="print"/>
+            <a:stretch>
+              <a:fillRect/>
+            </a:stretch>
+          </p:blipFill>
+          <p:spPr>
+            <a:xfrm>
+              <a:off x="-495238" y="4070327"/>
+              <a:ext cx="19276190" cy="6421463"/>
+            </a:xfrm>
+            <a:prstGeom prst="rect">
+              <a:avLst/>
+            </a:prstGeom>
+          </p:spPr>
+        </p:pic>
+      </p:grpSp>
+      <p:grpSp>
+        <p:nvGrpSpPr>
+          <p:cNvPr id="1002" name="그룹 1002"/>
+          <p:cNvGrpSpPr/>
+          <p:nvPr/>
+        </p:nvGrpSpPr>
+        <p:grpSpPr>
+          <a:xfrm>
+            <a:off x="6837104" y="4832285"/>
+            <a:ext cx="3576586" cy="3576586"/>
+            <a:chOff x="6837104" y="4832285"/>
+            <a:chExt cx="3576586" cy="3576586"/>
+          </a:xfrm>
+        </p:grpSpPr>
+        <p:pic>
+          <p:nvPicPr>
+            <p:cNvPr id="6" name="Object 5"/>
+            <p:cNvPicPr>
+              <a:picLocks noChangeAspect="1"/>
+            </p:cNvPicPr>
+            <p:nvPr/>
+          </p:nvPicPr>
+          <p:blipFill>
+            <a:blip r:embed="rId3" cstate="print"/>
+            <a:stretch>
+              <a:fillRect/>
+            </a:stretch>
+          </p:blipFill>
+          <p:spPr>
+            <a:xfrm>
+              <a:off x="6837104" y="4832285"/>
+              <a:ext cx="3576586" cy="3576586"/>
+            </a:xfrm>
+            <a:prstGeom prst="rect">
+              <a:avLst/>
+            </a:prstGeom>
+          </p:spPr>
+        </p:pic>
+      </p:grpSp>
+      <p:grpSp>
+        <p:nvGrpSpPr>
+          <p:cNvPr id="1004" name="그룹 1004"/>
+          <p:cNvGrpSpPr/>
+          <p:nvPr/>
+        </p:nvGrpSpPr>
+        <p:grpSpPr>
+          <a:xfrm>
+            <a:off x="4343399" y="5291804"/>
+            <a:ext cx="2456599" cy="60614"/>
+            <a:chOff x="2380657" y="5291806"/>
+            <a:chExt cx="4419343" cy="60610"/>
+          </a:xfrm>
+        </p:grpSpPr>
+        <p:pic>
+          <p:nvPicPr>
+            <p:cNvPr id="20" name="Object 19"/>
+            <p:cNvPicPr>
+              <a:picLocks noChangeAspect="1"/>
+            </p:cNvPicPr>
+            <p:nvPr/>
+          </p:nvPicPr>
+          <p:blipFill>
+            <a:blip r:embed="rId4" cstate="print"/>
+            <a:stretch>
+              <a:fillRect/>
+            </a:stretch>
+          </p:blipFill>
+          <p:spPr>
+            <a:xfrm rot="-10800000">
+              <a:off x="2380657" y="5291806"/>
+              <a:ext cx="4419343" cy="60610"/>
+            </a:xfrm>
+            <a:prstGeom prst="rect">
+              <a:avLst/>
+            </a:prstGeom>
+          </p:spPr>
+        </p:pic>
+      </p:grpSp>
+      <p:pic>
+        <p:nvPicPr>
+          <p:cNvPr id="25" name="Object 24"/>
+          <p:cNvPicPr>
+            <a:picLocks noChangeAspect="1"/>
+          </p:cNvPicPr>
+          <p:nvPr/>
+        </p:nvPicPr>
+        <p:blipFill>
+          <a:blip r:embed="rId5" cstate="print"/>
+          <a:stretch>
+            <a:fillRect/>
+          </a:stretch>
+        </p:blipFill>
+        <p:spPr>
+          <a:xfrm>
+            <a:off x="7715686" y="3314286"/>
+            <a:ext cx="9256193" cy="6062806"/>
+          </a:xfrm>
+          <a:prstGeom prst="rect">
+            <a:avLst/>
+          </a:prstGeom>
+        </p:spPr>
+      </p:pic>
+      <p:sp>
+        <p:nvSpPr>
+          <p:cNvPr id="42" name="TextBox 41"/>
+          <p:cNvSpPr txBox="1"/>
+          <p:nvPr/>
+        </p:nvSpPr>
+        <p:spPr>
+          <a:xfrm>
+            <a:off x="1279097" y="1143625"/>
+            <a:ext cx="2403222" cy="461665"/>
+          </a:xfrm>
+          <a:prstGeom prst="rect">
+            <a:avLst/>
+          </a:prstGeom>
+          <a:noFill/>
+        </p:spPr>
+        <p:txBody>
+          <a:bodyPr wrap="none" rtlCol="0">
+            <a:spAutoFit/>
+          </a:bodyPr>
+          <a:lstStyle/>
+          <a:p>
+            <a:r>
+              <a:rPr lang="en-US" altLang="ko-KR" sz="2400" dirty="0">
+                <a:solidFill>
+                  <a:srgbClr val="FE794C"/>
+                </a:solidFill>
+                <a:latin typeface="에스코어 드림 6 Bold" pitchFamily="34" charset="-127"/>
+                <a:ea typeface="에스코어 드림 6 Bold" pitchFamily="34" charset="-127"/>
+              </a:rPr>
+              <a:t>4</a:t>
+            </a:r>
+            <a:r>
+              <a:rPr lang="en-US" altLang="ko-KR" sz="2400" dirty="0" smtClean="0">
+                <a:solidFill>
+                  <a:srgbClr val="FE794C"/>
+                </a:solidFill>
+                <a:latin typeface="에스코어 드림 6 Bold" pitchFamily="34" charset="-127"/>
+                <a:ea typeface="에스코어 드림 6 Bold" pitchFamily="34" charset="-127"/>
+              </a:rPr>
+              <a:t>-3-1. </a:t>
+            </a:r>
+            <a:r>
+              <a:rPr lang="ko-KR" altLang="en-US" sz="2400" dirty="0" err="1">
+                <a:solidFill>
+                  <a:srgbClr val="FE794C"/>
+                </a:solidFill>
+                <a:latin typeface="에스코어 드림 6 Bold" pitchFamily="34" charset="-127"/>
+                <a:ea typeface="에스코어 드림 6 Bold" pitchFamily="34" charset="-127"/>
+              </a:rPr>
+              <a:t>담당부분</a:t>
+            </a:r>
+            <a:endParaRPr lang="ko-KR" altLang="en-US" sz="2400" dirty="0">
+              <a:solidFill>
+                <a:srgbClr val="FE794C"/>
+              </a:solidFill>
+              <a:latin typeface="에스코어 드림 6 Bold" pitchFamily="34" charset="-127"/>
+              <a:ea typeface="에스코어 드림 6 Bold" pitchFamily="34" charset="-127"/>
+            </a:endParaRPr>
+          </a:p>
+        </p:txBody>
+      </p:sp>
+      <p:sp>
+        <p:nvSpPr>
+          <p:cNvPr id="44" name="TextBox 43"/>
+          <p:cNvSpPr txBox="1"/>
+          <p:nvPr/>
+        </p:nvSpPr>
+        <p:spPr>
+          <a:xfrm>
+            <a:off x="1319164" y="1674793"/>
+            <a:ext cx="9029716" cy="707886"/>
+          </a:xfrm>
+          <a:prstGeom prst="rect">
+            <a:avLst/>
+          </a:prstGeom>
+          <a:noFill/>
+        </p:spPr>
+        <p:txBody>
+          <a:bodyPr wrap="none" rtlCol="0">
+            <a:spAutoFit/>
+          </a:bodyPr>
+          <a:lstStyle/>
+          <a:p>
+            <a:r>
+              <a:rPr lang="en-US" altLang="ko-KR" sz="4000" dirty="0" smtClean="0">
+                <a:solidFill>
+                  <a:schemeClr val="tx1">
+                    <a:lumMod val="75000"/>
+                    <a:lumOff val="25000"/>
+                  </a:schemeClr>
+                </a:solidFill>
+                <a:latin typeface="에스코어 드림 9 Black" pitchFamily="34" charset="-127"/>
+                <a:ea typeface="에스코어 드림 9 Black" pitchFamily="34" charset="-127"/>
+              </a:rPr>
+              <a:t>We C List </a:t>
+            </a:r>
+            <a:r>
+              <a:rPr lang="ko-KR" altLang="en-US" sz="4000" dirty="0" smtClean="0">
+                <a:solidFill>
+                  <a:schemeClr val="tx1">
+                    <a:lumMod val="75000"/>
+                    <a:lumOff val="25000"/>
+                  </a:schemeClr>
+                </a:solidFill>
+                <a:latin typeface="에스코어 드림 6 Bold" pitchFamily="34" charset="-127"/>
+                <a:ea typeface="에스코어 드림 6 Bold" pitchFamily="34" charset="-127"/>
+              </a:rPr>
+              <a:t>사이트의 </a:t>
+            </a:r>
+            <a:r>
+              <a:rPr lang="ko-KR" altLang="en-US" sz="4000" dirty="0">
+                <a:solidFill>
+                  <a:srgbClr val="FE794C"/>
+                </a:solidFill>
+                <a:latin typeface="에스코어 드림 6 Bold" pitchFamily="34" charset="-127"/>
+                <a:ea typeface="에스코어 드림 6 Bold" pitchFamily="34" charset="-127"/>
+              </a:rPr>
+              <a:t>작품 </a:t>
+            </a:r>
+            <a:r>
+              <a:rPr lang="ko-KR" altLang="en-US" sz="4000" dirty="0" smtClean="0">
+                <a:solidFill>
+                  <a:srgbClr val="FE794C"/>
+                </a:solidFill>
+                <a:latin typeface="에스코어 드림 6 Bold" pitchFamily="34" charset="-127"/>
+                <a:ea typeface="에스코어 드림 6 Bold" pitchFamily="34" charset="-127"/>
+              </a:rPr>
+              <a:t>상세 화</a:t>
+            </a:r>
+            <a:r>
+              <a:rPr lang="ko-KR" altLang="en-US" sz="4000" dirty="0">
+                <a:solidFill>
+                  <a:srgbClr val="FE794C"/>
+                </a:solidFill>
+                <a:latin typeface="에스코어 드림 6 Bold" pitchFamily="34" charset="-127"/>
+                <a:ea typeface="에스코어 드림 6 Bold" pitchFamily="34" charset="-127"/>
+              </a:rPr>
+              <a:t>면</a:t>
+            </a:r>
+            <a:r>
+              <a:rPr lang="ko-KR" altLang="en-US" sz="4000" dirty="0" smtClean="0">
+                <a:solidFill>
+                  <a:schemeClr val="tx1">
+                    <a:lumMod val="75000"/>
+                    <a:lumOff val="25000"/>
+                  </a:schemeClr>
+                </a:solidFill>
+                <a:latin typeface="에스코어 드림 6 Bold" pitchFamily="34" charset="-127"/>
+                <a:ea typeface="에스코어 드림 6 Bold" pitchFamily="34" charset="-127"/>
+              </a:rPr>
+              <a:t>은</a:t>
+            </a:r>
+            <a:r>
+              <a:rPr lang="en-US" altLang="ko-KR" sz="4000" dirty="0" smtClean="0">
+                <a:solidFill>
+                  <a:schemeClr val="tx1">
+                    <a:lumMod val="75000"/>
+                    <a:lumOff val="25000"/>
+                  </a:schemeClr>
+                </a:solidFill>
+                <a:latin typeface="에스코어 드림 6 Bold" pitchFamily="34" charset="-127"/>
+                <a:ea typeface="에스코어 드림 6 Bold" pitchFamily="34" charset="-127"/>
+              </a:rPr>
+              <a:t>?</a:t>
+            </a:r>
+            <a:endParaRPr lang="ko-KR" altLang="en-US" sz="4000" dirty="0">
+              <a:solidFill>
+                <a:schemeClr val="tx1">
+                  <a:lumMod val="75000"/>
+                  <a:lumOff val="25000"/>
+                </a:schemeClr>
+              </a:solidFill>
+              <a:latin typeface="에스코어 드림 6 Bold" pitchFamily="34" charset="-127"/>
+              <a:ea typeface="에스코어 드림 6 Bold" pitchFamily="34" charset="-127"/>
+            </a:endParaRPr>
+          </a:p>
+        </p:txBody>
+      </p:sp>
+      <p:sp>
+        <p:nvSpPr>
+          <p:cNvPr id="48" name="TextBox 47"/>
+          <p:cNvSpPr txBox="1"/>
+          <p:nvPr/>
+        </p:nvSpPr>
+        <p:spPr>
+          <a:xfrm>
+            <a:off x="1211746" y="5091278"/>
+            <a:ext cx="2678938" cy="461665"/>
+          </a:xfrm>
+          <a:prstGeom prst="rect">
+            <a:avLst/>
+          </a:prstGeom>
+          <a:noFill/>
+        </p:spPr>
+        <p:txBody>
+          <a:bodyPr wrap="none" rtlCol="0">
+            <a:spAutoFit/>
+          </a:bodyPr>
+          <a:lstStyle/>
+          <a:p>
+            <a:r>
+              <a:rPr lang="en-US" altLang="ko-KR" sz="2400" dirty="0" smtClean="0">
+                <a:solidFill>
+                  <a:srgbClr val="FE794C"/>
+                </a:solidFill>
+                <a:latin typeface="에스코어 드림 9 Black" pitchFamily="34" charset="-127"/>
+                <a:ea typeface="에스코어 드림 9 Black" pitchFamily="34" charset="-127"/>
+              </a:rPr>
+              <a:t>(3) </a:t>
+            </a:r>
+            <a:r>
+              <a:rPr lang="ko-KR" altLang="en-US" sz="2400" dirty="0" smtClean="0">
+                <a:solidFill>
+                  <a:srgbClr val="FE794C"/>
+                </a:solidFill>
+                <a:latin typeface="에스코어 드림 9 Black" pitchFamily="34" charset="-127"/>
+                <a:ea typeface="에스코어 드림 9 Black" pitchFamily="34" charset="-127"/>
+              </a:rPr>
+              <a:t>작품 상세 화면</a:t>
+            </a:r>
+            <a:endParaRPr lang="ko-KR" altLang="en-US" sz="2400" dirty="0">
+              <a:solidFill>
+                <a:srgbClr val="FE794C"/>
+              </a:solidFill>
+              <a:latin typeface="에스코어 드림 9 Black" pitchFamily="34" charset="-127"/>
+              <a:ea typeface="에스코어 드림 9 Black" pitchFamily="34" charset="-127"/>
+            </a:endParaRPr>
+          </a:p>
+        </p:txBody>
+      </p:sp>
+      <p:sp>
+        <p:nvSpPr>
+          <p:cNvPr id="52" name="TextBox 51"/>
+          <p:cNvSpPr txBox="1"/>
+          <p:nvPr/>
+        </p:nvSpPr>
+        <p:spPr>
+          <a:xfrm>
+            <a:off x="1319164" y="5881913"/>
+            <a:ext cx="5517940" cy="2416046"/>
+          </a:xfrm>
+          <a:prstGeom prst="rect">
+            <a:avLst/>
+          </a:prstGeom>
+          <a:noFill/>
+        </p:spPr>
+        <p:txBody>
+          <a:bodyPr wrap="square" rtlCol="0">
+            <a:spAutoFit/>
+          </a:bodyPr>
+          <a:lstStyle/>
+          <a:p>
+            <a:r>
+              <a:rPr lang="ko-KR" altLang="en-US" dirty="0" smtClean="0">
+                <a:solidFill>
+                  <a:schemeClr val="tx1">
+                    <a:lumMod val="65000"/>
+                    <a:lumOff val="35000"/>
+                  </a:schemeClr>
+                </a:solidFill>
+                <a:latin typeface="에스코어 드림 5 Medium" pitchFamily="34" charset="-127"/>
+                <a:ea typeface="에스코어 드림 5 Medium" pitchFamily="34" charset="-127"/>
+              </a:rPr>
+              <a:t>작품상세 화면은 한 개의 작품에 대한 세부적인</a:t>
+            </a:r>
+            <a:endParaRPr lang="en-US" altLang="ko-KR" dirty="0" smtClean="0">
+              <a:solidFill>
+                <a:schemeClr val="tx1">
+                  <a:lumMod val="65000"/>
+                  <a:lumOff val="35000"/>
+                </a:schemeClr>
+              </a:solidFill>
+              <a:latin typeface="에스코어 드림 5 Medium" pitchFamily="34" charset="-127"/>
+              <a:ea typeface="에스코어 드림 5 Medium" pitchFamily="34" charset="-127"/>
+            </a:endParaRPr>
+          </a:p>
+          <a:p>
+            <a:r>
+              <a:rPr lang="ko-KR" altLang="en-US" sz="1900" dirty="0" smtClean="0">
+                <a:solidFill>
+                  <a:schemeClr val="tx1">
+                    <a:lumMod val="65000"/>
+                    <a:lumOff val="35000"/>
+                  </a:schemeClr>
+                </a:solidFill>
+                <a:latin typeface="에스코어 드림 5 Medium" pitchFamily="34" charset="-127"/>
+                <a:ea typeface="에스코어 드림 5 Medium" pitchFamily="34" charset="-127"/>
+              </a:rPr>
+              <a:t>내용들을 확인하고 구매 또는 장바구니를</a:t>
+            </a:r>
+            <a:endParaRPr lang="en-US" altLang="ko-KR" sz="1900" dirty="0" smtClean="0">
+              <a:solidFill>
+                <a:schemeClr val="tx1">
+                  <a:lumMod val="65000"/>
+                  <a:lumOff val="35000"/>
+                </a:schemeClr>
+              </a:solidFill>
+              <a:latin typeface="에스코어 드림 5 Medium" pitchFamily="34" charset="-127"/>
+              <a:ea typeface="에스코어 드림 5 Medium" pitchFamily="34" charset="-127"/>
+            </a:endParaRPr>
+          </a:p>
+          <a:p>
+            <a:r>
+              <a:rPr lang="ko-KR" altLang="en-US" sz="1900" dirty="0" smtClean="0">
+                <a:solidFill>
+                  <a:schemeClr val="tx1">
+                    <a:lumMod val="65000"/>
+                    <a:lumOff val="35000"/>
+                  </a:schemeClr>
+                </a:solidFill>
+                <a:latin typeface="에스코어 드림 5 Medium" pitchFamily="34" charset="-127"/>
+                <a:ea typeface="에스코어 드림 5 Medium" pitchFamily="34" charset="-127"/>
+              </a:rPr>
+              <a:t>사용하실 수 있습니다</a:t>
+            </a:r>
+            <a:r>
+              <a:rPr lang="en-US" altLang="ko-KR" sz="1900" dirty="0" smtClean="0">
+                <a:solidFill>
+                  <a:schemeClr val="tx1">
+                    <a:lumMod val="65000"/>
+                    <a:lumOff val="35000"/>
+                  </a:schemeClr>
+                </a:solidFill>
+                <a:latin typeface="에스코어 드림 5 Medium" pitchFamily="34" charset="-127"/>
+                <a:ea typeface="에스코어 드림 5 Medium" pitchFamily="34" charset="-127"/>
+              </a:rPr>
+              <a:t>. </a:t>
+            </a:r>
+            <a:r>
+              <a:rPr lang="ko-KR" altLang="en-US" sz="1900" dirty="0" smtClean="0">
+                <a:solidFill>
+                  <a:schemeClr val="tx1">
+                    <a:lumMod val="65000"/>
+                    <a:lumOff val="35000"/>
+                  </a:schemeClr>
+                </a:solidFill>
+                <a:latin typeface="에스코어 드림 5 Medium" pitchFamily="34" charset="-127"/>
+                <a:ea typeface="에스코어 드림 5 Medium" pitchFamily="34" charset="-127"/>
+              </a:rPr>
+              <a:t>또한 원하는 작품을</a:t>
+            </a:r>
+            <a:endParaRPr lang="en-US" altLang="ko-KR" sz="1900" dirty="0" smtClean="0">
+              <a:solidFill>
+                <a:schemeClr val="tx1">
+                  <a:lumMod val="65000"/>
+                  <a:lumOff val="35000"/>
+                </a:schemeClr>
+              </a:solidFill>
+              <a:latin typeface="에스코어 드림 5 Medium" pitchFamily="34" charset="-127"/>
+              <a:ea typeface="에스코어 드림 5 Medium" pitchFamily="34" charset="-127"/>
+            </a:endParaRPr>
+          </a:p>
+          <a:p>
+            <a:r>
+              <a:rPr lang="ko-KR" altLang="en-US" sz="1900" dirty="0" err="1" smtClean="0">
+                <a:solidFill>
+                  <a:schemeClr val="tx1">
+                    <a:lumMod val="65000"/>
+                    <a:lumOff val="35000"/>
+                  </a:schemeClr>
+                </a:solidFill>
+                <a:latin typeface="에스코어 드림 5 Medium" pitchFamily="34" charset="-127"/>
+                <a:ea typeface="에스코어 드림 5 Medium" pitchFamily="34" charset="-127"/>
+              </a:rPr>
+              <a:t>좋아요를</a:t>
+            </a:r>
+            <a:r>
+              <a:rPr lang="ko-KR" altLang="en-US" sz="1900" dirty="0" smtClean="0">
+                <a:solidFill>
+                  <a:schemeClr val="tx1">
+                    <a:lumMod val="65000"/>
+                    <a:lumOff val="35000"/>
+                  </a:schemeClr>
+                </a:solidFill>
+                <a:latin typeface="에스코어 드림 5 Medium" pitchFamily="34" charset="-127"/>
+                <a:ea typeface="에스코어 드림 5 Medium" pitchFamily="34" charset="-127"/>
+              </a:rPr>
+              <a:t> 클릭할 수 있습니다</a:t>
+            </a:r>
+            <a:r>
+              <a:rPr lang="en-US" altLang="ko-KR" sz="1900" dirty="0" smtClean="0">
+                <a:solidFill>
+                  <a:schemeClr val="tx1">
+                    <a:lumMod val="65000"/>
+                    <a:lumOff val="35000"/>
+                  </a:schemeClr>
+                </a:solidFill>
+                <a:latin typeface="에스코어 드림 5 Medium" pitchFamily="34" charset="-127"/>
+                <a:ea typeface="에스코어 드림 5 Medium" pitchFamily="34" charset="-127"/>
+              </a:rPr>
+              <a:t>.</a:t>
+            </a:r>
+          </a:p>
+          <a:p>
+            <a:endParaRPr lang="en-US" altLang="ko-KR" sz="1900" dirty="0">
+              <a:solidFill>
+                <a:schemeClr val="tx1">
+                  <a:lumMod val="65000"/>
+                  <a:lumOff val="35000"/>
+                </a:schemeClr>
+              </a:solidFill>
+              <a:latin typeface="에스코어 드림 6 Bold" pitchFamily="34" charset="-127"/>
+              <a:ea typeface="에스코어 드림 6 Bold" pitchFamily="34" charset="-127"/>
+            </a:endParaRPr>
+          </a:p>
+          <a:p>
+            <a:r>
+              <a:rPr lang="en-US" altLang="ko-KR" sz="1900" dirty="0" smtClean="0">
+                <a:solidFill>
+                  <a:schemeClr val="tx1">
+                    <a:lumMod val="65000"/>
+                    <a:lumOff val="35000"/>
+                  </a:schemeClr>
+                </a:solidFill>
+                <a:latin typeface="에스코어 드림 6 Bold" pitchFamily="34" charset="-127"/>
+                <a:ea typeface="에스코어 드림 6 Bold" pitchFamily="34" charset="-127"/>
+              </a:rPr>
+              <a:t>“</a:t>
+            </a:r>
+            <a:r>
+              <a:rPr lang="ko-KR" altLang="en-US" sz="1900" dirty="0" err="1" smtClean="0">
+                <a:solidFill>
+                  <a:schemeClr val="tx1">
+                    <a:lumMod val="65000"/>
+                    <a:lumOff val="35000"/>
+                  </a:schemeClr>
+                </a:solidFill>
+                <a:latin typeface="에스코어 드림 6 Bold" pitchFamily="34" charset="-127"/>
+                <a:ea typeface="에스코어 드림 6 Bold" pitchFamily="34" charset="-127"/>
+              </a:rPr>
+              <a:t>아이디어스</a:t>
+            </a:r>
+            <a:r>
+              <a:rPr lang="ko-KR" altLang="en-US" sz="1900" dirty="0" smtClean="0">
+                <a:solidFill>
+                  <a:schemeClr val="tx1">
+                    <a:lumMod val="65000"/>
+                    <a:lumOff val="35000"/>
+                  </a:schemeClr>
+                </a:solidFill>
+                <a:latin typeface="에스코어 드림 6 Bold" pitchFamily="34" charset="-127"/>
+                <a:ea typeface="에스코어 드림 6 Bold" pitchFamily="34" charset="-127"/>
+              </a:rPr>
+              <a:t> 상세 내용이 가로가 좁아서 답답한</a:t>
+            </a:r>
+            <a:endParaRPr lang="en-US" altLang="ko-KR" sz="1900" dirty="0" smtClean="0">
+              <a:solidFill>
+                <a:schemeClr val="tx1">
+                  <a:lumMod val="65000"/>
+                  <a:lumOff val="35000"/>
+                </a:schemeClr>
+              </a:solidFill>
+              <a:latin typeface="에스코어 드림 6 Bold" pitchFamily="34" charset="-127"/>
+              <a:ea typeface="에스코어 드림 6 Bold" pitchFamily="34" charset="-127"/>
+            </a:endParaRPr>
+          </a:p>
+          <a:p>
+            <a:r>
+              <a:rPr lang="ko-KR" altLang="en-US" sz="1900" dirty="0" smtClean="0">
+                <a:solidFill>
+                  <a:schemeClr val="tx1">
+                    <a:lumMod val="65000"/>
+                    <a:lumOff val="35000"/>
+                  </a:schemeClr>
+                </a:solidFill>
+                <a:latin typeface="에스코어 드림 6 Bold" pitchFamily="34" charset="-127"/>
+                <a:ea typeface="에스코어 드림 6 Bold" pitchFamily="34" charset="-127"/>
+              </a:rPr>
+              <a:t>느낌이 있어서 내용이 잘 읽히지 않아</a:t>
+            </a:r>
+            <a:r>
+              <a:rPr lang="en-US" altLang="ko-KR" sz="1900" dirty="0" smtClean="0">
+                <a:solidFill>
+                  <a:schemeClr val="tx1">
+                    <a:lumMod val="65000"/>
+                    <a:lumOff val="35000"/>
+                  </a:schemeClr>
+                </a:solidFill>
+                <a:latin typeface="에스코어 드림 6 Bold" pitchFamily="34" charset="-127"/>
+                <a:ea typeface="에스코어 드림 6 Bold" pitchFamily="34" charset="-127"/>
+              </a:rPr>
+              <a:t>”</a:t>
+            </a:r>
+            <a:endParaRPr lang="en-US" altLang="ko-KR" sz="1900" dirty="0">
+              <a:solidFill>
+                <a:schemeClr val="tx1">
+                  <a:lumMod val="65000"/>
+                  <a:lumOff val="35000"/>
+                </a:schemeClr>
+              </a:solidFill>
+              <a:latin typeface="에스코어 드림 6 Bold" pitchFamily="34" charset="-127"/>
+              <a:ea typeface="에스코어 드림 6 Bold" pitchFamily="34" charset="-127"/>
+            </a:endParaRPr>
+          </a:p>
+          <a:p>
+            <a:r>
+              <a:rPr lang="ko-KR" altLang="en-US" sz="1900" dirty="0">
+                <a:solidFill>
+                  <a:schemeClr val="tx1">
+                    <a:lumMod val="65000"/>
+                    <a:lumOff val="35000"/>
+                  </a:schemeClr>
+                </a:solidFill>
+                <a:latin typeface="에스코어 드림 6 Bold" pitchFamily="34" charset="-127"/>
+                <a:ea typeface="에스코어 드림 6 Bold" pitchFamily="34" charset="-127"/>
+              </a:rPr>
+              <a:t>라는 다수의 조원들의 의견을 수렴했습니다</a:t>
+            </a:r>
+            <a:r>
+              <a:rPr lang="en-US" altLang="ko-KR" sz="1900" dirty="0" smtClean="0">
+                <a:solidFill>
+                  <a:schemeClr val="tx1">
+                    <a:lumMod val="65000"/>
+                    <a:lumOff val="35000"/>
+                  </a:schemeClr>
+                </a:solidFill>
+                <a:latin typeface="에스코어 드림 6 Bold" pitchFamily="34" charset="-127"/>
+                <a:ea typeface="에스코어 드림 6 Bold" pitchFamily="34" charset="-127"/>
+              </a:rPr>
+              <a:t>.</a:t>
+            </a:r>
+            <a:endParaRPr lang="en-US" altLang="ko-KR" sz="1900" dirty="0">
+              <a:solidFill>
+                <a:schemeClr val="tx1">
+                  <a:lumMod val="65000"/>
+                  <a:lumOff val="35000"/>
+                </a:schemeClr>
+              </a:solidFill>
+              <a:latin typeface="에스코어 드림 6 Bold" pitchFamily="34" charset="-127"/>
+              <a:ea typeface="에스코어 드림 6 Bold" pitchFamily="34" charset="-127"/>
+            </a:endParaRPr>
+          </a:p>
+        </p:txBody>
+      </p:sp>
+      <p:sp>
+        <p:nvSpPr>
+          <p:cNvPr id="18" name="TextBox 17"/>
+          <p:cNvSpPr txBox="1"/>
+          <p:nvPr/>
+        </p:nvSpPr>
+        <p:spPr>
+          <a:xfrm>
+            <a:off x="75848" y="9182100"/>
+            <a:ext cx="1090811" cy="1015663"/>
+          </a:xfrm>
+          <a:prstGeom prst="rect">
+            <a:avLst/>
+          </a:prstGeom>
+          <a:noFill/>
+        </p:spPr>
+        <p:txBody>
+          <a:bodyPr wrap="none" rtlCol="0">
+            <a:spAutoFit/>
+          </a:bodyPr>
+          <a:lstStyle/>
+          <a:p>
+            <a:r>
+              <a:rPr lang="en-US" altLang="ko-KR" sz="6000" i="1" dirty="0" smtClean="0">
+                <a:solidFill>
+                  <a:schemeClr val="bg1"/>
+                </a:solidFill>
+                <a:latin typeface="Franklin Gothic Heavy" panose="020B0903020102020204" pitchFamily="34" charset="0"/>
+              </a:rPr>
+              <a:t>13</a:t>
+            </a:r>
+            <a:endParaRPr lang="ko-KR" altLang="en-US" sz="6000" i="1" dirty="0">
+              <a:solidFill>
+                <a:schemeClr val="bg1"/>
+              </a:solidFill>
+              <a:latin typeface="Franklin Gothic Heavy" panose="020B0903020102020204" pitchFamily="34" charset="0"/>
+            </a:endParaRPr>
+          </a:p>
+        </p:txBody>
+      </p:sp>
+      <p:sp>
+        <p:nvSpPr>
+          <p:cNvPr id="21" name="TextBox 20"/>
+          <p:cNvSpPr txBox="1"/>
+          <p:nvPr/>
+        </p:nvSpPr>
+        <p:spPr>
+          <a:xfrm>
+            <a:off x="1371600" y="2589193"/>
+            <a:ext cx="15642010" cy="369332"/>
+          </a:xfrm>
+          <a:prstGeom prst="rect">
+            <a:avLst/>
+          </a:prstGeom>
+          <a:noFill/>
+        </p:spPr>
+        <p:txBody>
+          <a:bodyPr wrap="square" rtlCol="0">
+            <a:spAutoFit/>
+          </a:bodyPr>
+          <a:lstStyle/>
+          <a:p>
+            <a:r>
+              <a:rPr lang="ko-KR" altLang="en-US" dirty="0" smtClean="0">
+                <a:solidFill>
+                  <a:schemeClr val="tx1">
+                    <a:lumMod val="65000"/>
+                    <a:lumOff val="35000"/>
+                  </a:schemeClr>
+                </a:solidFill>
+                <a:latin typeface="에스코어 드림 5 Medium" pitchFamily="34" charset="-127"/>
+                <a:ea typeface="에스코어 드림 5 Medium" pitchFamily="34" charset="-127"/>
+              </a:rPr>
+              <a:t>각각의 작품을 클릭하면 나오는 상세 페이지로 작품에 대한 상세한 정보를 확인하실 수 있습니다</a:t>
+            </a:r>
+            <a:r>
+              <a:rPr lang="en-US" altLang="ko-KR" dirty="0" smtClean="0">
+                <a:solidFill>
+                  <a:schemeClr val="tx1">
+                    <a:lumMod val="65000"/>
+                    <a:lumOff val="35000"/>
+                  </a:schemeClr>
+                </a:solidFill>
+                <a:latin typeface="에스코어 드림 5 Medium" pitchFamily="34" charset="-127"/>
+                <a:ea typeface="에스코어 드림 5 Medium" pitchFamily="34" charset="-127"/>
+              </a:rPr>
+              <a:t>.</a:t>
+            </a:r>
+            <a:endParaRPr lang="ko-KR" altLang="en-US" dirty="0">
+              <a:solidFill>
+                <a:schemeClr val="tx1">
+                  <a:lumMod val="65000"/>
+                  <a:lumOff val="35000"/>
+                </a:schemeClr>
+              </a:solidFill>
+              <a:latin typeface="에스코어 드림 5 Medium" pitchFamily="34" charset="-127"/>
+              <a:ea typeface="에스코어 드림 5 Medium" pitchFamily="34" charset="-127"/>
+            </a:endParaRPr>
+          </a:p>
+        </p:txBody>
+      </p:sp>
+      <p:pic>
+        <p:nvPicPr>
+          <p:cNvPr id="5" name="그림 4"/>
+          <p:cNvPicPr>
+            <a:picLocks noChangeAspect="1"/>
+          </p:cNvPicPr>
+          <p:nvPr/>
+        </p:nvPicPr>
+        <p:blipFill rotWithShape="1">
+          <a:blip r:embed="rId6" cstate="print">
+            <a:extLst>
+              <a:ext uri="{28A0092B-C50C-407E-A947-70E740481C1C}">
+                <a14:useLocalDpi xmlns:a14="http://schemas.microsoft.com/office/drawing/2010/main" val="0"/>
+              </a:ext>
+            </a:extLst>
+          </a:blip>
+          <a:srcRect b="27846"/>
+          <a:stretch/>
+        </p:blipFill>
+        <p:spPr>
+          <a:xfrm>
+            <a:off x="7943092" y="3525143"/>
+            <a:ext cx="8820908" cy="5656958"/>
+          </a:xfrm>
+          <a:prstGeom prst="roundRect">
+            <a:avLst>
+              <a:gd name="adj" fmla="val 2175"/>
+            </a:avLst>
+          </a:prstGeom>
+        </p:spPr>
+      </p:pic>
+    </p:spTree>
+    <p:extLst>
+      <p:ext uri="{BB962C8B-B14F-4D97-AF65-F5344CB8AC3E}">
+        <p14:creationId xmlns:p14="http://schemas.microsoft.com/office/powerpoint/2010/main" val="2750103896"/>
+      </p:ext>
+    </p:extLst>
+  </p:cSld>
+  <p:clrMapOvr>
+    <a:masterClrMapping/>
+  </p:clrMapOvr>
+  <p:timing>
+    <p:tnLst>
+      <p:par>
+        <p:cTn id="1" dur="indefinite" restart="never" nodeType="tmRoot"/>
+      </p:par>
+    </p:tnLst>
+  </p:timing>
+</p:sld>
+</file>
+
+<file path=ppt/slides/slide11.xml><?xml version="1.0" encoding="utf-8"?>
+<p:sld xmlns:a="http://schemas.openxmlformats.org/drawingml/2006/main" xmlns:r="http://schemas.openxmlformats.org/officeDocument/2006/relationships" xmlns:p="http://schemas.openxmlformats.org/presentationml/2006/main">
+  <p:cSld>
+    <p:spTree>
+      <p:nvGrpSpPr>
+        <p:cNvPr id="1" name=""/>
+        <p:cNvGrpSpPr/>
+        <p:nvPr/>
+      </p:nvGrpSpPr>
+      <p:grpSpPr>
+        <a:xfrm>
+          <a:off x="0" y="0"/>
+          <a:ext cx="0" cy="0"/>
+          <a:chOff x="0" y="0"/>
+          <a:chExt cx="0" cy="0"/>
+        </a:xfrm>
+      </p:grpSpPr>
+      <p:grpSp>
+        <p:nvGrpSpPr>
+          <p:cNvPr id="1001" name="그룹 1001"/>
+          <p:cNvGrpSpPr/>
+          <p:nvPr/>
+        </p:nvGrpSpPr>
+        <p:grpSpPr>
+          <a:xfrm>
+            <a:off x="775595" y="3805265"/>
+            <a:ext cx="19276190" cy="6421463"/>
+            <a:chOff x="-495238" y="4070327"/>
+            <a:chExt cx="19276190" cy="6421463"/>
+          </a:xfrm>
+        </p:grpSpPr>
+        <p:pic>
+          <p:nvPicPr>
+            <p:cNvPr id="3" name="Object 2"/>
+            <p:cNvPicPr>
+              <a:picLocks noChangeAspect="1"/>
+            </p:cNvPicPr>
+            <p:nvPr/>
+          </p:nvPicPr>
+          <p:blipFill>
+            <a:blip r:embed="rId2" cstate="print"/>
+            <a:stretch>
+              <a:fillRect/>
+            </a:stretch>
+          </p:blipFill>
+          <p:spPr>
+            <a:xfrm>
+              <a:off x="-495238" y="4070327"/>
+              <a:ext cx="19276190" cy="6421463"/>
+            </a:xfrm>
+            <a:prstGeom prst="rect">
+              <a:avLst/>
+            </a:prstGeom>
+          </p:spPr>
+        </p:pic>
+      </p:grpSp>
+      <p:grpSp>
+        <p:nvGrpSpPr>
+          <p:cNvPr id="1002" name="그룹 1002"/>
+          <p:cNvGrpSpPr/>
+          <p:nvPr/>
+        </p:nvGrpSpPr>
+        <p:grpSpPr>
+          <a:xfrm>
+            <a:off x="10214920" y="5091278"/>
+            <a:ext cx="3576586" cy="3576586"/>
+            <a:chOff x="6837104" y="4832285"/>
+            <a:chExt cx="3576586" cy="3576586"/>
+          </a:xfrm>
+        </p:grpSpPr>
+        <p:pic>
+          <p:nvPicPr>
+            <p:cNvPr id="6" name="Object 5"/>
+            <p:cNvPicPr>
+              <a:picLocks noChangeAspect="1"/>
+            </p:cNvPicPr>
+            <p:nvPr/>
+          </p:nvPicPr>
+          <p:blipFill>
+            <a:blip r:embed="rId3" cstate="print"/>
+            <a:stretch>
+              <a:fillRect/>
+            </a:stretch>
+          </p:blipFill>
+          <p:spPr>
+            <a:xfrm>
+              <a:off x="6837104" y="4832285"/>
+              <a:ext cx="3576586" cy="3576586"/>
+            </a:xfrm>
+            <a:prstGeom prst="rect">
+              <a:avLst/>
+            </a:prstGeom>
+          </p:spPr>
+        </p:pic>
+      </p:grpSp>
+      <p:grpSp>
+        <p:nvGrpSpPr>
+          <p:cNvPr id="1004" name="그룹 1004"/>
+          <p:cNvGrpSpPr/>
+          <p:nvPr/>
+        </p:nvGrpSpPr>
+        <p:grpSpPr>
+          <a:xfrm>
+            <a:off x="4343399" y="5291804"/>
+            <a:ext cx="2456599" cy="60614"/>
+            <a:chOff x="2380657" y="5291806"/>
+            <a:chExt cx="4419343" cy="60610"/>
+          </a:xfrm>
+        </p:grpSpPr>
+        <p:pic>
+          <p:nvPicPr>
+            <p:cNvPr id="20" name="Object 19"/>
+            <p:cNvPicPr>
+              <a:picLocks noChangeAspect="1"/>
+            </p:cNvPicPr>
+            <p:nvPr/>
+          </p:nvPicPr>
+          <p:blipFill>
+            <a:blip r:embed="rId4" cstate="print"/>
+            <a:stretch>
+              <a:fillRect/>
+            </a:stretch>
+          </p:blipFill>
+          <p:spPr>
+            <a:xfrm rot="-10800000">
+              <a:off x="2380657" y="5291806"/>
+              <a:ext cx="4419343" cy="60610"/>
+            </a:xfrm>
+            <a:prstGeom prst="rect">
+              <a:avLst/>
+            </a:prstGeom>
+          </p:spPr>
+        </p:pic>
+      </p:grpSp>
+      <p:pic>
+        <p:nvPicPr>
+          <p:cNvPr id="25" name="Object 24"/>
+          <p:cNvPicPr>
+            <a:picLocks noChangeAspect="1"/>
+          </p:cNvPicPr>
+          <p:nvPr/>
+        </p:nvPicPr>
+        <p:blipFill>
+          <a:blip r:embed="rId5" cstate="print"/>
+          <a:stretch>
+            <a:fillRect/>
+          </a:stretch>
+        </p:blipFill>
+        <p:spPr>
+          <a:xfrm>
+            <a:off x="12040319" y="3817965"/>
+            <a:ext cx="4479990" cy="6359961"/>
+          </a:xfrm>
+          <a:prstGeom prst="rect">
+            <a:avLst/>
+          </a:prstGeom>
+        </p:spPr>
+      </p:pic>
+      <p:sp>
+        <p:nvSpPr>
+          <p:cNvPr id="44" name="TextBox 43"/>
+          <p:cNvSpPr txBox="1"/>
+          <p:nvPr/>
+        </p:nvSpPr>
+        <p:spPr>
+          <a:xfrm>
+            <a:off x="1319164" y="1674793"/>
+            <a:ext cx="5557932" cy="707886"/>
+          </a:xfrm>
+          <a:prstGeom prst="rect">
+            <a:avLst/>
+          </a:prstGeom>
+          <a:noFill/>
+        </p:spPr>
+        <p:txBody>
+          <a:bodyPr wrap="none" rtlCol="0">
+            <a:spAutoFit/>
+          </a:bodyPr>
+          <a:lstStyle/>
+          <a:p>
+            <a:r>
+              <a:rPr lang="ko-KR" altLang="en-US" sz="4000" dirty="0" smtClean="0">
+                <a:solidFill>
+                  <a:srgbClr val="FE794C"/>
+                </a:solidFill>
+                <a:latin typeface="에스코어 드림 6 Bold" pitchFamily="34" charset="-127"/>
+                <a:ea typeface="에스코어 드림 6 Bold" pitchFamily="34" charset="-127"/>
+              </a:rPr>
+              <a:t>작품 상세 화면</a:t>
+            </a:r>
+            <a:r>
+              <a:rPr lang="en-US" altLang="ko-KR" sz="4000" dirty="0">
+                <a:solidFill>
+                  <a:schemeClr val="tx1">
+                    <a:lumMod val="75000"/>
+                    <a:lumOff val="25000"/>
+                  </a:schemeClr>
+                </a:solidFill>
+                <a:latin typeface="에스코어 드림 6 Bold" pitchFamily="34" charset="-127"/>
+                <a:ea typeface="에스코어 드림 6 Bold" pitchFamily="34" charset="-127"/>
+              </a:rPr>
+              <a:t> </a:t>
+            </a:r>
+            <a:r>
+              <a:rPr lang="ko-KR" altLang="en-US" sz="4000" dirty="0" err="1" smtClean="0">
+                <a:solidFill>
+                  <a:schemeClr val="tx1">
+                    <a:lumMod val="75000"/>
+                    <a:lumOff val="25000"/>
+                  </a:schemeClr>
+                </a:solidFill>
+                <a:latin typeface="에스코어 드림 6 Bold" pitchFamily="34" charset="-127"/>
+                <a:ea typeface="에스코어 드림 6 Bold" pitchFamily="34" charset="-127"/>
+              </a:rPr>
+              <a:t>주요코드</a:t>
+            </a:r>
+            <a:endParaRPr lang="ko-KR" altLang="en-US" sz="4000" dirty="0">
+              <a:solidFill>
+                <a:schemeClr val="tx1">
+                  <a:lumMod val="75000"/>
+                  <a:lumOff val="25000"/>
+                </a:schemeClr>
+              </a:solidFill>
+              <a:latin typeface="에스코어 드림 6 Bold" pitchFamily="34" charset="-127"/>
+              <a:ea typeface="에스코어 드림 6 Bold" pitchFamily="34" charset="-127"/>
+            </a:endParaRPr>
+          </a:p>
+        </p:txBody>
+      </p:sp>
+      <p:sp>
+        <p:nvSpPr>
+          <p:cNvPr id="48" name="TextBox 47"/>
+          <p:cNvSpPr txBox="1"/>
+          <p:nvPr/>
+        </p:nvSpPr>
+        <p:spPr>
+          <a:xfrm>
+            <a:off x="1956358" y="5060971"/>
+            <a:ext cx="1750800" cy="461665"/>
+          </a:xfrm>
+          <a:prstGeom prst="rect">
+            <a:avLst/>
+          </a:prstGeom>
+          <a:noFill/>
+        </p:spPr>
+        <p:txBody>
+          <a:bodyPr wrap="square" rtlCol="0">
+            <a:spAutoFit/>
+          </a:bodyPr>
+          <a:lstStyle/>
+          <a:p>
+            <a:r>
+              <a:rPr lang="ko-KR" altLang="en-US" sz="2400" dirty="0" smtClean="0">
+                <a:solidFill>
+                  <a:srgbClr val="FE794C"/>
+                </a:solidFill>
+                <a:latin typeface="에스코어 드림 9 Black" pitchFamily="34" charset="-127"/>
+                <a:ea typeface="에스코어 드림 9 Black" pitchFamily="34" charset="-127"/>
+              </a:rPr>
+              <a:t>좋아요 코드</a:t>
+            </a:r>
+            <a:endParaRPr lang="ko-KR" altLang="en-US" sz="2400" dirty="0">
+              <a:solidFill>
+                <a:srgbClr val="FE794C"/>
+              </a:solidFill>
+              <a:latin typeface="에스코어 드림 9 Black" pitchFamily="34" charset="-127"/>
+              <a:ea typeface="에스코어 드림 9 Black" pitchFamily="34" charset="-127"/>
+            </a:endParaRPr>
+          </a:p>
+        </p:txBody>
+      </p:sp>
+      <p:sp>
+        <p:nvSpPr>
+          <p:cNvPr id="52" name="TextBox 51"/>
+          <p:cNvSpPr txBox="1"/>
+          <p:nvPr/>
+        </p:nvSpPr>
+        <p:spPr>
+          <a:xfrm>
+            <a:off x="1319164" y="5881913"/>
+            <a:ext cx="5517940" cy="1477328"/>
+          </a:xfrm>
+          <a:prstGeom prst="rect">
+            <a:avLst/>
+          </a:prstGeom>
+          <a:noFill/>
+        </p:spPr>
+        <p:txBody>
+          <a:bodyPr wrap="square" rtlCol="0">
+            <a:spAutoFit/>
+          </a:bodyPr>
+          <a:lstStyle/>
+          <a:p>
+            <a:endParaRPr lang="en-US" altLang="ko-KR" dirty="0">
+              <a:solidFill>
+                <a:srgbClr val="FE794C"/>
+              </a:solidFill>
+              <a:latin typeface="에스코어 드림 6 Bold" pitchFamily="34" charset="-127"/>
+              <a:ea typeface="에스코어 드림 6 Bold" pitchFamily="34" charset="-127"/>
+            </a:endParaRPr>
+          </a:p>
+          <a:p>
+            <a:r>
+              <a:rPr lang="en-US" altLang="ko-KR" dirty="0" smtClean="0">
+                <a:solidFill>
+                  <a:srgbClr val="FE794C"/>
+                </a:solidFill>
+                <a:latin typeface="에스코어 드림 6 Bold" pitchFamily="34" charset="-127"/>
+                <a:ea typeface="에스코어 드림 6 Bold" pitchFamily="34" charset="-127"/>
+              </a:rPr>
+              <a:t>Ajax</a:t>
+            </a:r>
+            <a:r>
+              <a:rPr lang="ko-KR" altLang="en-US" dirty="0" err="1" smtClean="0">
+                <a:solidFill>
+                  <a:schemeClr val="tx1">
+                    <a:lumMod val="65000"/>
+                    <a:lumOff val="35000"/>
+                  </a:schemeClr>
+                </a:solidFill>
+                <a:latin typeface="에스코어 드림 5 Medium" pitchFamily="34" charset="-127"/>
+                <a:ea typeface="에스코어 드림 5 Medium" pitchFamily="34" charset="-127"/>
+              </a:rPr>
+              <a:t>를</a:t>
+            </a:r>
+            <a:r>
+              <a:rPr lang="ko-KR" altLang="en-US" dirty="0" smtClean="0">
+                <a:solidFill>
+                  <a:schemeClr val="tx1">
+                    <a:lumMod val="65000"/>
+                    <a:lumOff val="35000"/>
+                  </a:schemeClr>
+                </a:solidFill>
+                <a:latin typeface="에스코어 드림 5 Medium" pitchFamily="34" charset="-127"/>
+                <a:ea typeface="에스코어 드림 5 Medium" pitchFamily="34" charset="-127"/>
+              </a:rPr>
+              <a:t> 이용하여 계정마다 한번씩만 </a:t>
+            </a:r>
+            <a:r>
+              <a:rPr lang="ko-KR" altLang="en-US" dirty="0" err="1" smtClean="0">
+                <a:solidFill>
+                  <a:schemeClr val="tx1">
+                    <a:lumMod val="65000"/>
+                    <a:lumOff val="35000"/>
+                  </a:schemeClr>
+                </a:solidFill>
+                <a:latin typeface="에스코어 드림 5 Medium" pitchFamily="34" charset="-127"/>
+                <a:ea typeface="에스코어 드림 5 Medium" pitchFamily="34" charset="-127"/>
+              </a:rPr>
+              <a:t>좋아요를</a:t>
+            </a:r>
+            <a:r>
+              <a:rPr lang="ko-KR" altLang="en-US" dirty="0" smtClean="0">
+                <a:solidFill>
+                  <a:schemeClr val="tx1">
+                    <a:lumMod val="65000"/>
+                    <a:lumOff val="35000"/>
+                  </a:schemeClr>
+                </a:solidFill>
+                <a:latin typeface="에스코어 드림 5 Medium" pitchFamily="34" charset="-127"/>
+                <a:ea typeface="에스코어 드림 5 Medium" pitchFamily="34" charset="-127"/>
+              </a:rPr>
+              <a:t> </a:t>
+            </a:r>
+            <a:endParaRPr lang="en-US" altLang="ko-KR" dirty="0" smtClean="0">
+              <a:solidFill>
+                <a:schemeClr val="tx1">
+                  <a:lumMod val="65000"/>
+                  <a:lumOff val="35000"/>
+                </a:schemeClr>
+              </a:solidFill>
+              <a:latin typeface="에스코어 드림 5 Medium" pitchFamily="34" charset="-127"/>
+              <a:ea typeface="에스코어 드림 5 Medium" pitchFamily="34" charset="-127"/>
+            </a:endParaRPr>
+          </a:p>
+          <a:p>
+            <a:r>
+              <a:rPr lang="ko-KR" altLang="en-US" dirty="0" smtClean="0">
+                <a:solidFill>
+                  <a:schemeClr val="tx1">
+                    <a:lumMod val="65000"/>
+                    <a:lumOff val="35000"/>
+                  </a:schemeClr>
+                </a:solidFill>
+                <a:latin typeface="에스코어 드림 5 Medium" pitchFamily="34" charset="-127"/>
+                <a:ea typeface="에스코어 드림 5 Medium" pitchFamily="34" charset="-127"/>
+              </a:rPr>
+              <a:t>누르고 한번 씩만 취소하며</a:t>
+            </a:r>
+            <a:endParaRPr lang="en-US" altLang="ko-KR" dirty="0">
+              <a:solidFill>
+                <a:schemeClr val="tx1">
+                  <a:lumMod val="65000"/>
+                  <a:lumOff val="35000"/>
+                </a:schemeClr>
+              </a:solidFill>
+              <a:latin typeface="에스코어 드림 5 Medium" pitchFamily="34" charset="-127"/>
+              <a:ea typeface="에스코어 드림 5 Medium" pitchFamily="34" charset="-127"/>
+            </a:endParaRPr>
+          </a:p>
+          <a:p>
+            <a:r>
+              <a:rPr lang="ko-KR" altLang="en-US" dirty="0" err="1" smtClean="0">
+                <a:solidFill>
+                  <a:schemeClr val="tx1">
+                    <a:lumMod val="65000"/>
+                    <a:lumOff val="35000"/>
+                  </a:schemeClr>
+                </a:solidFill>
+                <a:latin typeface="에스코어 드림 5 Medium" pitchFamily="34" charset="-127"/>
+                <a:ea typeface="에스코어 드림 5 Medium" pitchFamily="34" charset="-127"/>
+              </a:rPr>
+              <a:t>게시글</a:t>
+            </a:r>
+            <a:r>
+              <a:rPr lang="ko-KR" altLang="en-US" dirty="0" smtClean="0">
+                <a:solidFill>
+                  <a:schemeClr val="tx1">
+                    <a:lumMod val="65000"/>
+                    <a:lumOff val="35000"/>
+                  </a:schemeClr>
+                </a:solidFill>
+                <a:latin typeface="에스코어 드림 5 Medium" pitchFamily="34" charset="-127"/>
+                <a:ea typeface="에스코어 드림 5 Medium" pitchFamily="34" charset="-127"/>
+              </a:rPr>
+              <a:t> 내부에 있는 좋아요 변수의</a:t>
+            </a:r>
+            <a:endParaRPr lang="en-US" altLang="ko-KR" dirty="0" smtClean="0">
+              <a:solidFill>
+                <a:schemeClr val="tx1">
+                  <a:lumMod val="65000"/>
+                  <a:lumOff val="35000"/>
+                </a:schemeClr>
+              </a:solidFill>
+              <a:latin typeface="에스코어 드림 5 Medium" pitchFamily="34" charset="-127"/>
+              <a:ea typeface="에스코어 드림 5 Medium" pitchFamily="34" charset="-127"/>
+            </a:endParaRPr>
+          </a:p>
+          <a:p>
+            <a:r>
+              <a:rPr lang="ko-KR" altLang="en-US" dirty="0" smtClean="0">
+                <a:solidFill>
+                  <a:schemeClr val="tx1">
+                    <a:lumMod val="65000"/>
+                    <a:lumOff val="35000"/>
+                  </a:schemeClr>
+                </a:solidFill>
+                <a:latin typeface="에스코어 드림 5 Medium" pitchFamily="34" charset="-127"/>
+                <a:ea typeface="에스코어 드림 5 Medium" pitchFamily="34" charset="-127"/>
+              </a:rPr>
+              <a:t>숫자가 늘어나고 줄어들게 </a:t>
+            </a:r>
+            <a:r>
+              <a:rPr lang="ko-KR" altLang="en-US" dirty="0" err="1" smtClean="0">
+                <a:solidFill>
+                  <a:schemeClr val="tx1">
+                    <a:lumMod val="65000"/>
+                    <a:lumOff val="35000"/>
+                  </a:schemeClr>
+                </a:solidFill>
+                <a:latin typeface="에스코어 드림 5 Medium" pitchFamily="34" charset="-127"/>
+                <a:ea typeface="에스코어 드림 5 Medium" pitchFamily="34" charset="-127"/>
+              </a:rPr>
+              <a:t>만들음</a:t>
+            </a:r>
+            <a:r>
+              <a:rPr lang="en-US" altLang="ko-KR" dirty="0" smtClean="0">
+                <a:solidFill>
+                  <a:schemeClr val="tx1">
+                    <a:lumMod val="65000"/>
+                    <a:lumOff val="35000"/>
+                  </a:schemeClr>
+                </a:solidFill>
+                <a:latin typeface="에스코어 드림 5 Medium" pitchFamily="34" charset="-127"/>
+                <a:ea typeface="에스코어 드림 5 Medium" pitchFamily="34" charset="-127"/>
+              </a:rPr>
+              <a:t>.</a:t>
+            </a:r>
+          </a:p>
+        </p:txBody>
+      </p:sp>
+      <p:sp>
+        <p:nvSpPr>
+          <p:cNvPr id="18" name="TextBox 17"/>
+          <p:cNvSpPr txBox="1"/>
+          <p:nvPr/>
+        </p:nvSpPr>
+        <p:spPr>
+          <a:xfrm>
+            <a:off x="75848" y="9182100"/>
+            <a:ext cx="1090811" cy="1015663"/>
+          </a:xfrm>
+          <a:prstGeom prst="rect">
+            <a:avLst/>
+          </a:prstGeom>
+          <a:noFill/>
+        </p:spPr>
+        <p:txBody>
+          <a:bodyPr wrap="none" rtlCol="0">
+            <a:spAutoFit/>
+          </a:bodyPr>
+          <a:lstStyle/>
+          <a:p>
+            <a:r>
+              <a:rPr lang="en-US" altLang="ko-KR" sz="6000" i="1" dirty="0" smtClean="0">
+                <a:solidFill>
+                  <a:schemeClr val="bg1"/>
+                </a:solidFill>
+                <a:latin typeface="Franklin Gothic Heavy" panose="020B0903020102020204" pitchFamily="34" charset="0"/>
+              </a:rPr>
+              <a:t>13</a:t>
+            </a:r>
+            <a:endParaRPr lang="ko-KR" altLang="en-US" sz="6000" i="1" dirty="0">
+              <a:solidFill>
+                <a:schemeClr val="bg1"/>
+              </a:solidFill>
+              <a:latin typeface="Franklin Gothic Heavy" panose="020B0903020102020204" pitchFamily="34" charset="0"/>
+            </a:endParaRPr>
+          </a:p>
+        </p:txBody>
+      </p:sp>
+      <p:sp>
+        <p:nvSpPr>
+          <p:cNvPr id="21" name="TextBox 20"/>
+          <p:cNvSpPr txBox="1"/>
+          <p:nvPr/>
+        </p:nvSpPr>
+        <p:spPr>
+          <a:xfrm>
+            <a:off x="1371600" y="2589193"/>
+            <a:ext cx="15642010" cy="369332"/>
+          </a:xfrm>
+          <a:prstGeom prst="rect">
+            <a:avLst/>
+          </a:prstGeom>
+          <a:noFill/>
+        </p:spPr>
+        <p:txBody>
+          <a:bodyPr wrap="square" rtlCol="0">
+            <a:spAutoFit/>
+          </a:bodyPr>
+          <a:lstStyle/>
+          <a:p>
+            <a:r>
+              <a:rPr lang="ko-KR" altLang="en-US" dirty="0" smtClean="0">
+                <a:solidFill>
+                  <a:schemeClr val="tx1">
+                    <a:lumMod val="65000"/>
+                    <a:lumOff val="35000"/>
+                  </a:schemeClr>
+                </a:solidFill>
+                <a:latin typeface="에스코어 드림 5 Medium" pitchFamily="34" charset="-127"/>
+                <a:ea typeface="에스코어 드림 5 Medium" pitchFamily="34" charset="-127"/>
+              </a:rPr>
+              <a:t>각각의 작품을 클릭하면 나오는 상세 페이지로 작품에 대한 상세한 정보를 확인하실 수 있습니다</a:t>
+            </a:r>
+            <a:r>
+              <a:rPr lang="en-US" altLang="ko-KR" dirty="0" smtClean="0">
+                <a:solidFill>
+                  <a:schemeClr val="tx1">
+                    <a:lumMod val="65000"/>
+                    <a:lumOff val="35000"/>
+                  </a:schemeClr>
+                </a:solidFill>
+                <a:latin typeface="에스코어 드림 5 Medium" pitchFamily="34" charset="-127"/>
+                <a:ea typeface="에스코어 드림 5 Medium" pitchFamily="34" charset="-127"/>
+              </a:rPr>
+              <a:t>.</a:t>
+            </a:r>
+            <a:endParaRPr lang="ko-KR" altLang="en-US" dirty="0">
+              <a:solidFill>
+                <a:schemeClr val="tx1">
+                  <a:lumMod val="65000"/>
+                  <a:lumOff val="35000"/>
+                </a:schemeClr>
+              </a:solidFill>
+              <a:latin typeface="에스코어 드림 5 Medium" pitchFamily="34" charset="-127"/>
+              <a:ea typeface="에스코어 드림 5 Medium" pitchFamily="34" charset="-127"/>
+            </a:endParaRPr>
+          </a:p>
+        </p:txBody>
+      </p:sp>
+      <p:pic>
+        <p:nvPicPr>
+          <p:cNvPr id="2" name="그림 1"/>
+          <p:cNvPicPr>
+            <a:picLocks noChangeAspect="1"/>
+          </p:cNvPicPr>
+          <p:nvPr/>
+        </p:nvPicPr>
+        <p:blipFill>
+          <a:blip r:embed="rId6">
+            <a:extLst>
+              <a:ext uri="{28A0092B-C50C-407E-A947-70E740481C1C}">
+                <a14:useLocalDpi xmlns:a14="http://schemas.microsoft.com/office/drawing/2010/main" val="0"/>
+              </a:ext>
+            </a:extLst>
+          </a:blip>
+          <a:stretch>
+            <a:fillRect/>
+          </a:stretch>
+        </p:blipFill>
+        <p:spPr>
+          <a:xfrm>
+            <a:off x="12211625" y="4146508"/>
+            <a:ext cx="4158251" cy="5681821"/>
+          </a:xfrm>
+          <a:prstGeom prst="rect">
+            <a:avLst/>
+          </a:prstGeom>
+        </p:spPr>
+      </p:pic>
+    </p:spTree>
+    <p:extLst>
+      <p:ext uri="{BB962C8B-B14F-4D97-AF65-F5344CB8AC3E}">
+        <p14:creationId xmlns:p14="http://schemas.microsoft.com/office/powerpoint/2010/main" val="3795238741"/>
+      </p:ext>
+    </p:extLst>
+  </p:cSld>
+  <p:clrMapOvr>
+    <a:masterClrMapping/>
+  </p:clrMapOvr>
+  <p:timing>
+    <p:tnLst>
+      <p:par>
+        <p:cTn id="1" dur="indefinite" restart="never" nodeType="tmRoot"/>
+      </p:par>
+    </p:tnLst>
+  </p:timing>
+</p:sld>
+</file>
+
+<file path=ppt/slides/slide12.xml><?xml version="1.0" encoding="utf-8"?>
+<p:sld xmlns:a="http://schemas.openxmlformats.org/drawingml/2006/main" xmlns:r="http://schemas.openxmlformats.org/officeDocument/2006/relationships" xmlns:p="http://schemas.openxmlformats.org/presentationml/2006/main">
+  <p:cSld>
+    <p:spTree>
+      <p:nvGrpSpPr>
+        <p:cNvPr id="1" name=""/>
+        <p:cNvGrpSpPr/>
+        <p:nvPr/>
+      </p:nvGrpSpPr>
+      <p:grpSpPr>
+        <a:xfrm>
+          <a:off x="0" y="0"/>
+          <a:ext cx="0" cy="0"/>
+          <a:chOff x="0" y="0"/>
+          <a:chExt cx="0" cy="0"/>
+        </a:xfrm>
+      </p:grpSpPr>
+      <p:grpSp>
+        <p:nvGrpSpPr>
+          <p:cNvPr id="16" name="그룹 1002"/>
+          <p:cNvGrpSpPr/>
+          <p:nvPr/>
+        </p:nvGrpSpPr>
+        <p:grpSpPr>
+          <a:xfrm>
+            <a:off x="6737403" y="5135421"/>
+            <a:ext cx="3576586" cy="3576586"/>
+            <a:chOff x="6837104" y="4832285"/>
+            <a:chExt cx="3576586" cy="3576586"/>
+          </a:xfrm>
+        </p:grpSpPr>
+        <p:pic>
+          <p:nvPicPr>
+            <p:cNvPr id="17" name="Object 5"/>
+            <p:cNvPicPr>
+              <a:picLocks noChangeAspect="1"/>
+            </p:cNvPicPr>
+            <p:nvPr/>
+          </p:nvPicPr>
+          <p:blipFill>
+            <a:blip r:embed="rId2" cstate="print"/>
+            <a:stretch>
+              <a:fillRect/>
+            </a:stretch>
+          </p:blipFill>
+          <p:spPr>
+            <a:xfrm>
+              <a:off x="6837104" y="4832285"/>
+              <a:ext cx="3576586" cy="3576586"/>
+            </a:xfrm>
+            <a:prstGeom prst="rect">
+              <a:avLst/>
+            </a:prstGeom>
+          </p:spPr>
+        </p:pic>
+      </p:grpSp>
+      <p:grpSp>
+        <p:nvGrpSpPr>
+          <p:cNvPr id="1001" name="그룹 1001"/>
+          <p:cNvGrpSpPr/>
+          <p:nvPr/>
+        </p:nvGrpSpPr>
+        <p:grpSpPr>
+          <a:xfrm>
+            <a:off x="762000" y="3827437"/>
+            <a:ext cx="19276190" cy="6421463"/>
+            <a:chOff x="-495238" y="4070327"/>
+            <a:chExt cx="19276190" cy="6421463"/>
+          </a:xfrm>
+        </p:grpSpPr>
+        <p:pic>
+          <p:nvPicPr>
+            <p:cNvPr id="3" name="Object 2"/>
+            <p:cNvPicPr>
+              <a:picLocks noChangeAspect="1"/>
+            </p:cNvPicPr>
+            <p:nvPr/>
+          </p:nvPicPr>
+          <p:blipFill>
+            <a:blip r:embed="rId3" cstate="print"/>
+            <a:stretch>
+              <a:fillRect/>
+            </a:stretch>
+          </p:blipFill>
+          <p:spPr>
+            <a:xfrm>
+              <a:off x="-495238" y="4070327"/>
+              <a:ext cx="19276190" cy="6421463"/>
+            </a:xfrm>
+            <a:prstGeom prst="rect">
+              <a:avLst/>
+            </a:prstGeom>
+          </p:spPr>
+        </p:pic>
+      </p:grpSp>
+      <p:grpSp>
+        <p:nvGrpSpPr>
+          <p:cNvPr id="1002" name="그룹 1002"/>
+          <p:cNvGrpSpPr/>
+          <p:nvPr/>
+        </p:nvGrpSpPr>
+        <p:grpSpPr>
+          <a:xfrm>
+            <a:off x="8776410" y="5264776"/>
+            <a:ext cx="3576586" cy="3576586"/>
+            <a:chOff x="6837104" y="4832285"/>
+            <a:chExt cx="3576586" cy="3576586"/>
+          </a:xfrm>
+        </p:grpSpPr>
+        <p:pic>
+          <p:nvPicPr>
+            <p:cNvPr id="6" name="Object 5"/>
+            <p:cNvPicPr>
+              <a:picLocks noChangeAspect="1"/>
+            </p:cNvPicPr>
+            <p:nvPr/>
+          </p:nvPicPr>
+          <p:blipFill>
+            <a:blip r:embed="rId2" cstate="print"/>
+            <a:stretch>
+              <a:fillRect/>
+            </a:stretch>
+          </p:blipFill>
+          <p:spPr>
+            <a:xfrm>
+              <a:off x="6837104" y="4832285"/>
+              <a:ext cx="3576586" cy="3576586"/>
+            </a:xfrm>
+            <a:prstGeom prst="rect">
+              <a:avLst/>
+            </a:prstGeom>
+          </p:spPr>
+        </p:pic>
+      </p:grpSp>
+      <p:grpSp>
+        <p:nvGrpSpPr>
+          <p:cNvPr id="1004" name="그룹 1004"/>
+          <p:cNvGrpSpPr/>
+          <p:nvPr/>
+        </p:nvGrpSpPr>
+        <p:grpSpPr>
+          <a:xfrm>
+            <a:off x="4343399" y="5291804"/>
+            <a:ext cx="2456599" cy="60614"/>
+            <a:chOff x="2380657" y="5291806"/>
+            <a:chExt cx="4419343" cy="60610"/>
+          </a:xfrm>
+        </p:grpSpPr>
+        <p:pic>
+          <p:nvPicPr>
+            <p:cNvPr id="20" name="Object 19"/>
+            <p:cNvPicPr>
+              <a:picLocks noChangeAspect="1"/>
+            </p:cNvPicPr>
+            <p:nvPr/>
+          </p:nvPicPr>
+          <p:blipFill>
+            <a:blip r:embed="rId4" cstate="print"/>
+            <a:stretch>
+              <a:fillRect/>
+            </a:stretch>
+          </p:blipFill>
+          <p:spPr>
+            <a:xfrm rot="-10800000">
+              <a:off x="2380657" y="5291806"/>
+              <a:ext cx="4419343" cy="60610"/>
+            </a:xfrm>
+            <a:prstGeom prst="rect">
+              <a:avLst/>
+            </a:prstGeom>
+          </p:spPr>
+        </p:pic>
+      </p:grpSp>
+      <p:pic>
+        <p:nvPicPr>
+          <p:cNvPr id="25" name="Object 24"/>
+          <p:cNvPicPr>
+            <a:picLocks noChangeAspect="1"/>
+          </p:cNvPicPr>
+          <p:nvPr/>
+        </p:nvPicPr>
+        <p:blipFill>
+          <a:blip r:embed="rId5" cstate="print"/>
+          <a:stretch>
+            <a:fillRect/>
+          </a:stretch>
+        </p:blipFill>
+        <p:spPr>
+          <a:xfrm>
+            <a:off x="8364592" y="4377883"/>
+            <a:ext cx="8903744" cy="5428515"/>
+          </a:xfrm>
+          <a:prstGeom prst="rect">
+            <a:avLst/>
+          </a:prstGeom>
+        </p:spPr>
+      </p:pic>
+      <p:sp>
+        <p:nvSpPr>
+          <p:cNvPr id="44" name="TextBox 43"/>
+          <p:cNvSpPr txBox="1"/>
+          <p:nvPr/>
+        </p:nvSpPr>
+        <p:spPr>
+          <a:xfrm>
+            <a:off x="1319164" y="1674793"/>
+            <a:ext cx="5557932" cy="707886"/>
+          </a:xfrm>
+          <a:prstGeom prst="rect">
+            <a:avLst/>
+          </a:prstGeom>
+          <a:noFill/>
+        </p:spPr>
+        <p:txBody>
+          <a:bodyPr wrap="none" rtlCol="0">
+            <a:spAutoFit/>
+          </a:bodyPr>
+          <a:lstStyle/>
+          <a:p>
+            <a:r>
+              <a:rPr lang="ko-KR" altLang="en-US" sz="4000" dirty="0" smtClean="0">
+                <a:solidFill>
+                  <a:srgbClr val="FE794C"/>
+                </a:solidFill>
+                <a:latin typeface="에스코어 드림 6 Bold" pitchFamily="34" charset="-127"/>
+                <a:ea typeface="에스코어 드림 6 Bold" pitchFamily="34" charset="-127"/>
+              </a:rPr>
+              <a:t>작품 상세 화면</a:t>
+            </a:r>
+            <a:r>
+              <a:rPr lang="en-US" altLang="ko-KR" sz="4000" dirty="0">
+                <a:solidFill>
+                  <a:schemeClr val="tx1">
+                    <a:lumMod val="75000"/>
+                    <a:lumOff val="25000"/>
+                  </a:schemeClr>
+                </a:solidFill>
+                <a:latin typeface="에스코어 드림 6 Bold" pitchFamily="34" charset="-127"/>
+                <a:ea typeface="에스코어 드림 6 Bold" pitchFamily="34" charset="-127"/>
+              </a:rPr>
+              <a:t> </a:t>
+            </a:r>
+            <a:r>
+              <a:rPr lang="ko-KR" altLang="en-US" sz="4000" dirty="0" err="1" smtClean="0">
+                <a:solidFill>
+                  <a:schemeClr val="tx1">
+                    <a:lumMod val="75000"/>
+                    <a:lumOff val="25000"/>
+                  </a:schemeClr>
+                </a:solidFill>
+                <a:latin typeface="에스코어 드림 6 Bold" pitchFamily="34" charset="-127"/>
+                <a:ea typeface="에스코어 드림 6 Bold" pitchFamily="34" charset="-127"/>
+              </a:rPr>
+              <a:t>주요코드</a:t>
+            </a:r>
+            <a:endParaRPr lang="ko-KR" altLang="en-US" sz="4000" dirty="0">
+              <a:solidFill>
+                <a:schemeClr val="tx1">
+                  <a:lumMod val="75000"/>
+                  <a:lumOff val="25000"/>
+                </a:schemeClr>
+              </a:solidFill>
+              <a:latin typeface="에스코어 드림 6 Bold" pitchFamily="34" charset="-127"/>
+              <a:ea typeface="에스코어 드림 6 Bold" pitchFamily="34" charset="-127"/>
+            </a:endParaRPr>
+          </a:p>
+        </p:txBody>
+      </p:sp>
+      <p:sp>
+        <p:nvSpPr>
+          <p:cNvPr id="48" name="TextBox 47"/>
+          <p:cNvSpPr txBox="1"/>
+          <p:nvPr/>
+        </p:nvSpPr>
+        <p:spPr>
+          <a:xfrm>
+            <a:off x="1891909" y="5097321"/>
+            <a:ext cx="2045753" cy="461665"/>
+          </a:xfrm>
+          <a:prstGeom prst="rect">
+            <a:avLst/>
+          </a:prstGeom>
+          <a:noFill/>
+        </p:spPr>
+        <p:txBody>
+          <a:bodyPr wrap="none" rtlCol="0">
+            <a:spAutoFit/>
+          </a:bodyPr>
+          <a:lstStyle/>
+          <a:p>
+            <a:r>
+              <a:rPr lang="ko-KR" altLang="en-US" sz="2400" dirty="0" smtClean="0">
+                <a:solidFill>
+                  <a:srgbClr val="FE794C"/>
+                </a:solidFill>
+                <a:latin typeface="에스코어 드림 9 Black" pitchFamily="34" charset="-127"/>
+                <a:ea typeface="에스코어 드림 9 Black" pitchFamily="34" charset="-127"/>
+              </a:rPr>
+              <a:t>장바구니 코드</a:t>
+            </a:r>
+            <a:endParaRPr lang="ko-KR" altLang="en-US" sz="2400" dirty="0">
+              <a:solidFill>
+                <a:srgbClr val="FE794C"/>
+              </a:solidFill>
+              <a:latin typeface="에스코어 드림 9 Black" pitchFamily="34" charset="-127"/>
+              <a:ea typeface="에스코어 드림 9 Black" pitchFamily="34" charset="-127"/>
+            </a:endParaRPr>
+          </a:p>
+        </p:txBody>
+      </p:sp>
+      <p:sp>
+        <p:nvSpPr>
+          <p:cNvPr id="52" name="TextBox 51"/>
+          <p:cNvSpPr txBox="1"/>
+          <p:nvPr/>
+        </p:nvSpPr>
+        <p:spPr>
+          <a:xfrm>
+            <a:off x="1319164" y="5881913"/>
+            <a:ext cx="5517940" cy="1554272"/>
+          </a:xfrm>
+          <a:prstGeom prst="rect">
+            <a:avLst/>
+          </a:prstGeom>
+          <a:noFill/>
+        </p:spPr>
+        <p:txBody>
+          <a:bodyPr wrap="square" rtlCol="0">
+            <a:spAutoFit/>
+          </a:bodyPr>
+          <a:lstStyle/>
+          <a:p>
+            <a:r>
+              <a:rPr lang="ko-KR" altLang="en-US" dirty="0" smtClean="0">
+                <a:solidFill>
+                  <a:schemeClr val="tx1">
+                    <a:lumMod val="65000"/>
+                    <a:lumOff val="35000"/>
+                  </a:schemeClr>
+                </a:solidFill>
+                <a:latin typeface="에스코어 드림 5 Medium" pitchFamily="34" charset="-127"/>
+                <a:ea typeface="에스코어 드림 5 Medium" pitchFamily="34" charset="-127"/>
+              </a:rPr>
+              <a:t>로그인 했을 경우에만 장바구니에 담고</a:t>
+            </a:r>
+            <a:endParaRPr lang="en-US" altLang="ko-KR" dirty="0" smtClean="0">
+              <a:solidFill>
+                <a:schemeClr val="tx1">
+                  <a:lumMod val="65000"/>
+                  <a:lumOff val="35000"/>
+                </a:schemeClr>
+              </a:solidFill>
+              <a:latin typeface="에스코어 드림 5 Medium" pitchFamily="34" charset="-127"/>
+              <a:ea typeface="에스코어 드림 5 Medium" pitchFamily="34" charset="-127"/>
+            </a:endParaRPr>
+          </a:p>
+          <a:p>
+            <a:r>
+              <a:rPr lang="en-US" altLang="ko-KR" sz="2000" dirty="0">
+                <a:solidFill>
+                  <a:srgbClr val="FE794C"/>
+                </a:solidFill>
+                <a:latin typeface="에스코어 드림 6 Bold" pitchFamily="34" charset="-127"/>
+                <a:ea typeface="에스코어 드림 6 Bold" pitchFamily="34" charset="-127"/>
+              </a:rPr>
+              <a:t>Ajax</a:t>
+            </a:r>
+            <a:r>
+              <a:rPr lang="ko-KR" altLang="en-US" sz="2000" dirty="0" err="1">
+                <a:solidFill>
+                  <a:schemeClr val="tx1">
+                    <a:lumMod val="65000"/>
+                    <a:lumOff val="35000"/>
+                  </a:schemeClr>
+                </a:solidFill>
+                <a:latin typeface="에스코어 드림 5 Medium" pitchFamily="34" charset="-127"/>
+                <a:ea typeface="에스코어 드림 5 Medium" pitchFamily="34" charset="-127"/>
+              </a:rPr>
+              <a:t>를</a:t>
+            </a:r>
+            <a:r>
+              <a:rPr lang="ko-KR" altLang="en-US" sz="2000" dirty="0">
+                <a:solidFill>
+                  <a:schemeClr val="tx1">
+                    <a:lumMod val="65000"/>
+                    <a:lumOff val="35000"/>
+                  </a:schemeClr>
+                </a:solidFill>
+                <a:latin typeface="에스코어 드림 5 Medium" pitchFamily="34" charset="-127"/>
+                <a:ea typeface="에스코어 드림 5 Medium" pitchFamily="34" charset="-127"/>
+              </a:rPr>
+              <a:t> </a:t>
+            </a:r>
+            <a:r>
+              <a:rPr lang="ko-KR" altLang="en-US" sz="2000" dirty="0" smtClean="0">
+                <a:solidFill>
+                  <a:schemeClr val="tx1">
+                    <a:lumMod val="65000"/>
+                    <a:lumOff val="35000"/>
+                  </a:schemeClr>
+                </a:solidFill>
+                <a:latin typeface="에스코어 드림 5 Medium" pitchFamily="34" charset="-127"/>
+                <a:ea typeface="에스코어 드림 5 Medium" pitchFamily="34" charset="-127"/>
+              </a:rPr>
+              <a:t>이용하여 </a:t>
+            </a:r>
+            <a:r>
+              <a:rPr lang="ko-KR" altLang="en-US" sz="1900" dirty="0" smtClean="0">
+                <a:solidFill>
+                  <a:schemeClr val="tx1">
+                    <a:lumMod val="65000"/>
+                    <a:lumOff val="35000"/>
+                  </a:schemeClr>
+                </a:solidFill>
+                <a:latin typeface="에스코어 드림 6 Bold" pitchFamily="34" charset="-127"/>
+                <a:ea typeface="에스코어 드림 6 Bold" pitchFamily="34" charset="-127"/>
+              </a:rPr>
+              <a:t>로그인 되어있는 계정과</a:t>
+            </a:r>
+            <a:endParaRPr lang="en-US" altLang="ko-KR" sz="1900" dirty="0" smtClean="0">
+              <a:solidFill>
+                <a:schemeClr val="tx1">
+                  <a:lumMod val="65000"/>
+                  <a:lumOff val="35000"/>
+                </a:schemeClr>
+              </a:solidFill>
+              <a:latin typeface="에스코어 드림 6 Bold" pitchFamily="34" charset="-127"/>
+              <a:ea typeface="에스코어 드림 6 Bold" pitchFamily="34" charset="-127"/>
+            </a:endParaRPr>
+          </a:p>
+          <a:p>
+            <a:r>
+              <a:rPr lang="ko-KR" altLang="en-US" sz="1900" dirty="0" smtClean="0">
+                <a:solidFill>
+                  <a:schemeClr val="tx1">
+                    <a:lumMod val="65000"/>
+                    <a:lumOff val="35000"/>
+                  </a:schemeClr>
+                </a:solidFill>
+                <a:latin typeface="에스코어 드림 6 Bold" pitchFamily="34" charset="-127"/>
+                <a:ea typeface="에스코어 드림 6 Bold" pitchFamily="34" charset="-127"/>
+              </a:rPr>
+              <a:t>상품의 이름</a:t>
+            </a:r>
+            <a:r>
+              <a:rPr lang="en-US" altLang="ko-KR" sz="1900" dirty="0" smtClean="0">
+                <a:solidFill>
+                  <a:schemeClr val="tx1">
+                    <a:lumMod val="65000"/>
+                    <a:lumOff val="35000"/>
+                  </a:schemeClr>
+                </a:solidFill>
+                <a:latin typeface="에스코어 드림 6 Bold" pitchFamily="34" charset="-127"/>
+                <a:ea typeface="에스코어 드림 6 Bold" pitchFamily="34" charset="-127"/>
+              </a:rPr>
+              <a:t>, </a:t>
+            </a:r>
+            <a:r>
+              <a:rPr lang="ko-KR" altLang="en-US" sz="1900" dirty="0" smtClean="0">
+                <a:solidFill>
+                  <a:schemeClr val="tx1">
+                    <a:lumMod val="65000"/>
+                    <a:lumOff val="35000"/>
+                  </a:schemeClr>
+                </a:solidFill>
+                <a:latin typeface="에스코어 드림 6 Bold" pitchFamily="34" charset="-127"/>
+                <a:ea typeface="에스코어 드림 6 Bold" pitchFamily="34" charset="-127"/>
+              </a:rPr>
+              <a:t>수량</a:t>
+            </a:r>
+            <a:r>
+              <a:rPr lang="en-US" altLang="ko-KR" sz="1900" dirty="0" smtClean="0">
+                <a:solidFill>
+                  <a:schemeClr val="tx1">
+                    <a:lumMod val="65000"/>
+                    <a:lumOff val="35000"/>
+                  </a:schemeClr>
+                </a:solidFill>
+                <a:latin typeface="에스코어 드림 6 Bold" pitchFamily="34" charset="-127"/>
+                <a:ea typeface="에스코어 드림 6 Bold" pitchFamily="34" charset="-127"/>
+              </a:rPr>
+              <a:t>, </a:t>
+            </a:r>
+            <a:r>
+              <a:rPr lang="ko-KR" altLang="en-US" sz="1900" dirty="0" smtClean="0">
+                <a:solidFill>
+                  <a:schemeClr val="tx1">
+                    <a:lumMod val="65000"/>
+                    <a:lumOff val="35000"/>
+                  </a:schemeClr>
+                </a:solidFill>
+                <a:latin typeface="에스코어 드림 6 Bold" pitchFamily="34" charset="-127"/>
+                <a:ea typeface="에스코어 드림 6 Bold" pitchFamily="34" charset="-127"/>
+              </a:rPr>
+              <a:t> 가격을 장바구니에 저장하여</a:t>
+            </a:r>
+            <a:endParaRPr lang="en-US" altLang="ko-KR" sz="1900" dirty="0" smtClean="0">
+              <a:solidFill>
+                <a:schemeClr val="tx1">
+                  <a:lumMod val="65000"/>
+                  <a:lumOff val="35000"/>
+                </a:schemeClr>
+              </a:solidFill>
+              <a:latin typeface="에스코어 드림 6 Bold" pitchFamily="34" charset="-127"/>
+              <a:ea typeface="에스코어 드림 6 Bold" pitchFamily="34" charset="-127"/>
+            </a:endParaRPr>
+          </a:p>
+          <a:p>
+            <a:r>
+              <a:rPr lang="ko-KR" altLang="en-US" sz="1900" dirty="0" smtClean="0">
+                <a:solidFill>
+                  <a:schemeClr val="tx1">
+                    <a:lumMod val="65000"/>
+                    <a:lumOff val="35000"/>
+                  </a:schemeClr>
+                </a:solidFill>
+                <a:latin typeface="에스코어 드림 6 Bold" pitchFamily="34" charset="-127"/>
+                <a:ea typeface="에스코어 드림 6 Bold" pitchFamily="34" charset="-127"/>
+              </a:rPr>
+              <a:t>구매 할 때 확인 할 수 있도록 제작</a:t>
+            </a:r>
+            <a:endParaRPr lang="en-US" altLang="ko-KR" sz="1900" dirty="0" smtClean="0">
+              <a:solidFill>
+                <a:schemeClr val="tx1">
+                  <a:lumMod val="65000"/>
+                  <a:lumOff val="35000"/>
+                </a:schemeClr>
+              </a:solidFill>
+              <a:latin typeface="에스코어 드림 6 Bold" pitchFamily="34" charset="-127"/>
+              <a:ea typeface="에스코어 드림 6 Bold" pitchFamily="34" charset="-127"/>
+            </a:endParaRPr>
+          </a:p>
+          <a:p>
+            <a:r>
+              <a:rPr lang="ko-KR" altLang="en-US" sz="1900" dirty="0" smtClean="0">
+                <a:solidFill>
+                  <a:schemeClr val="tx1">
+                    <a:lumMod val="65000"/>
+                    <a:lumOff val="35000"/>
+                  </a:schemeClr>
+                </a:solidFill>
+                <a:latin typeface="에스코어 드림 6 Bold" pitchFamily="34" charset="-127"/>
+                <a:ea typeface="에스코어 드림 6 Bold" pitchFamily="34" charset="-127"/>
+              </a:rPr>
+              <a:t> </a:t>
+            </a:r>
+            <a:endParaRPr lang="en-US" altLang="ko-KR" sz="1900" dirty="0">
+              <a:solidFill>
+                <a:schemeClr val="tx1">
+                  <a:lumMod val="65000"/>
+                  <a:lumOff val="35000"/>
+                </a:schemeClr>
+              </a:solidFill>
+              <a:latin typeface="에스코어 드림 6 Bold" pitchFamily="34" charset="-127"/>
+              <a:ea typeface="에스코어 드림 6 Bold" pitchFamily="34" charset="-127"/>
+            </a:endParaRPr>
+          </a:p>
+        </p:txBody>
+      </p:sp>
+      <p:sp>
+        <p:nvSpPr>
+          <p:cNvPr id="18" name="TextBox 17"/>
+          <p:cNvSpPr txBox="1"/>
+          <p:nvPr/>
+        </p:nvSpPr>
+        <p:spPr>
+          <a:xfrm>
+            <a:off x="75848" y="9182100"/>
+            <a:ext cx="1090811" cy="1015663"/>
+          </a:xfrm>
+          <a:prstGeom prst="rect">
+            <a:avLst/>
+          </a:prstGeom>
+          <a:noFill/>
+        </p:spPr>
+        <p:txBody>
+          <a:bodyPr wrap="none" rtlCol="0">
+            <a:spAutoFit/>
+          </a:bodyPr>
+          <a:lstStyle/>
+          <a:p>
+            <a:r>
+              <a:rPr lang="en-US" altLang="ko-KR" sz="6000" i="1" dirty="0" smtClean="0">
+                <a:solidFill>
+                  <a:schemeClr val="bg1"/>
+                </a:solidFill>
+                <a:latin typeface="Franklin Gothic Heavy" panose="020B0903020102020204" pitchFamily="34" charset="0"/>
+              </a:rPr>
+              <a:t>13</a:t>
+            </a:r>
+            <a:endParaRPr lang="ko-KR" altLang="en-US" sz="6000" i="1" dirty="0">
+              <a:solidFill>
+                <a:schemeClr val="bg1"/>
+              </a:solidFill>
+              <a:latin typeface="Franklin Gothic Heavy" panose="020B0903020102020204" pitchFamily="34" charset="0"/>
+            </a:endParaRPr>
+          </a:p>
+        </p:txBody>
+      </p:sp>
+      <p:sp>
+        <p:nvSpPr>
+          <p:cNvPr id="21" name="TextBox 20"/>
+          <p:cNvSpPr txBox="1"/>
+          <p:nvPr/>
+        </p:nvSpPr>
+        <p:spPr>
+          <a:xfrm>
+            <a:off x="1371600" y="2589193"/>
+            <a:ext cx="15642010" cy="369332"/>
+          </a:xfrm>
+          <a:prstGeom prst="rect">
+            <a:avLst/>
+          </a:prstGeom>
+          <a:noFill/>
+        </p:spPr>
+        <p:txBody>
+          <a:bodyPr wrap="square" rtlCol="0">
+            <a:spAutoFit/>
+          </a:bodyPr>
+          <a:lstStyle/>
+          <a:p>
+            <a:r>
+              <a:rPr lang="ko-KR" altLang="en-US" dirty="0" smtClean="0">
+                <a:solidFill>
+                  <a:schemeClr val="tx1">
+                    <a:lumMod val="65000"/>
+                    <a:lumOff val="35000"/>
+                  </a:schemeClr>
+                </a:solidFill>
+                <a:latin typeface="에스코어 드림 5 Medium" pitchFamily="34" charset="-127"/>
+                <a:ea typeface="에스코어 드림 5 Medium" pitchFamily="34" charset="-127"/>
+              </a:rPr>
+              <a:t>각각의 작품을 클릭하면 나오는 상세 페이지로 작품에 대한 상세한 정보를 확인하실 수 있습니다</a:t>
+            </a:r>
+            <a:r>
+              <a:rPr lang="en-US" altLang="ko-KR" dirty="0" smtClean="0">
+                <a:solidFill>
+                  <a:schemeClr val="tx1">
+                    <a:lumMod val="65000"/>
+                    <a:lumOff val="35000"/>
+                  </a:schemeClr>
+                </a:solidFill>
+                <a:latin typeface="에스코어 드림 5 Medium" pitchFamily="34" charset="-127"/>
+                <a:ea typeface="에스코어 드림 5 Medium" pitchFamily="34" charset="-127"/>
+              </a:rPr>
+              <a:t>.</a:t>
+            </a:r>
+            <a:endParaRPr lang="ko-KR" altLang="en-US" dirty="0">
+              <a:solidFill>
+                <a:schemeClr val="tx1">
+                  <a:lumMod val="65000"/>
+                  <a:lumOff val="35000"/>
+                </a:schemeClr>
+              </a:solidFill>
+              <a:latin typeface="에스코어 드림 5 Medium" pitchFamily="34" charset="-127"/>
+              <a:ea typeface="에스코어 드림 5 Medium" pitchFamily="34" charset="-127"/>
+            </a:endParaRPr>
+          </a:p>
+        </p:txBody>
+      </p:sp>
+      <p:pic>
+        <p:nvPicPr>
+          <p:cNvPr id="4" name="그림 3"/>
+          <p:cNvPicPr>
+            <a:picLocks noChangeAspect="1"/>
+          </p:cNvPicPr>
+          <p:nvPr/>
+        </p:nvPicPr>
+        <p:blipFill>
+          <a:blip r:embed="rId6">
+            <a:extLst>
+              <a:ext uri="{28A0092B-C50C-407E-A947-70E740481C1C}">
+                <a14:useLocalDpi xmlns:a14="http://schemas.microsoft.com/office/drawing/2010/main" val="0"/>
+              </a:ext>
+            </a:extLst>
+          </a:blip>
+          <a:stretch>
+            <a:fillRect/>
+          </a:stretch>
+        </p:blipFill>
+        <p:spPr>
+          <a:xfrm>
+            <a:off x="8686800" y="4685776"/>
+            <a:ext cx="8259328" cy="4734586"/>
+          </a:xfrm>
+          <a:prstGeom prst="rect">
+            <a:avLst/>
+          </a:prstGeom>
+        </p:spPr>
+      </p:pic>
+    </p:spTree>
+    <p:extLst>
+      <p:ext uri="{BB962C8B-B14F-4D97-AF65-F5344CB8AC3E}">
+        <p14:creationId xmlns:p14="http://schemas.microsoft.com/office/powerpoint/2010/main" val="1624025433"/>
+      </p:ext>
+    </p:extLst>
+  </p:cSld>
+  <p:clrMapOvr>
+    <a:masterClrMapping/>
+  </p:clrMapOvr>
+  <p:timing>
+    <p:tnLst>
+      <p:par>
+        <p:cTn id="1" dur="indefinite" restart="never" nodeType="tmRoot"/>
+      </p:par>
+    </p:tnLst>
+  </p:timing>
+</p:sld>
+</file>
+
+<file path=ppt/slides/slide13.xml><?xml version="1.0" encoding="utf-8"?>
+<p:sld xmlns:a="http://schemas.openxmlformats.org/drawingml/2006/main" xmlns:r="http://schemas.openxmlformats.org/officeDocument/2006/relationships" xmlns:p="http://schemas.openxmlformats.org/presentationml/2006/main">
+  <p:cSld>
+    <p:spTree>
+      <p:nvGrpSpPr>
+        <p:cNvPr id="1" name=""/>
+        <p:cNvGrpSpPr/>
+        <p:nvPr/>
+      </p:nvGrpSpPr>
+      <p:grpSpPr>
+        <a:xfrm>
+          <a:off x="0" y="0"/>
+          <a:ext cx="0" cy="0"/>
+          <a:chOff x="0" y="0"/>
+          <a:chExt cx="0" cy="0"/>
+        </a:xfrm>
+      </p:grpSpPr>
+      <p:grpSp>
+        <p:nvGrpSpPr>
+          <p:cNvPr id="1001" name="그룹 1001"/>
+          <p:cNvGrpSpPr/>
+          <p:nvPr/>
+        </p:nvGrpSpPr>
+        <p:grpSpPr>
+          <a:xfrm>
+            <a:off x="775595" y="3807711"/>
+            <a:ext cx="19276190" cy="6421463"/>
+            <a:chOff x="-495238" y="4070327"/>
+            <a:chExt cx="19276190" cy="6421463"/>
+          </a:xfrm>
+        </p:grpSpPr>
+        <p:pic>
+          <p:nvPicPr>
+            <p:cNvPr id="3" name="Object 2"/>
+            <p:cNvPicPr>
+              <a:picLocks noChangeAspect="1"/>
+            </p:cNvPicPr>
+            <p:nvPr/>
+          </p:nvPicPr>
+          <p:blipFill>
+            <a:blip r:embed="rId2" cstate="print"/>
+            <a:stretch>
+              <a:fillRect/>
+            </a:stretch>
+          </p:blipFill>
+          <p:spPr>
+            <a:xfrm>
+              <a:off x="-495238" y="4070327"/>
+              <a:ext cx="19276190" cy="6421463"/>
+            </a:xfrm>
+            <a:prstGeom prst="rect">
+              <a:avLst/>
+            </a:prstGeom>
+          </p:spPr>
+        </p:pic>
+      </p:grpSp>
+      <p:grpSp>
+        <p:nvGrpSpPr>
+          <p:cNvPr id="1002" name="그룹 1002"/>
+          <p:cNvGrpSpPr/>
+          <p:nvPr/>
+        </p:nvGrpSpPr>
+        <p:grpSpPr>
+          <a:xfrm>
+            <a:off x="6837104" y="4832285"/>
+            <a:ext cx="3576586" cy="3576586"/>
+            <a:chOff x="6837104" y="4832285"/>
+            <a:chExt cx="3576586" cy="3576586"/>
+          </a:xfrm>
+        </p:grpSpPr>
+        <p:pic>
+          <p:nvPicPr>
+            <p:cNvPr id="6" name="Object 5"/>
+            <p:cNvPicPr>
+              <a:picLocks noChangeAspect="1"/>
+            </p:cNvPicPr>
+            <p:nvPr/>
+          </p:nvPicPr>
+          <p:blipFill>
+            <a:blip r:embed="rId3" cstate="print"/>
+            <a:stretch>
+              <a:fillRect/>
+            </a:stretch>
+          </p:blipFill>
+          <p:spPr>
+            <a:xfrm>
+              <a:off x="6837104" y="4832285"/>
+              <a:ext cx="3576586" cy="3576586"/>
+            </a:xfrm>
+            <a:prstGeom prst="rect">
+              <a:avLst/>
+            </a:prstGeom>
+          </p:spPr>
+        </p:pic>
+      </p:grpSp>
+      <p:grpSp>
+        <p:nvGrpSpPr>
+          <p:cNvPr id="1004" name="그룹 1004"/>
+          <p:cNvGrpSpPr/>
+          <p:nvPr/>
+        </p:nvGrpSpPr>
+        <p:grpSpPr>
+          <a:xfrm>
+            <a:off x="4343399" y="5291804"/>
+            <a:ext cx="2456599" cy="60614"/>
+            <a:chOff x="2380657" y="5291806"/>
+            <a:chExt cx="4419343" cy="60610"/>
+          </a:xfrm>
+        </p:grpSpPr>
+        <p:pic>
+          <p:nvPicPr>
+            <p:cNvPr id="20" name="Object 19"/>
+            <p:cNvPicPr>
+              <a:picLocks noChangeAspect="1"/>
+            </p:cNvPicPr>
+            <p:nvPr/>
+          </p:nvPicPr>
+          <p:blipFill>
+            <a:blip r:embed="rId4" cstate="print"/>
+            <a:stretch>
+              <a:fillRect/>
+            </a:stretch>
+          </p:blipFill>
+          <p:spPr>
+            <a:xfrm rot="-10800000">
+              <a:off x="2380657" y="5291806"/>
+              <a:ext cx="4419343" cy="60610"/>
+            </a:xfrm>
+            <a:prstGeom prst="rect">
+              <a:avLst/>
+            </a:prstGeom>
+          </p:spPr>
+        </p:pic>
+      </p:grpSp>
+      <p:pic>
+        <p:nvPicPr>
+          <p:cNvPr id="25" name="Object 24"/>
+          <p:cNvPicPr>
+            <a:picLocks noChangeAspect="1"/>
+          </p:cNvPicPr>
+          <p:nvPr/>
+        </p:nvPicPr>
+        <p:blipFill>
+          <a:blip r:embed="rId5" cstate="print"/>
+          <a:stretch>
+            <a:fillRect/>
+          </a:stretch>
+        </p:blipFill>
+        <p:spPr>
+          <a:xfrm>
+            <a:off x="7715686" y="3314286"/>
+            <a:ext cx="9256193" cy="6062806"/>
+          </a:xfrm>
+          <a:prstGeom prst="rect">
+            <a:avLst/>
+          </a:prstGeom>
+        </p:spPr>
+      </p:pic>
+      <p:sp>
+        <p:nvSpPr>
+          <p:cNvPr id="44" name="TextBox 43"/>
+          <p:cNvSpPr txBox="1"/>
+          <p:nvPr/>
+        </p:nvSpPr>
+        <p:spPr>
+          <a:xfrm>
+            <a:off x="1319164" y="1674793"/>
+            <a:ext cx="4342535" cy="707886"/>
+          </a:xfrm>
+          <a:prstGeom prst="rect">
+            <a:avLst/>
+          </a:prstGeom>
+          <a:noFill/>
+        </p:spPr>
+        <p:txBody>
+          <a:bodyPr wrap="none" rtlCol="0">
+            <a:spAutoFit/>
+          </a:bodyPr>
+          <a:lstStyle/>
+          <a:p>
+            <a:r>
+              <a:rPr lang="en-US" altLang="ko-KR" sz="4000" dirty="0" smtClean="0">
+                <a:solidFill>
+                  <a:schemeClr val="tx1">
+                    <a:lumMod val="75000"/>
+                    <a:lumOff val="25000"/>
+                  </a:schemeClr>
+                </a:solidFill>
+                <a:latin typeface="에스코어 드림 9 Black" pitchFamily="34" charset="-127"/>
+                <a:ea typeface="에스코어 드림 9 Black" pitchFamily="34" charset="-127"/>
+              </a:rPr>
+              <a:t>We C List </a:t>
+            </a:r>
+            <a:r>
+              <a:rPr lang="ko-KR" altLang="en-US" sz="4000" dirty="0" smtClean="0">
+                <a:solidFill>
+                  <a:schemeClr val="tx1">
+                    <a:lumMod val="75000"/>
+                    <a:lumOff val="25000"/>
+                  </a:schemeClr>
+                </a:solidFill>
+                <a:latin typeface="에스코어 드림 6 Bold" pitchFamily="34" charset="-127"/>
+                <a:ea typeface="에스코어 드림 6 Bold" pitchFamily="34" charset="-127"/>
+              </a:rPr>
+              <a:t>사이트</a:t>
+            </a:r>
+            <a:endParaRPr lang="ko-KR" altLang="en-US" sz="4000" dirty="0">
+              <a:solidFill>
+                <a:schemeClr val="tx1">
+                  <a:lumMod val="75000"/>
+                  <a:lumOff val="25000"/>
+                </a:schemeClr>
+              </a:solidFill>
+              <a:latin typeface="에스코어 드림 6 Bold" pitchFamily="34" charset="-127"/>
+              <a:ea typeface="에스코어 드림 6 Bold" pitchFamily="34" charset="-127"/>
+            </a:endParaRPr>
+          </a:p>
+        </p:txBody>
+      </p:sp>
+      <p:sp>
+        <p:nvSpPr>
+          <p:cNvPr id="48" name="TextBox 47"/>
+          <p:cNvSpPr txBox="1"/>
+          <p:nvPr/>
+        </p:nvSpPr>
+        <p:spPr>
+          <a:xfrm>
+            <a:off x="1211746" y="5091278"/>
+            <a:ext cx="2137124" cy="461665"/>
+          </a:xfrm>
+          <a:prstGeom prst="rect">
+            <a:avLst/>
+          </a:prstGeom>
+          <a:noFill/>
+        </p:spPr>
+        <p:txBody>
+          <a:bodyPr wrap="none" rtlCol="0">
+            <a:spAutoFit/>
+          </a:bodyPr>
+          <a:lstStyle/>
+          <a:p>
+            <a:r>
+              <a:rPr lang="ko-KR" altLang="en-US" sz="2400" dirty="0" smtClean="0">
+                <a:solidFill>
+                  <a:srgbClr val="FE794C"/>
+                </a:solidFill>
+                <a:latin typeface="에스코어 드림 9 Black" pitchFamily="34" charset="-127"/>
+                <a:ea typeface="에스코어 드림 9 Black" pitchFamily="34" charset="-127"/>
+              </a:rPr>
+              <a:t>작품 공개 주소</a:t>
+            </a:r>
+            <a:endParaRPr lang="ko-KR" altLang="en-US" sz="2400" dirty="0">
+              <a:solidFill>
+                <a:srgbClr val="FE794C"/>
+              </a:solidFill>
+              <a:latin typeface="에스코어 드림 9 Black" pitchFamily="34" charset="-127"/>
+              <a:ea typeface="에스코어 드림 9 Black" pitchFamily="34" charset="-127"/>
+            </a:endParaRPr>
+          </a:p>
+        </p:txBody>
+      </p:sp>
+      <p:sp>
+        <p:nvSpPr>
+          <p:cNvPr id="52" name="TextBox 51"/>
+          <p:cNvSpPr txBox="1"/>
+          <p:nvPr/>
+        </p:nvSpPr>
+        <p:spPr>
+          <a:xfrm>
+            <a:off x="1319164" y="5881913"/>
+            <a:ext cx="5517940" cy="384721"/>
+          </a:xfrm>
+          <a:prstGeom prst="rect">
+            <a:avLst/>
+          </a:prstGeom>
+          <a:noFill/>
+        </p:spPr>
+        <p:txBody>
+          <a:bodyPr wrap="square" rtlCol="0">
+            <a:spAutoFit/>
+          </a:bodyPr>
+          <a:lstStyle/>
+          <a:p>
+            <a:r>
+              <a:rPr lang="en-US" altLang="ko-KR" sz="1900" dirty="0">
+                <a:solidFill>
+                  <a:schemeClr val="tx1">
+                    <a:lumMod val="65000"/>
+                    <a:lumOff val="35000"/>
+                  </a:schemeClr>
+                </a:solidFill>
+                <a:latin typeface="에스코어 드림 6 Bold" pitchFamily="34" charset="-127"/>
+                <a:ea typeface="에스코어 드림 6 Bold" pitchFamily="34" charset="-127"/>
+                <a:hlinkClick r:id="rId6"/>
+              </a:rPr>
+              <a:t>https://www.weclist.com/</a:t>
+            </a:r>
+            <a:endParaRPr lang="en-US" altLang="ko-KR" sz="1900" dirty="0">
+              <a:solidFill>
+                <a:schemeClr val="tx1">
+                  <a:lumMod val="65000"/>
+                  <a:lumOff val="35000"/>
+                </a:schemeClr>
+              </a:solidFill>
+              <a:latin typeface="에스코어 드림 6 Bold" pitchFamily="34" charset="-127"/>
+              <a:ea typeface="에스코어 드림 6 Bold" pitchFamily="34" charset="-127"/>
+            </a:endParaRPr>
+          </a:p>
+        </p:txBody>
+      </p:sp>
+      <p:sp>
+        <p:nvSpPr>
+          <p:cNvPr id="18" name="TextBox 17"/>
+          <p:cNvSpPr txBox="1"/>
+          <p:nvPr/>
+        </p:nvSpPr>
+        <p:spPr>
+          <a:xfrm>
+            <a:off x="75848" y="9182100"/>
+            <a:ext cx="1090811" cy="1015663"/>
+          </a:xfrm>
+          <a:prstGeom prst="rect">
+            <a:avLst/>
+          </a:prstGeom>
+          <a:noFill/>
+        </p:spPr>
+        <p:txBody>
+          <a:bodyPr wrap="none" rtlCol="0">
+            <a:spAutoFit/>
+          </a:bodyPr>
+          <a:lstStyle/>
+          <a:p>
+            <a:r>
+              <a:rPr lang="en-US" altLang="ko-KR" sz="6000" i="1" dirty="0" smtClean="0">
+                <a:solidFill>
+                  <a:schemeClr val="bg1"/>
+                </a:solidFill>
+                <a:latin typeface="Franklin Gothic Heavy" panose="020B0903020102020204" pitchFamily="34" charset="0"/>
+              </a:rPr>
+              <a:t>13</a:t>
+            </a:r>
+            <a:endParaRPr lang="ko-KR" altLang="en-US" sz="6000" i="1" dirty="0">
+              <a:solidFill>
+                <a:schemeClr val="bg1"/>
+              </a:solidFill>
+              <a:latin typeface="Franklin Gothic Heavy" panose="020B0903020102020204" pitchFamily="34" charset="0"/>
+            </a:endParaRPr>
+          </a:p>
+        </p:txBody>
+      </p:sp>
+      <p:pic>
+        <p:nvPicPr>
+          <p:cNvPr id="2" name="그림 1"/>
+          <p:cNvPicPr>
+            <a:picLocks noChangeAspect="1"/>
+          </p:cNvPicPr>
+          <p:nvPr/>
+        </p:nvPicPr>
+        <p:blipFill>
+          <a:blip r:embed="rId7">
+            <a:extLst>
+              <a:ext uri="{28A0092B-C50C-407E-A947-70E740481C1C}">
+                <a14:useLocalDpi xmlns:a14="http://schemas.microsoft.com/office/drawing/2010/main" val="0"/>
+              </a:ext>
+            </a:extLst>
+          </a:blip>
+          <a:stretch>
+            <a:fillRect/>
+          </a:stretch>
+        </p:blipFill>
+        <p:spPr>
+          <a:xfrm>
+            <a:off x="7957313" y="3543300"/>
+            <a:ext cx="8806687" cy="5638800"/>
+          </a:xfrm>
+          <a:prstGeom prst="rect">
+            <a:avLst/>
+          </a:prstGeom>
+          <a:effectLst>
+            <a:softEdge rad="63500"/>
+          </a:effectLst>
+        </p:spPr>
+      </p:pic>
+      <p:sp>
+        <p:nvSpPr>
+          <p:cNvPr id="14" name="TextBox 13"/>
+          <p:cNvSpPr txBox="1"/>
+          <p:nvPr/>
+        </p:nvSpPr>
+        <p:spPr>
+          <a:xfrm>
+            <a:off x="1211746" y="6977975"/>
+            <a:ext cx="1750800" cy="461665"/>
+          </a:xfrm>
+          <a:prstGeom prst="rect">
+            <a:avLst/>
+          </a:prstGeom>
+          <a:noFill/>
+        </p:spPr>
+        <p:txBody>
+          <a:bodyPr wrap="none" rtlCol="0">
+            <a:spAutoFit/>
+          </a:bodyPr>
+          <a:lstStyle/>
+          <a:p>
+            <a:r>
+              <a:rPr lang="ko-KR" altLang="en-US" sz="2400" dirty="0" smtClean="0">
+                <a:solidFill>
+                  <a:srgbClr val="FE794C"/>
+                </a:solidFill>
+                <a:latin typeface="에스코어 드림 9 Black" pitchFamily="34" charset="-127"/>
+                <a:ea typeface="에스코어 드림 9 Black" pitchFamily="34" charset="-127"/>
+              </a:rPr>
+              <a:t>작품 </a:t>
+            </a:r>
+            <a:r>
+              <a:rPr lang="ko-KR" altLang="en-US" sz="2400" dirty="0" err="1" smtClean="0">
+                <a:solidFill>
+                  <a:srgbClr val="FE794C"/>
+                </a:solidFill>
+                <a:latin typeface="에스코어 드림 9 Black" pitchFamily="34" charset="-127"/>
+                <a:ea typeface="에스코어 드림 9 Black" pitchFamily="34" charset="-127"/>
+              </a:rPr>
+              <a:t>깃허브</a:t>
+            </a:r>
+            <a:endParaRPr lang="ko-KR" altLang="en-US" sz="2400" dirty="0">
+              <a:solidFill>
+                <a:srgbClr val="FE794C"/>
+              </a:solidFill>
+              <a:latin typeface="에스코어 드림 9 Black" pitchFamily="34" charset="-127"/>
+              <a:ea typeface="에스코어 드림 9 Black" pitchFamily="34" charset="-127"/>
+            </a:endParaRPr>
+          </a:p>
+        </p:txBody>
+      </p:sp>
+      <p:sp>
+        <p:nvSpPr>
+          <p:cNvPr id="15" name="TextBox 14"/>
+          <p:cNvSpPr txBox="1"/>
+          <p:nvPr/>
+        </p:nvSpPr>
+        <p:spPr>
+          <a:xfrm>
+            <a:off x="1319164" y="7772710"/>
+            <a:ext cx="5517940" cy="384721"/>
+          </a:xfrm>
+          <a:prstGeom prst="rect">
+            <a:avLst/>
+          </a:prstGeom>
+          <a:noFill/>
+        </p:spPr>
+        <p:txBody>
+          <a:bodyPr wrap="square" rtlCol="0">
+            <a:spAutoFit/>
+          </a:bodyPr>
+          <a:lstStyle/>
+          <a:p>
+            <a:r>
+              <a:rPr lang="en-US" altLang="ko-KR" sz="1900" dirty="0">
+                <a:solidFill>
+                  <a:schemeClr val="tx1">
+                    <a:lumMod val="65000"/>
+                    <a:lumOff val="35000"/>
+                  </a:schemeClr>
+                </a:solidFill>
+                <a:latin typeface="에스코어 드림 6 Bold" pitchFamily="34" charset="-127"/>
+                <a:ea typeface="에스코어 드림 6 Bold" pitchFamily="34" charset="-127"/>
+                <a:hlinkClick r:id="rId8"/>
+              </a:rPr>
+              <a:t>https://github.com/chominsub/WeCList</a:t>
+            </a:r>
+            <a:endParaRPr lang="en-US" altLang="ko-KR" sz="1900" dirty="0">
+              <a:solidFill>
+                <a:schemeClr val="tx1">
+                  <a:lumMod val="65000"/>
+                  <a:lumOff val="35000"/>
+                </a:schemeClr>
+              </a:solidFill>
+              <a:latin typeface="에스코어 드림 6 Bold" pitchFamily="34" charset="-127"/>
+              <a:ea typeface="에스코어 드림 6 Bold" pitchFamily="34" charset="-127"/>
+            </a:endParaRPr>
+          </a:p>
+        </p:txBody>
+      </p:sp>
+    </p:spTree>
+    <p:extLst>
+      <p:ext uri="{BB962C8B-B14F-4D97-AF65-F5344CB8AC3E}">
+        <p14:creationId xmlns:p14="http://schemas.microsoft.com/office/powerpoint/2010/main" val="2305173121"/>
+      </p:ext>
+    </p:extLst>
+  </p:cSld>
+  <p:clrMapOvr>
+    <a:masterClrMapping/>
+  </p:clrMapOvr>
+  <p:timing>
+    <p:tnLst>
+      <p:par>
+        <p:cTn id="1" dur="indefinite" restart="never" nodeType="tmRoot"/>
+      </p:par>
+    </p:tnLst>
+  </p:timing>
+</p:sld>
+</file>
+
+<file path=ppt/slides/slide14.xml><?xml version="1.0" encoding="utf-8"?>
+<p:sld xmlns:a="http://schemas.openxmlformats.org/drawingml/2006/main" xmlns:r="http://schemas.openxmlformats.org/officeDocument/2006/relationships" xmlns:p="http://schemas.openxmlformats.org/presentationml/2006/main">
   <p:cSld name="Slide 12">
     <p:bg>
       <p:bgPr>
@@ -4803,7 +7498,7 @@
         </p:blipFill>
         <p:spPr>
           <a:xfrm>
-            <a:off x="9669964" y="4610970"/>
+            <a:off x="12364807" y="4204105"/>
             <a:ext cx="2742966" cy="1489431"/>
           </a:xfrm>
           <a:prstGeom prst="rect">
@@ -4836,7 +7531,7 @@
         </p:blipFill>
         <p:spPr>
           <a:xfrm>
-            <a:off x="8247238" y="6696225"/>
+            <a:off x="7000996" y="6034429"/>
             <a:ext cx="4133608" cy="971400"/>
           </a:xfrm>
           <a:prstGeom prst="rect">
@@ -4869,7 +7564,7 @@
         </p:blipFill>
         <p:spPr>
           <a:xfrm>
-            <a:off x="5688641" y="5809842"/>
+            <a:off x="4414582" y="6943686"/>
             <a:ext cx="1024299" cy="1905258"/>
           </a:xfrm>
           <a:prstGeom prst="rect">
@@ -4902,7 +7597,7 @@
         </p:blipFill>
         <p:spPr>
           <a:xfrm>
-            <a:off x="3491423" y="3812424"/>
+            <a:off x="4118271" y="4204105"/>
             <a:ext cx="1936162" cy="1936162"/>
           </a:xfrm>
           <a:prstGeom prst="rect">
@@ -4935,7 +7630,7 @@
         </p:blipFill>
         <p:spPr>
           <a:xfrm>
-            <a:off x="5886899" y="4297595"/>
+            <a:off x="7158748" y="4572743"/>
             <a:ext cx="3923402" cy="939165"/>
           </a:xfrm>
           <a:prstGeom prst="rect">
@@ -4968,7 +7663,7 @@
         </p:blipFill>
         <p:spPr>
           <a:xfrm>
-            <a:off x="3021882" y="7018708"/>
+            <a:off x="1115319" y="7227147"/>
             <a:ext cx="1657050" cy="1724685"/>
           </a:xfrm>
           <a:prstGeom prst="rect">
@@ -5001,7 +7696,7 @@
         </p:blipFill>
         <p:spPr>
           <a:xfrm>
-            <a:off x="11009363" y="8525996"/>
+            <a:off x="7440257" y="7916984"/>
             <a:ext cx="2742966" cy="1034848"/>
           </a:xfrm>
           <a:prstGeom prst="rect">
@@ -5012,9 +7707,49 @@
           </a:ln>
         </p:spPr>
       </p:pic>
+      <p:sp>
+        <p:nvSpPr>
+          <p:cNvPr id="25" name="TextBox 24"/>
+          <p:cNvSpPr txBox="1"/>
+          <p:nvPr/>
+        </p:nvSpPr>
+        <p:spPr>
+          <a:xfrm>
+            <a:off x="75848" y="9182100"/>
+            <a:ext cx="1079526" cy="1015663"/>
+          </a:xfrm>
+          <a:prstGeom prst="rect">
+            <a:avLst/>
+          </a:prstGeom>
+          <a:noFill/>
+        </p:spPr>
+        <p:txBody>
+          <a:bodyPr wrap="none" rtlCol="0">
+            <a:spAutoFit/>
+          </a:bodyPr>
+          <a:lstStyle/>
+          <a:p>
+            <a:r>
+              <a:rPr lang="en-US" altLang="ko-KR" sz="6000" i="1" dirty="0" smtClean="0">
+                <a:solidFill>
+                  <a:schemeClr val="bg1"/>
+                </a:solidFill>
+                <a:latin typeface="Franklin Gothic Heavy" panose="020B0903020102020204" pitchFamily="34" charset="0"/>
+              </a:rPr>
+              <a:t>04</a:t>
+            </a:r>
+            <a:endParaRPr lang="ko-KR" altLang="en-US" sz="6000" i="1" dirty="0">
+              <a:solidFill>
+                <a:schemeClr val="bg1"/>
+              </a:solidFill>
+              <a:latin typeface="Franklin Gothic Heavy" panose="020B0903020102020204" pitchFamily="34" charset="0"/>
+            </a:endParaRPr>
+          </a:p>
+        </p:txBody>
+      </p:sp>
       <p:pic>
         <p:nvPicPr>
-          <p:cNvPr id="24" name="그림 23"/>
+          <p:cNvPr id="6" name="그림 5"/>
           <p:cNvPicPr>
             <a:picLocks noChangeAspect="1"/>
           </p:cNvPicPr>
@@ -5034,64 +7769,24 @@
         </p:blipFill>
         <p:spPr>
           <a:xfrm>
-            <a:off x="6368812" y="8396909"/>
-            <a:ext cx="2159959" cy="1293022"/>
+            <a:off x="12091605" y="6739432"/>
+            <a:ext cx="3027995" cy="1567224"/>
           </a:xfrm>
           <a:prstGeom prst="rect">
             <a:avLst/>
           </a:prstGeom>
         </p:spPr>
       </p:pic>
-      <p:sp>
-        <p:nvSpPr>
-          <p:cNvPr id="25" name="TextBox 24"/>
-          <p:cNvSpPr txBox="1"/>
-          <p:nvPr/>
-        </p:nvSpPr>
-        <p:spPr>
-          <a:xfrm>
-            <a:off x="75848" y="9182100"/>
-            <a:ext cx="1079526" cy="1015663"/>
-          </a:xfrm>
-          <a:prstGeom prst="rect">
-            <a:avLst/>
-          </a:prstGeom>
-          <a:noFill/>
-        </p:spPr>
-        <p:txBody>
-          <a:bodyPr wrap="none" rtlCol="0">
-            <a:spAutoFit/>
-          </a:bodyPr>
-          <a:lstStyle/>
-          <a:p>
-            <a:r>
-              <a:rPr lang="en-US" altLang="ko-KR" sz="6000" i="1" dirty="0" smtClean="0">
-                <a:solidFill>
-                  <a:schemeClr val="bg1"/>
-                </a:solidFill>
-                <a:latin typeface="Franklin Gothic Heavy" panose="020B0903020102020204" pitchFamily="34" charset="0"/>
-              </a:rPr>
-              <a:t>04</a:t>
-            </a:r>
-            <a:endParaRPr lang="ko-KR" altLang="en-US" sz="6000" i="1" dirty="0">
-              <a:solidFill>
-                <a:schemeClr val="bg1"/>
-              </a:solidFill>
-              <a:latin typeface="Franklin Gothic Heavy" panose="020B0903020102020204" pitchFamily="34" charset="0"/>
-            </a:endParaRPr>
-          </a:p>
-        </p:txBody>
-      </p:sp>
       <p:pic>
         <p:nvPicPr>
-          <p:cNvPr id="26" name="그림 25"/>
+          <p:cNvPr id="7" name="그림 6"/>
           <p:cNvPicPr>
             <a:picLocks noChangeAspect="1"/>
           </p:cNvPicPr>
           <p:nvPr/>
         </p:nvPicPr>
         <p:blipFill>
-          <a:blip r:embed="rId11" cstate="print">
+          <a:blip r:embed="rId11">
             <a:extLst>
               <a:ext uri="{28A0092B-C50C-407E-A947-70E740481C1C}">
                 <a14:useLocalDpi xmlns:a14="http://schemas.microsoft.com/office/drawing/2010/main" val="0"/>
@@ -5104,67 +7799,7 @@
         </p:blipFill>
         <p:spPr>
           <a:xfrm>
-            <a:off x="12801600" y="4297595"/>
-            <a:ext cx="3647557" cy="1035374"/>
-          </a:xfrm>
-          <a:prstGeom prst="rect">
-            <a:avLst/>
-          </a:prstGeom>
-        </p:spPr>
-      </p:pic>
-      <p:pic>
-        <p:nvPicPr>
-          <p:cNvPr id="6" name="그림 5"/>
-          <p:cNvPicPr>
-            <a:picLocks noChangeAspect="1"/>
-          </p:cNvPicPr>
-          <p:nvPr/>
-        </p:nvPicPr>
-        <p:blipFill>
-          <a:blip r:embed="rId12" cstate="print">
-            <a:extLst>
-              <a:ext uri="{28A0092B-C50C-407E-A947-70E740481C1C}">
-                <a14:useLocalDpi xmlns:a14="http://schemas.microsoft.com/office/drawing/2010/main" val="0"/>
-              </a:ext>
-            </a:extLst>
-          </a:blip>
-          <a:stretch>
-            <a:fillRect/>
-          </a:stretch>
-        </p:blipFill>
-        <p:spPr>
-          <a:xfrm>
-            <a:off x="13421162" y="6100401"/>
-            <a:ext cx="3027995" cy="1567224"/>
-          </a:xfrm>
-          <a:prstGeom prst="rect">
-            <a:avLst/>
-          </a:prstGeom>
-        </p:spPr>
-      </p:pic>
-      <p:pic>
-        <p:nvPicPr>
-          <p:cNvPr id="7" name="그림 6"/>
-          <p:cNvPicPr>
-            <a:picLocks noChangeAspect="1"/>
-          </p:cNvPicPr>
-          <p:nvPr/>
-        </p:nvPicPr>
-        <p:blipFill>
-          <a:blip r:embed="rId13">
-            <a:extLst>
-              <a:ext uri="{28A0092B-C50C-407E-A947-70E740481C1C}">
-                <a14:useLocalDpi xmlns:a14="http://schemas.microsoft.com/office/drawing/2010/main" val="0"/>
-              </a:ext>
-            </a:extLst>
-          </a:blip>
-          <a:stretch>
-            <a:fillRect/>
-          </a:stretch>
-        </p:blipFill>
-        <p:spPr>
-          <a:xfrm>
-            <a:off x="975955" y="4883536"/>
+            <a:off x="892755" y="4151650"/>
             <a:ext cx="2515468" cy="2180072"/>
           </a:xfrm>
           <a:prstGeom prst="rect">
@@ -9366,17 +12001,7 @@
                 <a:latin typeface="에스코어 드림 6 Bold" pitchFamily="34" charset="-127"/>
                 <a:ea typeface="에스코어 드림 6 Bold" pitchFamily="34" charset="-127"/>
               </a:rPr>
-              <a:t>-1-1</a:t>
-            </a:r>
-            <a:r>
-              <a:rPr lang="en-US" altLang="ko-KR" sz="2400" dirty="0" smtClean="0">
-                <a:solidFill>
-                  <a:srgbClr val="FE794C"/>
-                </a:solidFill>
-                <a:latin typeface="에스코어 드림 6 Bold" pitchFamily="34" charset="-127"/>
-                <a:ea typeface="에스코어 드림 6 Bold" pitchFamily="34" charset="-127"/>
-              </a:rPr>
-              <a:t>. </a:t>
+              <a:t>-1-1. </a:t>
             </a:r>
             <a:r>
               <a:rPr lang="ko-KR" altLang="en-US" sz="2400" dirty="0" err="1" smtClean="0">
@@ -10223,7 +12848,7 @@
         </p:nvGrpSpPr>
         <p:grpSpPr>
           <a:xfrm>
-            <a:off x="-495238" y="4070327"/>
+            <a:off x="-533400" y="4076700"/>
             <a:ext cx="19276190" cy="6421463"/>
             <a:chOff x="-495238" y="4070327"/>
             <a:chExt cx="19276190" cy="6421463"/>
@@ -10262,7 +12887,7 @@
         </p:nvGrpSpPr>
         <p:grpSpPr>
           <a:xfrm>
-            <a:off x="6837104" y="4832285"/>
+            <a:off x="8121868" y="5058397"/>
             <a:ext cx="3576586" cy="3576586"/>
             <a:chOff x="6837104" y="4832285"/>
             <a:chExt cx="3576586" cy="3576586"/>
@@ -10301,8 +12926,8 @@
         </p:nvGrpSpPr>
         <p:grpSpPr>
           <a:xfrm>
-            <a:off x="4343399" y="5291804"/>
-            <a:ext cx="2456599" cy="60614"/>
+            <a:off x="5851158" y="5291804"/>
+            <a:ext cx="948841" cy="60613"/>
             <a:chOff x="2380657" y="5291806"/>
             <a:chExt cx="4419343" cy="60610"/>
           </a:xfrm>
@@ -10348,8 +12973,8 @@
         </p:blipFill>
         <p:spPr>
           <a:xfrm>
-            <a:off x="7715686" y="3314286"/>
-            <a:ext cx="9256193" cy="6062806"/>
+            <a:off x="9657263" y="2902452"/>
+            <a:ext cx="7401613" cy="7622329"/>
           </a:xfrm>
           <a:prstGeom prst="rect">
             <a:avLst/>
@@ -10358,14 +12983,14 @@
       </p:pic>
       <p:sp>
         <p:nvSpPr>
-          <p:cNvPr id="42" name="TextBox 41"/>
+          <p:cNvPr id="44" name="TextBox 43"/>
           <p:cNvSpPr txBox="1"/>
           <p:nvPr/>
         </p:nvSpPr>
         <p:spPr>
           <a:xfrm>
-            <a:off x="1279097" y="1143625"/>
-            <a:ext cx="2403222" cy="461665"/>
+            <a:off x="1319164" y="1674793"/>
+            <a:ext cx="4724370" cy="707886"/>
           </a:xfrm>
           <a:prstGeom prst="rect">
             <a:avLst/>
@@ -10379,138 +13004,53 @@
           <a:lstStyle/>
           <a:p>
             <a:r>
-              <a:rPr lang="en-US" altLang="ko-KR" sz="2400" dirty="0">
+              <a:rPr lang="ko-KR" altLang="en-US" sz="4000" dirty="0" smtClean="0">
                 <a:solidFill>
                   <a:srgbClr val="FE794C"/>
                 </a:solidFill>
                 <a:latin typeface="에스코어 드림 6 Bold" pitchFamily="34" charset="-127"/>
                 <a:ea typeface="에스코어 드림 6 Bold" pitchFamily="34" charset="-127"/>
               </a:rPr>
-              <a:t>4</a:t>
-            </a:r>
-            <a:r>
-              <a:rPr lang="en-US" altLang="ko-KR" sz="2400" dirty="0" smtClean="0">
-                <a:solidFill>
-                  <a:srgbClr val="FE794C"/>
+              <a:t>메인 화면</a:t>
+            </a:r>
+            <a:r>
+              <a:rPr lang="ko-KR" altLang="en-US" sz="4000" dirty="0">
+                <a:solidFill>
+                  <a:schemeClr val="tx1">
+                    <a:lumMod val="75000"/>
+                    <a:lumOff val="25000"/>
+                  </a:schemeClr>
                 </a:solidFill>
                 <a:latin typeface="에스코어 드림 6 Bold" pitchFamily="34" charset="-127"/>
                 <a:ea typeface="에스코어 드림 6 Bold" pitchFamily="34" charset="-127"/>
               </a:rPr>
-              <a:t>-2-1</a:t>
-            </a:r>
-            <a:r>
-              <a:rPr lang="en-US" altLang="ko-KR" sz="2400" dirty="0" smtClean="0">
-                <a:solidFill>
-                  <a:srgbClr val="FE794C"/>
+              <a:t> </a:t>
+            </a:r>
+            <a:r>
+              <a:rPr lang="en-US" altLang="ko-KR" sz="4000" dirty="0">
+                <a:solidFill>
+                  <a:schemeClr val="tx1">
+                    <a:lumMod val="75000"/>
+                    <a:lumOff val="25000"/>
+                  </a:schemeClr>
                 </a:solidFill>
                 <a:latin typeface="에스코어 드림 6 Bold" pitchFamily="34" charset="-127"/>
                 <a:ea typeface="에스코어 드림 6 Bold" pitchFamily="34" charset="-127"/>
               </a:rPr>
-              <a:t>. </a:t>
-            </a:r>
-            <a:r>
-              <a:rPr lang="ko-KR" altLang="en-US" sz="2400" dirty="0" err="1">
-                <a:solidFill>
-                  <a:srgbClr val="FE794C"/>
+              <a:t> </a:t>
+            </a:r>
+            <a:r>
+              <a:rPr lang="ko-KR" altLang="en-US" sz="4000" dirty="0" smtClean="0">
+                <a:solidFill>
+                  <a:schemeClr val="tx1">
+                    <a:lumMod val="75000"/>
+                    <a:lumOff val="25000"/>
+                  </a:schemeClr>
                 </a:solidFill>
                 <a:latin typeface="에스코어 드림 6 Bold" pitchFamily="34" charset="-127"/>
                 <a:ea typeface="에스코어 드림 6 Bold" pitchFamily="34" charset="-127"/>
               </a:rPr>
-              <a:t>담당부분</a:t>
-            </a:r>
-            <a:endParaRPr lang="ko-KR" altLang="en-US" sz="2400" dirty="0">
-              <a:solidFill>
-                <a:srgbClr val="FE794C"/>
-              </a:solidFill>
-              <a:latin typeface="에스코어 드림 6 Bold" pitchFamily="34" charset="-127"/>
-              <a:ea typeface="에스코어 드림 6 Bold" pitchFamily="34" charset="-127"/>
-            </a:endParaRPr>
-          </a:p>
-        </p:txBody>
-      </p:sp>
-      <p:sp>
-        <p:nvSpPr>
-          <p:cNvPr id="44" name="TextBox 43"/>
-          <p:cNvSpPr txBox="1"/>
-          <p:nvPr/>
-        </p:nvSpPr>
-        <p:spPr>
-          <a:xfrm>
-            <a:off x="1319164" y="1674793"/>
-            <a:ext cx="9521837" cy="707886"/>
-          </a:xfrm>
-          <a:prstGeom prst="rect">
-            <a:avLst/>
-          </a:prstGeom>
-          <a:noFill/>
-        </p:spPr>
-        <p:txBody>
-          <a:bodyPr wrap="none" rtlCol="0">
-            <a:spAutoFit/>
-          </a:bodyPr>
-          <a:lstStyle/>
-          <a:p>
-            <a:r>
-              <a:rPr lang="en-US" altLang="ko-KR" sz="4000" dirty="0" smtClean="0">
-                <a:solidFill>
-                  <a:schemeClr val="tx1">
-                    <a:lumMod val="75000"/>
-                    <a:lumOff val="25000"/>
-                  </a:schemeClr>
-                </a:solidFill>
-                <a:latin typeface="에스코어 드림 9 Black" pitchFamily="34" charset="-127"/>
-                <a:ea typeface="에스코어 드림 9 Black" pitchFamily="34" charset="-127"/>
-              </a:rPr>
-              <a:t>We C List </a:t>
-            </a:r>
-            <a:r>
-              <a:rPr lang="ko-KR" altLang="en-US" sz="4000" dirty="0" smtClean="0">
-                <a:solidFill>
-                  <a:schemeClr val="tx1">
-                    <a:lumMod val="75000"/>
-                    <a:lumOff val="25000"/>
-                  </a:schemeClr>
-                </a:solidFill>
-                <a:latin typeface="에스코어 드림 6 Bold" pitchFamily="34" charset="-127"/>
-                <a:ea typeface="에스코어 드림 6 Bold" pitchFamily="34" charset="-127"/>
-              </a:rPr>
-              <a:t>사이트의 </a:t>
-            </a:r>
-            <a:r>
-              <a:rPr lang="ko-KR" altLang="en-US" sz="4000" dirty="0" smtClean="0">
-                <a:solidFill>
-                  <a:srgbClr val="FE794C"/>
-                </a:solidFill>
-                <a:latin typeface="에스코어 드림 6 Bold" pitchFamily="34" charset="-127"/>
-                <a:ea typeface="에스코어 드림 6 Bold" pitchFamily="34" charset="-127"/>
-              </a:rPr>
-              <a:t>작품 리스트 화면</a:t>
-            </a:r>
-            <a:r>
-              <a:rPr lang="ko-KR" altLang="en-US" sz="4000" dirty="0" smtClean="0">
-                <a:solidFill>
-                  <a:schemeClr val="tx1">
-                    <a:lumMod val="75000"/>
-                    <a:lumOff val="25000"/>
-                  </a:schemeClr>
-                </a:solidFill>
-                <a:latin typeface="에스코어 드림 6 Bold" pitchFamily="34" charset="-127"/>
-                <a:ea typeface="에스코어 드림 6 Bold" pitchFamily="34" charset="-127"/>
-              </a:rPr>
-              <a:t>은</a:t>
-            </a:r>
-            <a:r>
-              <a:rPr lang="en-US" altLang="ko-KR" sz="4000" dirty="0" smtClean="0">
-                <a:solidFill>
-                  <a:schemeClr val="tx1">
-                    <a:lumMod val="75000"/>
-                    <a:lumOff val="25000"/>
-                  </a:schemeClr>
-                </a:solidFill>
-                <a:latin typeface="에스코어 드림 6 Bold" pitchFamily="34" charset="-127"/>
-                <a:ea typeface="에스코어 드림 6 Bold" pitchFamily="34" charset="-127"/>
-              </a:rPr>
-              <a:t>?</a:t>
+              <a:t>주요 코드</a:t>
             </a:r>
             <a:endParaRPr lang="ko-KR" altLang="en-US" sz="4000" dirty="0">
               <a:solidFill>
@@ -10534,7 +13074,7 @@
         <p:spPr>
           <a:xfrm>
             <a:off x="1211746" y="5091278"/>
-            <a:ext cx="2973891" cy="461665"/>
+            <a:ext cx="4004622" cy="461665"/>
           </a:xfrm>
           <a:prstGeom prst="rect">
             <a:avLst/>
@@ -10548,24 +13088,34 @@
           <a:lstStyle/>
           <a:p>
             <a:r>
-              <a:rPr lang="en-US" altLang="ko-KR" sz="2400" dirty="0" smtClean="0">
+              <a:rPr lang="ko-KR" altLang="en-US" sz="2400" dirty="0" smtClean="0">
                 <a:solidFill>
                   <a:srgbClr val="FE794C"/>
                 </a:solidFill>
                 <a:latin typeface="에스코어 드림 9 Black" pitchFamily="34" charset="-127"/>
                 <a:ea typeface="에스코어 드림 9 Black" pitchFamily="34" charset="-127"/>
               </a:rPr>
-              <a:t>(2) </a:t>
-            </a:r>
-            <a:r>
-              <a:rPr lang="ko-KR" altLang="en-US" sz="2400" dirty="0" smtClean="0">
+              <a:t> 작품의  메인 화면의 </a:t>
+            </a:r>
+            <a:r>
+              <a:rPr lang="en-US" altLang="ko-KR" sz="2400" dirty="0" smtClean="0">
                 <a:solidFill>
                   <a:srgbClr val="FE794C"/>
                 </a:solidFill>
                 <a:latin typeface="에스코어 드림 9 Black" pitchFamily="34" charset="-127"/>
                 <a:ea typeface="에스코어 드림 9 Black" pitchFamily="34" charset="-127"/>
               </a:rPr>
-              <a:t>작품 리스트 화면</a:t>
+              <a:t>UI </a:t>
+            </a:r>
+            <a:r>
+              <a:rPr lang="ko-KR" altLang="en-US" sz="2400" dirty="0" smtClean="0">
+                <a:solidFill>
+                  <a:srgbClr val="FE794C"/>
+                </a:solidFill>
+                <a:latin typeface="에스코어 드림 9 Black" pitchFamily="34" charset="-127"/>
+                <a:ea typeface="에스코어 드림 9 Black" pitchFamily="34" charset="-127"/>
+              </a:rPr>
+              <a:t>코드</a:t>
             </a:r>
             <a:endParaRPr lang="ko-KR" altLang="en-US" sz="2400" dirty="0">
               <a:solidFill>
@@ -10586,7 +13136,7 @@
         <p:spPr>
           <a:xfrm>
             <a:off x="1319164" y="5881913"/>
-            <a:ext cx="5517940" cy="2077492"/>
+            <a:ext cx="5517940" cy="1477328"/>
           </a:xfrm>
           <a:prstGeom prst="rect">
             <a:avLst/>
@@ -10600,6 +13150,16 @@
           <a:lstStyle/>
           <a:p>
             <a:r>
+              <a:rPr lang="en-US" altLang="ko-KR" dirty="0" smtClean="0">
+                <a:solidFill>
+                  <a:srgbClr val="FE794C"/>
+                </a:solidFill>
+                <a:latin typeface="에스코어 드림 6 Bold" pitchFamily="34" charset="-127"/>
+                <a:ea typeface="에스코어 드림 6 Bold" pitchFamily="34" charset="-127"/>
+              </a:rPr>
+              <a:t>HTML</a:t>
+            </a:r>
+            <a:r>
               <a:rPr lang="ko-KR" altLang="en-US" dirty="0" smtClean="0">
                 <a:solidFill>
                   <a:schemeClr val="tx1">
@@ -10610,7 +13170,20 @@
                 <a:latin typeface="에스코어 드림 5 Medium" pitchFamily="34" charset="-127"/>
                 <a:ea typeface="에스코어 드림 5 Medium" pitchFamily="34" charset="-127"/>
               </a:rPr>
-              <a:t>작품에서 작품 구경하기라는 메뉴를 만들어서</a:t>
+              <a:t>을 이용하여 </a:t>
+            </a:r>
+            <a:r>
+              <a:rPr lang="ko-KR" altLang="en-US" dirty="0" smtClean="0">
+                <a:solidFill>
+                  <a:schemeClr val="tx1">
+                    <a:lumMod val="65000"/>
+                    <a:lumOff val="35000"/>
+                  </a:schemeClr>
+                </a:solidFill>
+                <a:latin typeface="에스코어 드림 5 Medium" pitchFamily="34" charset="-127"/>
+                <a:ea typeface="에스코어 드림 5 Medium" pitchFamily="34" charset="-127"/>
+              </a:rPr>
+              <a:t>메인 화면을 제작하고</a:t>
             </a:r>
             <a:endParaRPr lang="en-US" altLang="ko-KR" dirty="0" smtClean="0">
               <a:solidFill>
@@ -10635,297 +13208,9 @@
                 <a:latin typeface="에스코어 드림 5 Medium" pitchFamily="34" charset="-127"/>
                 <a:ea typeface="에스코어 드림 5 Medium" pitchFamily="34" charset="-127"/>
               </a:rPr>
-              <a:t>해당 메뉴를 클릭하면 </a:t>
-            </a:r>
-            <a:r>
-              <a:rPr lang="ko-KR" altLang="en-US" dirty="0" smtClean="0">
-                <a:solidFill>
-                  <a:srgbClr val="FE794C"/>
-                </a:solidFill>
-                <a:latin typeface="에스코어 드림 6 Bold" pitchFamily="34" charset="-127"/>
-                <a:ea typeface="에스코어 드림 6 Bold" pitchFamily="34" charset="-127"/>
-              </a:rPr>
-              <a:t>작가들이 등록한 작품들을</a:t>
+              <a:t> </a:t>
             </a:r>
             <a:endParaRPr lang="en-US" altLang="ko-KR" dirty="0" smtClean="0">
-              <a:solidFill>
-                <a:srgbClr val="FE794C"/>
-              </a:solidFill>
-              <a:latin typeface="에스코어 드림 6 Bold" pitchFamily="34" charset="-127"/>
-              <a:ea typeface="에스코어 드림 6 Bold" pitchFamily="34" charset="-127"/>
-            </a:endParaRPr>
-          </a:p>
-          <a:p>
-            <a:r>
-              <a:rPr lang="ko-KR" altLang="en-US" dirty="0" smtClean="0">
-                <a:solidFill>
-                  <a:srgbClr val="FE794C"/>
-                </a:solidFill>
-                <a:latin typeface="에스코어 드림 6 Bold" pitchFamily="34" charset="-127"/>
-                <a:ea typeface="에스코어 드림 6 Bold" pitchFamily="34" charset="-127"/>
-              </a:rPr>
-              <a:t>한 번에 볼 수 있는 리스트가 나옵니다</a:t>
-            </a:r>
-            <a:r>
-              <a:rPr lang="en-US" altLang="ko-KR" dirty="0" smtClean="0">
-                <a:solidFill>
-                  <a:srgbClr val="FE794C"/>
-                </a:solidFill>
-                <a:latin typeface="에스코어 드림 6 Bold" pitchFamily="34" charset="-127"/>
-                <a:ea typeface="에스코어 드림 6 Bold" pitchFamily="34" charset="-127"/>
-              </a:rPr>
-              <a:t>.</a:t>
-            </a:r>
-          </a:p>
-          <a:p>
-            <a:endParaRPr lang="en-US" altLang="ko-KR" dirty="0" smtClean="0">
-              <a:solidFill>
-                <a:schemeClr val="tx1">
-                  <a:lumMod val="65000"/>
-                  <a:lumOff val="35000"/>
-                </a:schemeClr>
-              </a:solidFill>
-              <a:latin typeface="에스코어 드림 6 Bold" pitchFamily="34" charset="-127"/>
-              <a:ea typeface="에스코어 드림 6 Bold" pitchFamily="34" charset="-127"/>
-            </a:endParaRPr>
-          </a:p>
-          <a:p>
-            <a:r>
-              <a:rPr lang="en-US" altLang="ko-KR" sz="1900" dirty="0" smtClean="0">
-                <a:solidFill>
-                  <a:schemeClr val="tx1">
-                    <a:lumMod val="65000"/>
-                    <a:lumOff val="35000"/>
-                  </a:schemeClr>
-                </a:solidFill>
-                <a:latin typeface="에스코어 드림 6 Bold" pitchFamily="34" charset="-127"/>
-                <a:ea typeface="에스코어 드림 6 Bold" pitchFamily="34" charset="-127"/>
-              </a:rPr>
-              <a:t>“</a:t>
-            </a:r>
-            <a:r>
-              <a:rPr lang="ko-KR" altLang="en-US" sz="1900" dirty="0" smtClean="0">
-                <a:solidFill>
-                  <a:schemeClr val="tx1">
-                    <a:lumMod val="65000"/>
-                    <a:lumOff val="35000"/>
-                  </a:schemeClr>
-                </a:solidFill>
-                <a:latin typeface="에스코어 드림 6 Bold" pitchFamily="34" charset="-127"/>
-                <a:ea typeface="에스코어 드림 6 Bold" pitchFamily="34" charset="-127"/>
-              </a:rPr>
-              <a:t>벤치인 </a:t>
-            </a:r>
-            <a:r>
-              <a:rPr lang="ko-KR" altLang="en-US" sz="1900" dirty="0" err="1" smtClean="0">
-                <a:solidFill>
-                  <a:schemeClr val="tx1">
-                    <a:lumMod val="65000"/>
-                    <a:lumOff val="35000"/>
-                  </a:schemeClr>
-                </a:solidFill>
-                <a:latin typeface="에스코어 드림 6 Bold" pitchFamily="34" charset="-127"/>
-                <a:ea typeface="에스코어 드림 6 Bold" pitchFamily="34" charset="-127"/>
-              </a:rPr>
-              <a:t>아이디어스는</a:t>
-            </a:r>
-            <a:r>
-              <a:rPr lang="ko-KR" altLang="en-US" sz="1900" dirty="0" smtClean="0">
-                <a:solidFill>
-                  <a:schemeClr val="tx1">
-                    <a:lumMod val="65000"/>
-                    <a:lumOff val="35000"/>
-                  </a:schemeClr>
-                </a:solidFill>
-                <a:latin typeface="에스코어 드림 6 Bold" pitchFamily="34" charset="-127"/>
-                <a:ea typeface="에스코어 드림 6 Bold" pitchFamily="34" charset="-127"/>
-              </a:rPr>
-              <a:t> 복잡한 느낌이 드는데 좀 더</a:t>
-            </a:r>
-            <a:endParaRPr lang="en-US" altLang="ko-KR" sz="1900" dirty="0" smtClean="0">
-              <a:solidFill>
-                <a:schemeClr val="tx1">
-                  <a:lumMod val="65000"/>
-                  <a:lumOff val="35000"/>
-                </a:schemeClr>
-              </a:solidFill>
-              <a:latin typeface="에스코어 드림 6 Bold" pitchFamily="34" charset="-127"/>
-              <a:ea typeface="에스코어 드림 6 Bold" pitchFamily="34" charset="-127"/>
-            </a:endParaRPr>
-          </a:p>
-          <a:p>
-            <a:r>
-              <a:rPr lang="ko-KR" altLang="en-US" sz="1900" dirty="0" smtClean="0">
-                <a:solidFill>
-                  <a:schemeClr val="tx1">
-                    <a:lumMod val="65000"/>
-                    <a:lumOff val="35000"/>
-                  </a:schemeClr>
-                </a:solidFill>
-                <a:latin typeface="에스코어 드림 6 Bold" pitchFamily="34" charset="-127"/>
-                <a:ea typeface="에스코어 드림 6 Bold" pitchFamily="34" charset="-127"/>
-              </a:rPr>
-              <a:t>간결하고 한 눈에 볼 수 있는 리스트로 구축하자</a:t>
-            </a:r>
-            <a:r>
-              <a:rPr lang="en-US" altLang="ko-KR" sz="1900" dirty="0" smtClean="0">
-                <a:solidFill>
-                  <a:schemeClr val="tx1">
-                    <a:lumMod val="65000"/>
-                    <a:lumOff val="35000"/>
-                  </a:schemeClr>
-                </a:solidFill>
-                <a:latin typeface="에스코어 드림 6 Bold" pitchFamily="34" charset="-127"/>
-                <a:ea typeface="에스코어 드림 6 Bold" pitchFamily="34" charset="-127"/>
-              </a:rPr>
-              <a:t>”</a:t>
-            </a:r>
-          </a:p>
-          <a:p>
-            <a:r>
-              <a:rPr lang="ko-KR" altLang="en-US" sz="1900" dirty="0" smtClean="0">
-                <a:solidFill>
-                  <a:schemeClr val="tx1">
-                    <a:lumMod val="65000"/>
-                    <a:lumOff val="35000"/>
-                  </a:schemeClr>
-                </a:solidFill>
-                <a:latin typeface="에스코어 드림 6 Bold" pitchFamily="34" charset="-127"/>
-                <a:ea typeface="에스코어 드림 6 Bold" pitchFamily="34" charset="-127"/>
-              </a:rPr>
-              <a:t>라는 다수의 조원들의 의견을 수렴했습니다</a:t>
-            </a:r>
-            <a:r>
-              <a:rPr lang="en-US" altLang="ko-KR" sz="1900" dirty="0" smtClean="0">
-                <a:solidFill>
-                  <a:schemeClr val="tx1">
-                    <a:lumMod val="65000"/>
-                    <a:lumOff val="35000"/>
-                  </a:schemeClr>
-                </a:solidFill>
-                <a:latin typeface="에스코어 드림 6 Bold" pitchFamily="34" charset="-127"/>
-                <a:ea typeface="에스코어 드림 6 Bold" pitchFamily="34" charset="-127"/>
-              </a:rPr>
-              <a:t>.</a:t>
-            </a:r>
-          </a:p>
-        </p:txBody>
-      </p:sp>
-      <p:sp>
-        <p:nvSpPr>
-          <p:cNvPr id="18" name="TextBox 17"/>
-          <p:cNvSpPr txBox="1"/>
-          <p:nvPr/>
-        </p:nvSpPr>
-        <p:spPr>
-          <a:xfrm>
-            <a:off x="75848" y="9182100"/>
-            <a:ext cx="1089337" cy="1015663"/>
-          </a:xfrm>
-          <a:prstGeom prst="rect">
-            <a:avLst/>
-          </a:prstGeom>
-          <a:noFill/>
-        </p:spPr>
-        <p:txBody>
-          <a:bodyPr wrap="none" rtlCol="0">
-            <a:spAutoFit/>
-          </a:bodyPr>
-          <a:lstStyle/>
-          <a:p>
-            <a:r>
-              <a:rPr lang="en-US" altLang="ko-KR" sz="6000" i="1" dirty="0" smtClean="0">
-                <a:solidFill>
-                  <a:schemeClr val="bg1"/>
-                </a:solidFill>
-                <a:latin typeface="Franklin Gothic Heavy" panose="020B0903020102020204" pitchFamily="34" charset="0"/>
-              </a:rPr>
-              <a:t>12</a:t>
-            </a:r>
-            <a:endParaRPr lang="ko-KR" altLang="en-US" sz="6000" i="1" dirty="0">
-              <a:solidFill>
-                <a:schemeClr val="bg1"/>
-              </a:solidFill>
-              <a:latin typeface="Franklin Gothic Heavy" panose="020B0903020102020204" pitchFamily="34" charset="0"/>
-            </a:endParaRPr>
-          </a:p>
-        </p:txBody>
-      </p:sp>
-      <p:sp>
-        <p:nvSpPr>
-          <p:cNvPr id="19" name="TextBox 18"/>
-          <p:cNvSpPr txBox="1"/>
-          <p:nvPr/>
-        </p:nvSpPr>
-        <p:spPr>
-          <a:xfrm>
-            <a:off x="1371600" y="2589193"/>
-            <a:ext cx="15642010" cy="369332"/>
-          </a:xfrm>
-          <a:prstGeom prst="rect">
-            <a:avLst/>
-          </a:prstGeom>
-          <a:noFill/>
-        </p:spPr>
-        <p:txBody>
-          <a:bodyPr wrap="square" rtlCol="0">
-            <a:spAutoFit/>
-          </a:bodyPr>
-          <a:lstStyle/>
-          <a:p>
-            <a:r>
-              <a:rPr lang="ko-KR" altLang="en-US" dirty="0" smtClean="0">
-                <a:solidFill>
-                  <a:schemeClr val="tx1">
-                    <a:lumMod val="65000"/>
-                    <a:lumOff val="35000"/>
-                  </a:schemeClr>
-                </a:solidFill>
-                <a:latin typeface="에스코어 드림 5 Medium" pitchFamily="34" charset="-127"/>
-                <a:ea typeface="에스코어 드림 5 Medium" pitchFamily="34" charset="-127"/>
-              </a:rPr>
-              <a:t>작품 리스트를 들어오게 되면 전체 작품을 볼 수 있으며 </a:t>
-            </a:r>
-            <a:r>
-              <a:rPr lang="ko-KR" altLang="en-US" dirty="0" err="1" smtClean="0">
-                <a:solidFill>
-                  <a:schemeClr val="tx1">
-                    <a:lumMod val="65000"/>
-                    <a:lumOff val="35000"/>
-                  </a:schemeClr>
-                </a:solidFill>
-                <a:latin typeface="에스코어 드림 5 Medium" pitchFamily="34" charset="-127"/>
-                <a:ea typeface="에스코어 드림 5 Medium" pitchFamily="34" charset="-127"/>
-              </a:rPr>
-              <a:t>카테고리별로</a:t>
-            </a:r>
-            <a:r>
-              <a:rPr lang="ko-KR" altLang="en-US" dirty="0" smtClean="0">
-                <a:solidFill>
-                  <a:schemeClr val="tx1">
-                    <a:lumMod val="65000"/>
-                    <a:lumOff val="35000"/>
-                  </a:schemeClr>
-                </a:solidFill>
-                <a:latin typeface="에스코어 드림 5 Medium" pitchFamily="34" charset="-127"/>
-                <a:ea typeface="에스코어 드림 5 Medium" pitchFamily="34" charset="-127"/>
-              </a:rPr>
-              <a:t> 작품을 구경하실 수 있습니다</a:t>
-            </a:r>
-            <a:r>
-              <a:rPr lang="en-US" altLang="ko-KR" dirty="0" smtClean="0">
-                <a:solidFill>
-                  <a:schemeClr val="tx1">
-                    <a:lumMod val="65000"/>
-                    <a:lumOff val="35000"/>
-                  </a:schemeClr>
-                </a:solidFill>
-                <a:latin typeface="에스코어 드림 5 Medium" pitchFamily="34" charset="-127"/>
-                <a:ea typeface="에스코어 드림 5 Medium" pitchFamily="34" charset="-127"/>
-              </a:rPr>
-              <a:t>.</a:t>
-            </a:r>
-            <a:endParaRPr lang="ko-KR" altLang="en-US" dirty="0">
               <a:solidFill>
                 <a:schemeClr val="tx1">
                   <a:lumMod val="65000"/>
@@ -10936,43 +13221,167 @@
               <a:ea typeface="에스코어 드림 5 Medium" pitchFamily="34" charset="-127"/>
             </a:endParaRPr>
           </a:p>
+          <a:p>
+            <a:r>
+              <a:rPr lang="en-US" altLang="ko-KR" dirty="0" smtClean="0">
+                <a:solidFill>
+                  <a:srgbClr val="FE794C"/>
+                </a:solidFill>
+                <a:latin typeface="에스코어 드림 6 Bold" pitchFamily="34" charset="-127"/>
+                <a:ea typeface="에스코어 드림 6 Bold" pitchFamily="34" charset="-127"/>
+              </a:rPr>
+              <a:t>JSP</a:t>
+            </a:r>
+            <a:r>
+              <a:rPr lang="ko-KR" altLang="en-US" dirty="0" smtClean="0">
+                <a:solidFill>
+                  <a:schemeClr val="tx1">
+                    <a:lumMod val="65000"/>
+                    <a:lumOff val="35000"/>
+                  </a:schemeClr>
+                </a:solidFill>
+                <a:latin typeface="에스코어 드림 5 Medium" pitchFamily="34" charset="-127"/>
+                <a:ea typeface="에스코어 드림 5 Medium" pitchFamily="34" charset="-127"/>
+              </a:rPr>
+              <a:t>을 이용하여 게시물이 설정한 개수 이상 일 경우</a:t>
+            </a:r>
+            <a:endParaRPr lang="en-US" altLang="ko-KR" dirty="0" smtClean="0">
+              <a:solidFill>
+                <a:schemeClr val="tx1">
+                  <a:lumMod val="65000"/>
+                  <a:lumOff val="35000"/>
+                </a:schemeClr>
+              </a:solidFill>
+              <a:latin typeface="에스코어 드림 5 Medium" pitchFamily="34" charset="-127"/>
+              <a:ea typeface="에스코어 드림 5 Medium" pitchFamily="34" charset="-127"/>
+            </a:endParaRPr>
+          </a:p>
+          <a:p>
+            <a:r>
+              <a:rPr lang="ko-KR" altLang="en-US" dirty="0" smtClean="0">
+                <a:solidFill>
+                  <a:schemeClr val="tx1">
+                    <a:lumMod val="65000"/>
+                    <a:lumOff val="35000"/>
+                  </a:schemeClr>
+                </a:solidFill>
+                <a:latin typeface="에스코어 드림 5 Medium" pitchFamily="34" charset="-127"/>
+                <a:ea typeface="에스코어 드림 5 Medium" pitchFamily="34" charset="-127"/>
+              </a:rPr>
+              <a:t>페이지를 나누어 보여줄 수 있도록 </a:t>
+            </a:r>
+            <a:r>
+              <a:rPr lang="ko-KR" altLang="en-US" dirty="0" err="1" smtClean="0">
+                <a:solidFill>
+                  <a:schemeClr val="tx1">
+                    <a:lumMod val="65000"/>
+                    <a:lumOff val="35000"/>
+                  </a:schemeClr>
+                </a:solidFill>
+                <a:latin typeface="에스코어 드림 5 Medium" pitchFamily="34" charset="-127"/>
+                <a:ea typeface="에스코어 드림 5 Medium" pitchFamily="34" charset="-127"/>
+              </a:rPr>
+              <a:t>만듬</a:t>
+            </a:r>
+            <a:endParaRPr lang="en-US" altLang="ko-KR" dirty="0" smtClean="0">
+              <a:solidFill>
+                <a:schemeClr val="tx1">
+                  <a:lumMod val="65000"/>
+                  <a:lumOff val="35000"/>
+                </a:schemeClr>
+              </a:solidFill>
+              <a:latin typeface="에스코어 드림 5 Medium" pitchFamily="34" charset="-127"/>
+              <a:ea typeface="에스코어 드림 5 Medium" pitchFamily="34" charset="-127"/>
+            </a:endParaRPr>
+          </a:p>
+          <a:p>
+            <a:endParaRPr lang="en-US" altLang="ko-KR" dirty="0" smtClean="0">
+              <a:solidFill>
+                <a:schemeClr val="tx1">
+                  <a:lumMod val="65000"/>
+                  <a:lumOff val="35000"/>
+                </a:schemeClr>
+              </a:solidFill>
+              <a:latin typeface="에스코어 드림 5 Medium" pitchFamily="34" charset="-127"/>
+              <a:ea typeface="에스코어 드림 5 Medium" pitchFamily="34" charset="-127"/>
+            </a:endParaRPr>
+          </a:p>
+        </p:txBody>
+      </p:sp>
+      <p:sp>
+        <p:nvSpPr>
+          <p:cNvPr id="31" name="TextBox 30"/>
+          <p:cNvSpPr txBox="1"/>
+          <p:nvPr/>
+        </p:nvSpPr>
+        <p:spPr>
+          <a:xfrm>
+            <a:off x="75848" y="9182100"/>
+            <a:ext cx="1078821" cy="1015663"/>
+          </a:xfrm>
+          <a:prstGeom prst="rect">
+            <a:avLst/>
+          </a:prstGeom>
+          <a:noFill/>
+        </p:spPr>
+        <p:txBody>
+          <a:bodyPr wrap="none" rtlCol="0">
+            <a:spAutoFit/>
+          </a:bodyPr>
+          <a:lstStyle/>
+          <a:p>
+            <a:r>
+              <a:rPr lang="en-US" altLang="ko-KR" sz="6000" i="1" dirty="0" smtClean="0">
+                <a:solidFill>
+                  <a:schemeClr val="bg1"/>
+                </a:solidFill>
+                <a:latin typeface="Franklin Gothic Heavy" panose="020B0903020102020204" pitchFamily="34" charset="0"/>
+              </a:rPr>
+              <a:t>11</a:t>
+            </a:r>
+            <a:endParaRPr lang="ko-KR" altLang="en-US" sz="6000" i="1" dirty="0">
+              <a:solidFill>
+                <a:schemeClr val="bg1"/>
+              </a:solidFill>
+              <a:latin typeface="Franklin Gothic Heavy" panose="020B0903020102020204" pitchFamily="34" charset="0"/>
+            </a:endParaRPr>
+          </a:p>
         </p:txBody>
       </p:sp>
       <p:pic>
         <p:nvPicPr>
-          <p:cNvPr id="5" name="그림 4"/>
+          <p:cNvPr id="2" name="그림 1"/>
           <p:cNvPicPr>
             <a:picLocks noChangeAspect="1"/>
           </p:cNvPicPr>
           <p:nvPr/>
         </p:nvPicPr>
-        <p:blipFill rotWithShape="1">
-          <a:blip r:embed="rId6" cstate="print">
+        <p:blipFill>
+          <a:blip r:embed="rId6">
             <a:extLst>
               <a:ext uri="{28A0092B-C50C-407E-A947-70E740481C1C}">
                 <a14:useLocalDpi xmlns:a14="http://schemas.microsoft.com/office/drawing/2010/main" val="0"/>
               </a:ext>
             </a:extLst>
           </a:blip>
-          <a:srcRect b="60951"/>
-          <a:stretch/>
+          <a:stretch>
+            <a:fillRect/>
+          </a:stretch>
         </p:blipFill>
         <p:spPr>
           <a:xfrm>
-            <a:off x="8001000" y="3568455"/>
-            <a:ext cx="8763000" cy="5613645"/>
-          </a:xfrm>
-          <a:prstGeom prst="roundRect">
-            <a:avLst>
-              <a:gd name="adj" fmla="val 1396"/>
-            </a:avLst>
+            <a:off x="9910161" y="3310213"/>
+            <a:ext cx="6920116" cy="6773220"/>
+          </a:xfrm>
+          <a:prstGeom prst="rect">
+            <a:avLst/>
           </a:prstGeom>
         </p:spPr>
       </p:pic>
     </p:spTree>
     <p:extLst>
       <p:ext uri="{BB962C8B-B14F-4D97-AF65-F5344CB8AC3E}">
-        <p14:creationId xmlns:p14="http://schemas.microsoft.com/office/powerpoint/2010/main" val="1685850319"/>
+        <p14:creationId xmlns:p14="http://schemas.microsoft.com/office/powerpoint/2010/main" val="2846222837"/>
       </p:ext>
     </p:extLst>
   </p:cSld>
@@ -11014,7 +13423,7 @@
         </p:nvGrpSpPr>
         <p:grpSpPr>
           <a:xfrm>
-            <a:off x="775595" y="3805265"/>
+            <a:off x="-495238" y="4070327"/>
             <a:ext cx="19276190" cy="6421463"/>
             <a:chOff x="-495238" y="4070327"/>
             <a:chExt cx="19276190" cy="6421463"/>
@@ -11187,17 +13596,7 @@
                 <a:latin typeface="에스코어 드림 6 Bold" pitchFamily="34" charset="-127"/>
                 <a:ea typeface="에스코어 드림 6 Bold" pitchFamily="34" charset="-127"/>
               </a:rPr>
-              <a:t>-3-1</a:t>
-            </a:r>
-            <a:r>
-              <a:rPr lang="en-US" altLang="ko-KR" sz="2400" dirty="0" smtClean="0">
-                <a:solidFill>
-                  <a:srgbClr val="FE794C"/>
-                </a:solidFill>
-                <a:latin typeface="에스코어 드림 6 Bold" pitchFamily="34" charset="-127"/>
-                <a:ea typeface="에스코어 드림 6 Bold" pitchFamily="34" charset="-127"/>
-              </a:rPr>
-              <a:t>. </a:t>
+              <a:t>-2-1. </a:t>
             </a:r>
             <a:r>
               <a:rPr lang="ko-KR" altLang="en-US" sz="2400" dirty="0" err="1">
@@ -11228,7 +13627,7 @@
         <p:spPr>
           <a:xfrm>
             <a:off x="1319164" y="1674793"/>
-            <a:ext cx="9029716" cy="707886"/>
+            <a:ext cx="9521837" cy="707886"/>
           </a:xfrm>
           <a:prstGeom prst="rect">
             <a:avLst/>
@@ -11268,34 +13667,14 @@
               <a:t>사이트의 </a:t>
             </a:r>
             <a:r>
-              <a:rPr lang="ko-KR" altLang="en-US" sz="4000" dirty="0">
+              <a:rPr lang="ko-KR" altLang="en-US" sz="4000" dirty="0" smtClean="0">
                 <a:solidFill>
                   <a:srgbClr val="FE794C"/>
                 </a:solidFill>
                 <a:latin typeface="에스코어 드림 6 Bold" pitchFamily="34" charset="-127"/>
                 <a:ea typeface="에스코어 드림 6 Bold" pitchFamily="34" charset="-127"/>
               </a:rPr>
-              <a:t>작품 </a:t>
-            </a:r>
-            <a:r>
-              <a:rPr lang="ko-KR" altLang="en-US" sz="4000" dirty="0" smtClean="0">
-                <a:solidFill>
-                  <a:srgbClr val="FE794C"/>
-                </a:solidFill>
-                <a:latin typeface="에스코어 드림 6 Bold" pitchFamily="34" charset="-127"/>
-                <a:ea typeface="에스코어 드림 6 Bold" pitchFamily="34" charset="-127"/>
-              </a:rPr>
-              <a:t>상세 화</a:t>
-            </a:r>
-            <a:r>
-              <a:rPr lang="ko-KR" altLang="en-US" sz="4000" dirty="0">
-                <a:solidFill>
-                  <a:srgbClr val="FE794C"/>
-                </a:solidFill>
-                <a:latin typeface="에스코어 드림 6 Bold" pitchFamily="34" charset="-127"/>
-                <a:ea typeface="에스코어 드림 6 Bold" pitchFamily="34" charset="-127"/>
-              </a:rPr>
-              <a:t>면</a:t>
+              <a:t>작품 리스트 화면</a:t>
             </a:r>
             <a:r>
               <a:rPr lang="ko-KR" altLang="en-US" sz="4000" dirty="0" smtClean="0">
@@ -11345,7 +13724,7 @@
         <p:spPr>
           <a:xfrm>
             <a:off x="1211746" y="5091278"/>
-            <a:ext cx="2678938" cy="461665"/>
+            <a:ext cx="2973891" cy="461665"/>
           </a:xfrm>
           <a:prstGeom prst="rect">
             <a:avLst/>
@@ -11366,7 +13745,7 @@
                 <a:latin typeface="에스코어 드림 9 Black" pitchFamily="34" charset="-127"/>
                 <a:ea typeface="에스코어 드림 9 Black" pitchFamily="34" charset="-127"/>
               </a:rPr>
-              <a:t>(3) </a:t>
+              <a:t>(2) </a:t>
             </a:r>
             <a:r>
               <a:rPr lang="ko-KR" altLang="en-US" sz="2400" dirty="0" smtClean="0">
@@ -11376,7 +13755,7 @@
                 <a:latin typeface="에스코어 드림 9 Black" pitchFamily="34" charset="-127"/>
                 <a:ea typeface="에스코어 드림 9 Black" pitchFamily="34" charset="-127"/>
               </a:rPr>
-              <a:t>작품 상세 화면</a:t>
+              <a:t>작품 리스트 화면</a:t>
             </a:r>
             <a:endParaRPr lang="ko-KR" altLang="en-US" sz="2400" dirty="0">
               <a:solidFill>
@@ -11397,7 +13776,7 @@
         <p:spPr>
           <a:xfrm>
             <a:off x="1319164" y="5881913"/>
-            <a:ext cx="5517940" cy="2416046"/>
+            <a:ext cx="5517940" cy="2077492"/>
           </a:xfrm>
           <a:prstGeom prst="rect">
             <a:avLst/>
@@ -11421,7 +13800,7 @@
                 <a:latin typeface="에스코어 드림 5 Medium" pitchFamily="34" charset="-127"/>
                 <a:ea typeface="에스코어 드림 5 Medium" pitchFamily="34" charset="-127"/>
               </a:rPr>
-              <a:t>작품상세 화면은 한 개의 작품에 대한 세부적인</a:t>
+              <a:t>작품에서 작품 구경하기라는 메뉴를 만들어서</a:t>
             </a:r>
             <a:endParaRPr lang="en-US" altLang="ko-KR" dirty="0" smtClean="0">
               <a:solidFill>
@@ -11436,7 +13815,7 @@
           </a:p>
           <a:p>
             <a:r>
-              <a:rPr lang="ko-KR" altLang="en-US" sz="1900" dirty="0" smtClean="0">
+              <a:rPr lang="ko-KR" altLang="en-US" dirty="0" smtClean="0">
                 <a:solidFill>
                   <a:schemeClr val="tx1">
                     <a:lumMod val="65000"/>
@@ -11446,113 +13825,50 @@
                 <a:latin typeface="에스코어 드림 5 Medium" pitchFamily="34" charset="-127"/>
                 <a:ea typeface="에스코어 드림 5 Medium" pitchFamily="34" charset="-127"/>
               </a:rPr>
-              <a:t>내용들을 확인하고 구매 또는 장바구니를</a:t>
-            </a:r>
-            <a:endParaRPr lang="en-US" altLang="ko-KR" sz="1900" dirty="0" smtClean="0">
+              <a:t>해당 메뉴를 클릭하면 </a:t>
+            </a:r>
+            <a:r>
+              <a:rPr lang="ko-KR" altLang="en-US" dirty="0" smtClean="0">
+                <a:solidFill>
+                  <a:srgbClr val="FE794C"/>
+                </a:solidFill>
+                <a:latin typeface="에스코어 드림 6 Bold" pitchFamily="34" charset="-127"/>
+                <a:ea typeface="에스코어 드림 6 Bold" pitchFamily="34" charset="-127"/>
+              </a:rPr>
+              <a:t>작가들이 등록한 작품들을</a:t>
+            </a:r>
+            <a:endParaRPr lang="en-US" altLang="ko-KR" dirty="0" smtClean="0">
               <a:solidFill>
-                <a:schemeClr val="tx1">
-                  <a:lumMod val="65000"/>
-                  <a:lumOff val="35000"/>
-                </a:schemeClr>
+                <a:srgbClr val="FE794C"/>
               </a:solidFill>
-              <a:latin typeface="에스코어 드림 5 Medium" pitchFamily="34" charset="-127"/>
-              <a:ea typeface="에스코어 드림 5 Medium" pitchFamily="34" charset="-127"/>
+              <a:latin typeface="에스코어 드림 6 Bold" pitchFamily="34" charset="-127"/>
+              <a:ea typeface="에스코어 드림 6 Bold" pitchFamily="34" charset="-127"/>
             </a:endParaRPr>
           </a:p>
           <a:p>
             <a:r>
-              <a:rPr lang="ko-KR" altLang="en-US" sz="1900" dirty="0" smtClean="0">
-                <a:solidFill>
-                  <a:schemeClr val="tx1">
-                    <a:lumMod val="65000"/>
-                    <a:lumOff val="35000"/>
-                  </a:schemeClr>
-                </a:solidFill>
-                <a:latin typeface="에스코어 드림 5 Medium" pitchFamily="34" charset="-127"/>
-                <a:ea typeface="에스코어 드림 5 Medium" pitchFamily="34" charset="-127"/>
-              </a:rPr>
-              <a:t>사용하실 수 있습니다</a:t>
-            </a:r>
-            <a:r>
-              <a:rPr lang="en-US" altLang="ko-KR" sz="1900" dirty="0" smtClean="0">
-                <a:solidFill>
-                  <a:schemeClr val="tx1">
-                    <a:lumMod val="65000"/>
-                    <a:lumOff val="35000"/>
-                  </a:schemeClr>
-                </a:solidFill>
-                <a:latin typeface="에스코어 드림 5 Medium" pitchFamily="34" charset="-127"/>
-                <a:ea typeface="에스코어 드림 5 Medium" pitchFamily="34" charset="-127"/>
-              </a:rPr>
-              <a:t>. </a:t>
-            </a:r>
-            <a:r>
-              <a:rPr lang="ko-KR" altLang="en-US" sz="1900" dirty="0" smtClean="0">
-                <a:solidFill>
-                  <a:schemeClr val="tx1">
-                    <a:lumMod val="65000"/>
-                    <a:lumOff val="35000"/>
-                  </a:schemeClr>
-                </a:solidFill>
-                <a:latin typeface="에스코어 드림 5 Medium" pitchFamily="34" charset="-127"/>
-                <a:ea typeface="에스코어 드림 5 Medium" pitchFamily="34" charset="-127"/>
-              </a:rPr>
-              <a:t>또한 원하는 작품을</a:t>
-            </a:r>
-            <a:endParaRPr lang="en-US" altLang="ko-KR" sz="1900" dirty="0" smtClean="0">
-              <a:solidFill>
-                <a:schemeClr val="tx1">
-                  <a:lumMod val="65000"/>
-                  <a:lumOff val="35000"/>
-                </a:schemeClr>
-              </a:solidFill>
-              <a:latin typeface="에스코어 드림 5 Medium" pitchFamily="34" charset="-127"/>
-              <a:ea typeface="에스코어 드림 5 Medium" pitchFamily="34" charset="-127"/>
-            </a:endParaRPr>
-          </a:p>
-          <a:p>
-            <a:r>
-              <a:rPr lang="ko-KR" altLang="en-US" sz="1900" dirty="0" err="1" smtClean="0">
-                <a:solidFill>
-                  <a:schemeClr val="tx1">
-                    <a:lumMod val="65000"/>
-                    <a:lumOff val="35000"/>
-                  </a:schemeClr>
-                </a:solidFill>
-                <a:latin typeface="에스코어 드림 5 Medium" pitchFamily="34" charset="-127"/>
-                <a:ea typeface="에스코어 드림 5 Medium" pitchFamily="34" charset="-127"/>
-              </a:rPr>
-              <a:t>좋아요를</a:t>
-            </a:r>
-            <a:r>
-              <a:rPr lang="ko-KR" altLang="en-US" sz="1900" dirty="0" smtClean="0">
-                <a:solidFill>
-                  <a:schemeClr val="tx1">
-                    <a:lumMod val="65000"/>
-                    <a:lumOff val="35000"/>
-                  </a:schemeClr>
-                </a:solidFill>
-                <a:latin typeface="에스코어 드림 5 Medium" pitchFamily="34" charset="-127"/>
-                <a:ea typeface="에스코어 드림 5 Medium" pitchFamily="34" charset="-127"/>
-              </a:rPr>
-              <a:t> 클릭할 수 있습니다</a:t>
-            </a:r>
-            <a:r>
-              <a:rPr lang="en-US" altLang="ko-KR" sz="1900" dirty="0" smtClean="0">
-                <a:solidFill>
-                  <a:schemeClr val="tx1">
-                    <a:lumMod val="65000"/>
-                    <a:lumOff val="35000"/>
-                  </a:schemeClr>
-                </a:solidFill>
-                <a:latin typeface="에스코어 드림 5 Medium" pitchFamily="34" charset="-127"/>
-                <a:ea typeface="에스코어 드림 5 Medium" pitchFamily="34" charset="-127"/>
+              <a:rPr lang="ko-KR" altLang="en-US" dirty="0" smtClean="0">
+                <a:solidFill>
+                  <a:srgbClr val="FE794C"/>
+                </a:solidFill>
+                <a:latin typeface="에스코어 드림 6 Bold" pitchFamily="34" charset="-127"/>
+                <a:ea typeface="에스코어 드림 6 Bold" pitchFamily="34" charset="-127"/>
+              </a:rPr>
+              <a:t>한 번에 볼 수 있는 리스트가 나옵니다</a:t>
+            </a:r>
+            <a:r>
+              <a:rPr lang="en-US" altLang="ko-KR" dirty="0" smtClean="0">
+                <a:solidFill>
+                  <a:srgbClr val="FE794C"/>
+                </a:solidFill>
+                <a:latin typeface="에스코어 드림 6 Bold" pitchFamily="34" charset="-127"/>
+                <a:ea typeface="에스코어 드림 6 Bold" pitchFamily="34" charset="-127"/>
               </a:rPr>
               <a:t>.</a:t>
             </a:r>
           </a:p>
           <a:p>
-            <a:endParaRPr lang="en-US" altLang="ko-KR" sz="1900" dirty="0">
+            <a:endParaRPr lang="en-US" altLang="ko-KR" dirty="0" smtClean="0">
               <a:solidFill>
                 <a:schemeClr val="tx1">
                   <a:lumMod val="65000"/>
@@ -11578,7 +13894,7 @@
               <a:t>“</a:t>
             </a:r>
             <a:r>
-              <a:rPr lang="ko-KR" altLang="en-US" sz="1900" dirty="0" err="1" smtClean="0">
+              <a:rPr lang="ko-KR" altLang="en-US" sz="1900" dirty="0" smtClean="0">
                 <a:solidFill>
                   <a:schemeClr val="tx1">
                     <a:lumMod val="65000"/>
@@ -11588,10 +13904,10 @@
                 <a:latin typeface="에스코어 드림 6 Bold" pitchFamily="34" charset="-127"/>
                 <a:ea typeface="에스코어 드림 6 Bold" pitchFamily="34" charset="-127"/>
               </a:rPr>
-              <a:t>아이디어스</a:t>
-            </a:r>
-            <a:r>
-              <a:rPr lang="ko-KR" altLang="en-US" sz="1900" dirty="0" smtClean="0">
+              <a:t>벤치인 </a:t>
+            </a:r>
+            <a:r>
+              <a:rPr lang="ko-KR" altLang="en-US" sz="1900" dirty="0" err="1" smtClean="0">
                 <a:solidFill>
                   <a:schemeClr val="tx1">
                     <a:lumMod val="65000"/>
@@ -11601,7 +13917,20 @@
                 <a:latin typeface="에스코어 드림 6 Bold" pitchFamily="34" charset="-127"/>
                 <a:ea typeface="에스코어 드림 6 Bold" pitchFamily="34" charset="-127"/>
               </a:rPr>
-              <a:t> 상세 내용이 가로가 좁아서 답답한</a:t>
+              <a:t>아이디어스는</a:t>
+            </a:r>
+            <a:r>
+              <a:rPr lang="ko-KR" altLang="en-US" sz="1900" dirty="0" smtClean="0">
+                <a:solidFill>
+                  <a:schemeClr val="tx1">
+                    <a:lumMod val="65000"/>
+                    <a:lumOff val="35000"/>
+                  </a:schemeClr>
+                </a:solidFill>
+                <a:latin typeface="에스코어 드림 6 Bold" pitchFamily="34" charset="-127"/>
+                <a:ea typeface="에스코어 드림 6 Bold" pitchFamily="34" charset="-127"/>
+              </a:rPr>
+              <a:t> 복잡한 느낌이 드는데 좀 더</a:t>
             </a:r>
             <a:endParaRPr lang="en-US" altLang="ko-KR" sz="1900" dirty="0" smtClean="0">
               <a:solidFill>
@@ -11626,7 +13955,7 @@
                 <a:latin typeface="에스코어 드림 6 Bold" pitchFamily="34" charset="-127"/>
                 <a:ea typeface="에스코어 드림 6 Bold" pitchFamily="34" charset="-127"/>
               </a:rPr>
-              <a:t>느낌이 있어서 내용이 잘 읽히지 않아</a:t>
+              <a:t>간결하고 한 눈에 볼 수 있는 리스트로 구축하자</a:t>
             </a:r>
             <a:r>
               <a:rPr lang="en-US" altLang="ko-KR" sz="1900" dirty="0" smtClean="0">
@@ -11641,20 +13970,10 @@
               </a:rPr>
               <a:t>”</a:t>
             </a:r>
-            <a:endParaRPr lang="en-US" altLang="ko-KR" sz="1900" dirty="0">
-              <a:solidFill>
-                <a:schemeClr val="tx1">
-                  <a:lumMod val="65000"/>
-                  <a:lumOff val="35000"/>
-                </a:schemeClr>
-              </a:solidFill>
-              <a:latin typeface="에스코어 드림 6 Bold" pitchFamily="34" charset="-127"/>
-              <a:ea typeface="에스코어 드림 6 Bold" pitchFamily="34" charset="-127"/>
-            </a:endParaRPr>
-          </a:p>
-          <a:p>
-            <a:r>
-              <a:rPr lang="ko-KR" altLang="en-US" sz="1900" dirty="0">
+          </a:p>
+          <a:p>
+            <a:r>
+              <a:rPr lang="ko-KR" altLang="en-US" sz="1900" dirty="0" smtClean="0">
                 <a:solidFill>
                   <a:schemeClr val="tx1">
                     <a:lumMod val="65000"/>
@@ -11679,16 +13998,6 @@
               </a:rPr>
               <a:t>.</a:t>
             </a:r>
-            <a:endParaRPr lang="en-US" altLang="ko-KR" sz="1900" dirty="0">
-              <a:solidFill>
-                <a:schemeClr val="tx1">
-                  <a:lumMod val="65000"/>
-                  <a:lumOff val="35000"/>
-                </a:schemeClr>
-              </a:solidFill>
-              <a:latin typeface="에스코어 드림 6 Bold" pitchFamily="34" charset="-127"/>
-              <a:ea typeface="에스코어 드림 6 Bold" pitchFamily="34" charset="-127"/>
-            </a:endParaRPr>
           </a:p>
         </p:txBody>
       </p:sp>
@@ -11701,7 +14010,7 @@
         <p:spPr>
           <a:xfrm>
             <a:off x="75848" y="9182100"/>
-            <a:ext cx="1090811" cy="1015663"/>
+            <a:ext cx="1089337" cy="1015663"/>
           </a:xfrm>
           <a:prstGeom prst="rect">
             <a:avLst/>
@@ -11721,7 +14030,7 @@
                 </a:solidFill>
                 <a:latin typeface="Franklin Gothic Heavy" panose="020B0903020102020204" pitchFamily="34" charset="0"/>
               </a:rPr>
-              <a:t>13</a:t>
+              <a:t>12</a:t>
             </a:r>
             <a:endParaRPr lang="ko-KR" altLang="en-US" sz="6000" i="1" dirty="0">
               <a:solidFill>
@@ -11734,7 +14043,7 @@
       </p:sp>
       <p:sp>
         <p:nvSpPr>
-          <p:cNvPr id="21" name="TextBox 20"/>
+          <p:cNvPr id="19" name="TextBox 18"/>
           <p:cNvSpPr txBox="1"/>
           <p:nvPr/>
         </p:nvSpPr>
@@ -11765,7 +14074,33 @@
                 <a:latin typeface="에스코어 드림 5 Medium" pitchFamily="34" charset="-127"/>
                 <a:ea typeface="에스코어 드림 5 Medium" pitchFamily="34" charset="-127"/>
               </a:rPr>
-              <a:t>각각의 작품을 클릭하면 나오는 상세 페이지로 작품에 대한 상세한 정보를 확인하실 수 있습니다</a:t>
+              <a:t>작품 리스트를 들어오게 되면 전체 작품을 볼 수 있으며 </a:t>
+            </a:r>
+            <a:r>
+              <a:rPr lang="ko-KR" altLang="en-US" dirty="0" err="1" smtClean="0">
+                <a:solidFill>
+                  <a:schemeClr val="tx1">
+                    <a:lumMod val="65000"/>
+                    <a:lumOff val="35000"/>
+                  </a:schemeClr>
+                </a:solidFill>
+                <a:latin typeface="에스코어 드림 5 Medium" pitchFamily="34" charset="-127"/>
+                <a:ea typeface="에스코어 드림 5 Medium" pitchFamily="34" charset="-127"/>
+              </a:rPr>
+              <a:t>카테고리별로</a:t>
+            </a:r>
+            <a:r>
+              <a:rPr lang="ko-KR" altLang="en-US" dirty="0" smtClean="0">
+                <a:solidFill>
+                  <a:schemeClr val="tx1">
+                    <a:lumMod val="65000"/>
+                    <a:lumOff val="35000"/>
+                  </a:schemeClr>
+                </a:solidFill>
+                <a:latin typeface="에스코어 드림 5 Medium" pitchFamily="34" charset="-127"/>
+                <a:ea typeface="에스코어 드림 5 Medium" pitchFamily="34" charset="-127"/>
+              </a:rPr>
+              <a:t> 작품을 구경하실 수 있습니다</a:t>
             </a:r>
             <a:r>
               <a:rPr lang="en-US" altLang="ko-KR" dirty="0" smtClean="0">
@@ -11809,17 +14144,17 @@
               </a:ext>
             </a:extLst>
           </a:blip>
-          <a:srcRect b="27846"/>
+          <a:srcRect b="60951"/>
           <a:stretch/>
         </p:blipFill>
         <p:spPr>
           <a:xfrm>
-            <a:off x="7943092" y="3525143"/>
-            <a:ext cx="8820908" cy="5656958"/>
+            <a:off x="8001000" y="3568455"/>
+            <a:ext cx="8763000" cy="5613645"/>
           </a:xfrm>
           <a:prstGeom prst="roundRect">
             <a:avLst>
-              <a:gd name="adj" fmla="val 2175"/>
+              <a:gd name="adj" fmla="val 1396"/>
             </a:avLst>
           </a:prstGeom>
         </p:spPr>
@@ -11827,7 +14162,7 @@
     </p:spTree>
     <p:extLst>
       <p:ext uri="{BB962C8B-B14F-4D97-AF65-F5344CB8AC3E}">
-        <p14:creationId xmlns:p14="http://schemas.microsoft.com/office/powerpoint/2010/main" val="2750103896"/>
+        <p14:creationId xmlns:p14="http://schemas.microsoft.com/office/powerpoint/2010/main" val="1685850319"/>
       </p:ext>
     </p:extLst>
   </p:cSld>
@@ -11869,7 +14204,7 @@
         </p:nvGrpSpPr>
         <p:grpSpPr>
           <a:xfrm>
-            <a:off x="775595" y="3807711"/>
+            <a:off x="-495238" y="4070327"/>
             <a:ext cx="19276190" cy="6421463"/>
             <a:chOff x="-495238" y="4070327"/>
             <a:chExt cx="19276190" cy="6421463"/>
@@ -11908,7 +14243,7 @@
         </p:nvGrpSpPr>
         <p:grpSpPr>
           <a:xfrm>
-            <a:off x="6837104" y="4832285"/>
+            <a:off x="7481003" y="4740724"/>
             <a:ext cx="3576586" cy="3576586"/>
             <a:chOff x="6837104" y="4832285"/>
             <a:chExt cx="3576586" cy="3576586"/>
@@ -11994,8 +14329,8 @@
         </p:blipFill>
         <p:spPr>
           <a:xfrm>
-            <a:off x="7715686" y="3314286"/>
-            <a:ext cx="9256193" cy="6062806"/>
+            <a:off x="9085511" y="3497615"/>
+            <a:ext cx="8215943" cy="5944014"/>
           </a:xfrm>
           <a:prstGeom prst="rect">
             <a:avLst/>
@@ -12011,7 +14346,7 @@
         <p:spPr>
           <a:xfrm>
             <a:off x="1319164" y="1674793"/>
-            <a:ext cx="4342535" cy="707886"/>
+            <a:ext cx="6050054" cy="707886"/>
           </a:xfrm>
           <a:prstGeom prst="rect">
             <a:avLst/>
@@ -12025,30 +14360,27 @@
           <a:lstStyle/>
           <a:p>
             <a:r>
-              <a:rPr lang="en-US" altLang="ko-KR" sz="4000" dirty="0" smtClean="0">
+              <a:rPr lang="ko-KR" altLang="en-US" sz="4000" dirty="0" smtClean="0">
+                <a:solidFill>
+                  <a:srgbClr val="FE794C"/>
+                </a:solidFill>
+                <a:latin typeface="에스코어 드림 6 Bold" pitchFamily="34" charset="-127"/>
+                <a:ea typeface="에스코어 드림 6 Bold" pitchFamily="34" charset="-127"/>
+              </a:rPr>
+              <a:t>작품 리스트 화면 </a:t>
+            </a:r>
+            <a:r>
+              <a:rPr lang="ko-KR" altLang="en-US" sz="4000" dirty="0" err="1" smtClean="0">
                 <a:solidFill>
                   <a:schemeClr val="tx1">
                     <a:lumMod val="75000"/>
                     <a:lumOff val="25000"/>
                   </a:schemeClr>
                 </a:solidFill>
-                <a:latin typeface="에스코어 드림 9 Black" pitchFamily="34" charset="-127"/>
-                <a:ea typeface="에스코어 드림 9 Black" pitchFamily="34" charset="-127"/>
-              </a:rPr>
-              <a:t>We C List </a:t>
-            </a:r>
-            <a:r>
-              <a:rPr lang="ko-KR" altLang="en-US" sz="4000" dirty="0" smtClean="0">
-                <a:solidFill>
-                  <a:schemeClr val="tx1">
-                    <a:lumMod val="75000"/>
-                    <a:lumOff val="25000"/>
-                  </a:schemeClr>
-                </a:solidFill>
                 <a:latin typeface="에스코어 드림 6 Bold" pitchFamily="34" charset="-127"/>
                 <a:ea typeface="에스코어 드림 6 Bold" pitchFamily="34" charset="-127"/>
               </a:rPr>
-              <a:t>사이트</a:t>
+              <a:t>주요코드</a:t>
             </a:r>
             <a:endParaRPr lang="ko-KR" altLang="en-US" sz="4000" dirty="0">
               <a:solidFill>
@@ -12072,7 +14404,7 @@
         <p:spPr>
           <a:xfrm>
             <a:off x="1211746" y="5091278"/>
-            <a:ext cx="2137124" cy="461665"/>
+            <a:ext cx="2727029" cy="461665"/>
           </a:xfrm>
           <a:prstGeom prst="rect">
             <a:avLst/>
@@ -12093,7 +14425,7 @@
                 <a:latin typeface="에스코어 드림 9 Black" pitchFamily="34" charset="-127"/>
                 <a:ea typeface="에스코어 드림 9 Black" pitchFamily="34" charset="-127"/>
               </a:rPr>
-              <a:t>작품 공개 주소</a:t>
+              <a:t>카테고리 메뉴 코드</a:t>
             </a:r>
             <a:endParaRPr lang="ko-KR" altLang="en-US" sz="2400" dirty="0">
               <a:solidFill>
@@ -12114,7 +14446,7 @@
         <p:spPr>
           <a:xfrm>
             <a:off x="1319164" y="5881913"/>
-            <a:ext cx="5517940" cy="384721"/>
+            <a:ext cx="5517940" cy="1631216"/>
           </a:xfrm>
           <a:prstGeom prst="rect">
             <a:avLst/>
@@ -12127,29 +14459,178 @@
           </a:bodyPr>
           <a:lstStyle/>
           <a:p>
-            <a:r>
-              <a:rPr lang="en-US" altLang="ko-KR" sz="1900" dirty="0">
+            <a:endParaRPr lang="en-US" altLang="ko-KR" sz="2000" dirty="0" smtClean="0">
+              <a:solidFill>
+                <a:srgbClr val="FE794C"/>
+              </a:solidFill>
+              <a:latin typeface="에스코어 드림 6 Bold" pitchFamily="34" charset="-127"/>
+              <a:ea typeface="에스코어 드림 6 Bold" pitchFamily="34" charset="-127"/>
+            </a:endParaRPr>
+          </a:p>
+          <a:p>
+            <a:r>
+              <a:rPr lang="en-US" altLang="ko-KR" sz="2000" dirty="0" smtClean="0">
+                <a:solidFill>
+                  <a:srgbClr val="FE794C"/>
+                </a:solidFill>
+                <a:latin typeface="에스코어 드림 6 Bold" pitchFamily="34" charset="-127"/>
+                <a:ea typeface="에스코어 드림 6 Bold" pitchFamily="34" charset="-127"/>
+              </a:rPr>
+              <a:t>ShopController</a:t>
+            </a:r>
+            <a:r>
+              <a:rPr lang="ko-KR" altLang="en-US" sz="2000" dirty="0">
                 <a:solidFill>
                   <a:schemeClr val="tx1">
                     <a:lumMod val="65000"/>
                     <a:lumOff val="35000"/>
                   </a:schemeClr>
                 </a:solidFill>
+                <a:latin typeface="에스코어 드림 5 Medium" pitchFamily="34" charset="-127"/>
+                <a:ea typeface="에스코어 드림 5 Medium" pitchFamily="34" charset="-127"/>
+              </a:rPr>
+              <a:t> </a:t>
+            </a:r>
+            <a:r>
+              <a:rPr lang="ko-KR" altLang="en-US" sz="2000" dirty="0" smtClean="0">
+                <a:solidFill>
+                  <a:schemeClr val="tx1">
+                    <a:lumMod val="65000"/>
+                    <a:lumOff val="35000"/>
+                  </a:schemeClr>
+                </a:solidFill>
+                <a:latin typeface="에스코어 드림 5 Medium" pitchFamily="34" charset="-127"/>
+                <a:ea typeface="에스코어 드림 5 Medium" pitchFamily="34" charset="-127"/>
+              </a:rPr>
+              <a:t>파일을 만들고 </a:t>
+            </a:r>
+            <a:endParaRPr lang="en-US" altLang="ko-KR" sz="2000" dirty="0" smtClean="0">
+              <a:solidFill>
+                <a:srgbClr val="FE794C"/>
+              </a:solidFill>
+              <a:latin typeface="에스코어 드림 6 Bold" pitchFamily="34" charset="-127"/>
+              <a:ea typeface="에스코어 드림 6 Bold" pitchFamily="34" charset="-127"/>
+            </a:endParaRPr>
+          </a:p>
+          <a:p>
+            <a:r>
+              <a:rPr lang="en-US" altLang="ko-KR" sz="2000" dirty="0" smtClean="0">
+                <a:solidFill>
+                  <a:srgbClr val="FE794C"/>
+                </a:solidFill>
                 <a:latin typeface="에스코어 드림 6 Bold" pitchFamily="34" charset="-127"/>
                 <a:ea typeface="에스코어 드림 6 Bold" pitchFamily="34" charset="-127"/>
-                <a:hlinkClick r:id="rId6"/>
-              </a:rPr>
-              <a:t>https://www.weclist.com/</a:t>
-            </a:r>
-            <a:endParaRPr lang="en-US" altLang="ko-KR" sz="1900" dirty="0">
+              </a:rPr>
+              <a:t>JSP</a:t>
+            </a:r>
+            <a:r>
+              <a:rPr lang="ko-KR" altLang="en-US" sz="2000" dirty="0" smtClean="0">
+                <a:solidFill>
+                  <a:schemeClr val="tx1">
+                    <a:lumMod val="65000"/>
+                    <a:lumOff val="35000"/>
+                  </a:schemeClr>
+                </a:solidFill>
+                <a:latin typeface="에스코어 드림 5 Medium" pitchFamily="34" charset="-127"/>
+                <a:ea typeface="에스코어 드림 5 Medium" pitchFamily="34" charset="-127"/>
+              </a:rPr>
+              <a:t>을 이용하여 </a:t>
+            </a:r>
+            <a:r>
+              <a:rPr lang="en-US" altLang="ko-KR" sz="2000" dirty="0" smtClean="0">
+                <a:solidFill>
+                  <a:srgbClr val="FE794C"/>
+                </a:solidFill>
+                <a:latin typeface="에스코어 드림 6 Bold" pitchFamily="34" charset="-127"/>
+                <a:ea typeface="에스코어 드림 6 Bold" pitchFamily="34" charset="-127"/>
+              </a:rPr>
+              <a:t>getMapping</a:t>
+            </a:r>
+            <a:r>
+              <a:rPr lang="ko-KR" altLang="en-US" sz="2000" dirty="0" err="1" smtClean="0">
+                <a:solidFill>
+                  <a:schemeClr val="tx1">
+                    <a:lumMod val="65000"/>
+                    <a:lumOff val="35000"/>
+                  </a:schemeClr>
+                </a:solidFill>
+                <a:latin typeface="에스코어 드림 5 Medium" pitchFamily="34" charset="-127"/>
+                <a:ea typeface="에스코어 드림 5 Medium" pitchFamily="34" charset="-127"/>
+              </a:rPr>
+              <a:t>으로</a:t>
+            </a:r>
+            <a:endParaRPr lang="en-US" altLang="ko-KR" sz="2000" dirty="0" smtClean="0">
               <a:solidFill>
                 <a:schemeClr val="tx1">
                   <a:lumMod val="65000"/>
                   <a:lumOff val="35000"/>
                 </a:schemeClr>
               </a:solidFill>
-              <a:latin typeface="에스코어 드림 6 Bold" pitchFamily="34" charset="-127"/>
-              <a:ea typeface="에스코어 드림 6 Bold" pitchFamily="34" charset="-127"/>
+              <a:latin typeface="에스코어 드림 5 Medium" pitchFamily="34" charset="-127"/>
+              <a:ea typeface="에스코어 드림 5 Medium" pitchFamily="34" charset="-127"/>
+            </a:endParaRPr>
+          </a:p>
+          <a:p>
+            <a:r>
+              <a:rPr lang="ko-KR" altLang="en-US" sz="2000" dirty="0" smtClean="0">
+                <a:solidFill>
+                  <a:schemeClr val="tx1">
+                    <a:lumMod val="65000"/>
+                    <a:lumOff val="35000"/>
+                  </a:schemeClr>
+                </a:solidFill>
+                <a:latin typeface="에스코어 드림 5 Medium" pitchFamily="34" charset="-127"/>
+                <a:ea typeface="에스코어 드림 5 Medium" pitchFamily="34" charset="-127"/>
+              </a:rPr>
+              <a:t>각 메뉴를 클릭했을 때 설정되어 있는</a:t>
+            </a:r>
+            <a:endParaRPr lang="en-US" altLang="ko-KR" sz="2000" dirty="0" smtClean="0">
+              <a:solidFill>
+                <a:schemeClr val="tx1">
+                  <a:lumMod val="65000"/>
+                  <a:lumOff val="35000"/>
+                </a:schemeClr>
+              </a:solidFill>
+              <a:latin typeface="에스코어 드림 5 Medium" pitchFamily="34" charset="-127"/>
+              <a:ea typeface="에스코어 드림 5 Medium" pitchFamily="34" charset="-127"/>
+            </a:endParaRPr>
+          </a:p>
+          <a:p>
+            <a:r>
+              <a:rPr lang="ko-KR" altLang="en-US" sz="2000" dirty="0" smtClean="0">
+                <a:solidFill>
+                  <a:schemeClr val="tx1">
+                    <a:lumMod val="65000"/>
+                    <a:lumOff val="35000"/>
+                  </a:schemeClr>
+                </a:solidFill>
+                <a:latin typeface="에스코어 드림 5 Medium" pitchFamily="34" charset="-127"/>
+                <a:ea typeface="에스코어 드림 5 Medium" pitchFamily="34" charset="-127"/>
+              </a:rPr>
+              <a:t>페이지로 이동하게 </a:t>
+            </a:r>
+            <a:r>
+              <a:rPr lang="ko-KR" altLang="en-US" sz="2000" dirty="0" err="1" smtClean="0">
+                <a:solidFill>
+                  <a:schemeClr val="tx1">
+                    <a:lumMod val="65000"/>
+                    <a:lumOff val="35000"/>
+                  </a:schemeClr>
+                </a:solidFill>
+                <a:latin typeface="에스코어 드림 5 Medium" pitchFamily="34" charset="-127"/>
+                <a:ea typeface="에스코어 드림 5 Medium" pitchFamily="34" charset="-127"/>
+              </a:rPr>
+              <a:t>만듬</a:t>
+            </a:r>
+            <a:endParaRPr lang="en-US" altLang="ko-KR" sz="2000" dirty="0">
+              <a:solidFill>
+                <a:schemeClr val="tx1">
+                  <a:lumMod val="65000"/>
+                  <a:lumOff val="35000"/>
+                </a:schemeClr>
+              </a:solidFill>
+              <a:latin typeface="에스코어 드림 5 Medium" pitchFamily="34" charset="-127"/>
+              <a:ea typeface="에스코어 드림 5 Medium" pitchFamily="34" charset="-127"/>
             </a:endParaRPr>
           </a:p>
         </p:txBody>
@@ -12163,7 +14644,7 @@
         <p:spPr>
           <a:xfrm>
             <a:off x="75848" y="9182100"/>
-            <a:ext cx="1090811" cy="1015663"/>
+            <a:ext cx="1089337" cy="1015663"/>
           </a:xfrm>
           <a:prstGeom prst="rect">
             <a:avLst/>
@@ -12183,7 +14664,7 @@
                 </a:solidFill>
                 <a:latin typeface="Franklin Gothic Heavy" panose="020B0903020102020204" pitchFamily="34" charset="0"/>
               </a:rPr>
-              <a:t>13</a:t>
+              <a:t>12</a:t>
             </a:r>
             <a:endParaRPr lang="ko-KR" altLang="en-US" sz="6000" i="1" dirty="0">
               <a:solidFill>
@@ -12194,43 +14675,10 @@
           </a:p>
         </p:txBody>
       </p:sp>
-      <p:pic>
-        <p:nvPicPr>
-          <p:cNvPr id="2" name="그림 1"/>
-          <p:cNvPicPr>
-            <a:picLocks noChangeAspect="1"/>
-          </p:cNvPicPr>
-          <p:nvPr/>
-        </p:nvPicPr>
-        <p:blipFill>
-          <a:blip r:embed="rId7">
-            <a:extLst>
-              <a:ext uri="{28A0092B-C50C-407E-A947-70E740481C1C}">
-                <a14:useLocalDpi xmlns:a14="http://schemas.microsoft.com/office/drawing/2010/main" val="0"/>
-              </a:ext>
-            </a:extLst>
-          </a:blip>
-          <a:stretch>
-            <a:fillRect/>
-          </a:stretch>
-        </p:blipFill>
-        <p:spPr>
-          <a:xfrm>
-            <a:off x="7957313" y="3543300"/>
-            <a:ext cx="8806687" cy="5638800"/>
-          </a:xfrm>
-          <a:prstGeom prst="rect">
-            <a:avLst/>
-          </a:prstGeom>
-          <a:effectLst>
-            <a:softEdge rad="63500"/>
-          </a:effectLst>
-        </p:spPr>
-      </p:pic>
     </p:spTree>
     <p:extLst>
       <p:ext uri="{BB962C8B-B14F-4D97-AF65-F5344CB8AC3E}">
-        <p14:creationId xmlns:p14="http://schemas.microsoft.com/office/powerpoint/2010/main" val="2305173121"/>
+        <p14:creationId xmlns:p14="http://schemas.microsoft.com/office/powerpoint/2010/main" val="3353269441"/>
       </p:ext>
     </p:extLst>
   </p:cSld>

--- a/조민섭_포트폴리오.pptx
+++ b/조민섭_포트폴리오.pptx
@@ -221,7 +221,7 @@
           <a:p>
             <a:fld id="{0CCE5C56-E494-4F52-995E-96482D5FEE58}" type="datetimeFigureOut">
               <a:rPr lang="ko-KR" altLang="en-US" smtClean="0"/>
-              <a:t>2022-06-24</a:t>
+              <a:t>2022-07-19</a:t>
             </a:fld>
             <a:endParaRPr lang="ko-KR" altLang="en-US"/>
           </a:p>
@@ -670,7 +670,7 @@
           <a:p>
             <a:fld id="{F8166F1F-CE9B-4651-A6AA-CD717754106B}" type="datetimeFigureOut">
               <a:rPr lang="en-US" smtClean="0"/>
-              <a:t>6/24/2022</a:t>
+              <a:t>7/19/2022</a:t>
             </a:fld>
             <a:endParaRPr lang="en-US"/>
           </a:p>
@@ -835,7 +835,7 @@
           <a:p>
             <a:fld id="{A76116CE-C4A3-4A05-B2D7-7C2E9A889C0F}" type="datetimeFigureOut">
               <a:rPr lang="en-US" smtClean="0"/>
-              <a:t>6/24/2022</a:t>
+              <a:t>7/19/2022</a:t>
             </a:fld>
             <a:endParaRPr lang="en-US"/>
           </a:p>
@@ -1010,7 +1010,7 @@
           <a:p>
             <a:fld id="{A76116CE-C4A3-4A05-B2D7-7C2E9A889C0F}" type="datetimeFigureOut">
               <a:rPr lang="en-US" smtClean="0"/>
-              <a:t>6/24/2022</a:t>
+              <a:t>7/19/2022</a:t>
             </a:fld>
             <a:endParaRPr lang="en-US"/>
           </a:p>
@@ -1177,7 +1177,7 @@
           <a:p>
             <a:fld id="{A76116CE-C4A3-4A05-B2D7-7C2E9A889C0F}" type="datetimeFigureOut">
               <a:rPr lang="en-US" smtClean="0"/>
-              <a:t>6/24/2022</a:t>
+              <a:t>7/19/2022</a:t>
             </a:fld>
             <a:endParaRPr lang="en-US"/>
           </a:p>
@@ -1418,7 +1418,7 @@
           <a:p>
             <a:fld id="{A76116CE-C4A3-4A05-B2D7-7C2E9A889C0F}" type="datetimeFigureOut">
               <a:rPr lang="en-US" smtClean="0"/>
-              <a:t>6/24/2022</a:t>
+              <a:t>7/19/2022</a:t>
             </a:fld>
             <a:endParaRPr lang="en-US"/>
           </a:p>
@@ -1701,7 +1701,7 @@
           <a:p>
             <a:fld id="{A76116CE-C4A3-4A05-B2D7-7C2E9A889C0F}" type="datetimeFigureOut">
               <a:rPr lang="en-US" smtClean="0"/>
-              <a:t>6/24/2022</a:t>
+              <a:t>7/19/2022</a:t>
             </a:fld>
             <a:endParaRPr lang="en-US"/>
           </a:p>
@@ -2118,7 +2118,7 @@
           <a:p>
             <a:fld id="{A76116CE-C4A3-4A05-B2D7-7C2E9A889C0F}" type="datetimeFigureOut">
               <a:rPr lang="en-US" smtClean="0"/>
-              <a:t>6/24/2022</a:t>
+              <a:t>7/19/2022</a:t>
             </a:fld>
             <a:endParaRPr lang="en-US"/>
           </a:p>
@@ -2231,7 +2231,7 @@
           <a:p>
             <a:fld id="{A76116CE-C4A3-4A05-B2D7-7C2E9A889C0F}" type="datetimeFigureOut">
               <a:rPr lang="en-US" smtClean="0"/>
-              <a:t>6/24/2022</a:t>
+              <a:t>7/19/2022</a:t>
             </a:fld>
             <a:endParaRPr lang="en-US"/>
           </a:p>
@@ -2321,7 +2321,7 @@
           <a:p>
             <a:fld id="{A76116CE-C4A3-4A05-B2D7-7C2E9A889C0F}" type="datetimeFigureOut">
               <a:rPr lang="en-US" smtClean="0"/>
-              <a:t>6/24/2022</a:t>
+              <a:t>7/19/2022</a:t>
             </a:fld>
             <a:endParaRPr lang="en-US"/>
           </a:p>
@@ -2593,7 +2593,7 @@
           <a:p>
             <a:fld id="{A76116CE-C4A3-4A05-B2D7-7C2E9A889C0F}" type="datetimeFigureOut">
               <a:rPr lang="en-US" smtClean="0"/>
-              <a:t>6/24/2022</a:t>
+              <a:t>7/19/2022</a:t>
             </a:fld>
             <a:endParaRPr lang="en-US"/>
           </a:p>
@@ -2841,7 +2841,7 @@
           <a:p>
             <a:fld id="{A76116CE-C4A3-4A05-B2D7-7C2E9A889C0F}" type="datetimeFigureOut">
               <a:rPr lang="en-US" smtClean="0"/>
-              <a:t>6/24/2022</a:t>
+              <a:t>7/19/2022</a:t>
             </a:fld>
             <a:endParaRPr lang="en-US"/>
           </a:p>
@@ -3049,7 +3049,7 @@
           <a:p>
             <a:fld id="{F8166F1F-CE9B-4651-A6AA-CD717754106B}" type="datetimeFigureOut">
               <a:rPr lang="en-US" smtClean="0"/>
-              <a:t>6/24/2022</a:t>
+              <a:t>7/19/2022</a:t>
             </a:fld>
             <a:endParaRPr lang="en-US"/>
           </a:p>
@@ -3859,7 +3859,7 @@
         </p:nvGrpSpPr>
         <p:grpSpPr>
           <a:xfrm>
-            <a:off x="775595" y="3805265"/>
+            <a:off x="-685800" y="3840137"/>
             <a:ext cx="19276190" cy="6421463"/>
             <a:chOff x="-495238" y="4070327"/>
             <a:chExt cx="19276190" cy="6421463"/>
@@ -4536,7 +4536,7 @@
         <p:spPr>
           <a:xfrm>
             <a:off x="75848" y="9182100"/>
-            <a:ext cx="1090811" cy="1015663"/>
+            <a:ext cx="1168910" cy="1015663"/>
           </a:xfrm>
           <a:prstGeom prst="rect">
             <a:avLst/>
@@ -4556,7 +4556,7 @@
                 </a:solidFill>
                 <a:latin typeface="Franklin Gothic Heavy" panose="020B0903020102020204" pitchFamily="34" charset="0"/>
               </a:rPr>
-              <a:t>13</a:t>
+              <a:t>09</a:t>
             </a:r>
             <a:endParaRPr lang="ko-KR" altLang="en-US" sz="6000" i="1" dirty="0">
               <a:solidFill>
@@ -4704,7 +4704,7 @@
         </p:nvGrpSpPr>
         <p:grpSpPr>
           <a:xfrm>
-            <a:off x="775595" y="3805265"/>
+            <a:off x="-533400" y="3817965"/>
             <a:ext cx="19276190" cy="6421463"/>
             <a:chOff x="-495238" y="4070327"/>
             <a:chExt cx="19276190" cy="6421463"/>
@@ -5169,7 +5169,7 @@
         <p:spPr>
           <a:xfrm>
             <a:off x="75848" y="9182100"/>
-            <a:ext cx="1090811" cy="1015663"/>
+            <a:ext cx="1396536" cy="1015663"/>
           </a:xfrm>
           <a:prstGeom prst="rect">
             <a:avLst/>
@@ -5189,7 +5189,7 @@
                 </a:solidFill>
                 <a:latin typeface="Franklin Gothic Heavy" panose="020B0903020102020204" pitchFamily="34" charset="0"/>
               </a:rPr>
-              <a:t>13</a:t>
+              <a:t> 10</a:t>
             </a:r>
             <a:endParaRPr lang="ko-KR" altLang="en-US" sz="6000" i="1" dirty="0">
               <a:solidFill>
@@ -5375,7 +5375,7 @@
         </p:nvGrpSpPr>
         <p:grpSpPr>
           <a:xfrm>
-            <a:off x="762000" y="3827437"/>
+            <a:off x="-304800" y="3776300"/>
             <a:ext cx="19276190" cy="6421463"/>
             <a:chOff x="-495238" y="4070327"/>
             <a:chExt cx="19276190" cy="6421463"/>
@@ -5879,7 +5879,7 @@
         <p:spPr>
           <a:xfrm>
             <a:off x="75848" y="9182100"/>
-            <a:ext cx="1090811" cy="1015663"/>
+            <a:ext cx="1168910" cy="1015663"/>
           </a:xfrm>
           <a:prstGeom prst="rect">
             <a:avLst/>
@@ -5899,7 +5899,7 @@
                 </a:solidFill>
                 <a:latin typeface="Franklin Gothic Heavy" panose="020B0903020102020204" pitchFamily="34" charset="0"/>
               </a:rPr>
-              <a:t>13</a:t>
+              <a:t>11</a:t>
             </a:r>
             <a:endParaRPr lang="ko-KR" altLang="en-US" sz="6000" i="1" dirty="0">
               <a:solidFill>
@@ -6046,7 +6046,7 @@
         </p:nvGrpSpPr>
         <p:grpSpPr>
           <a:xfrm>
-            <a:off x="775595" y="3807711"/>
+            <a:off x="-533400" y="3840137"/>
             <a:ext cx="19276190" cy="6421463"/>
             <a:chOff x="-495238" y="4070327"/>
             <a:chExt cx="19276190" cy="6421463"/>
@@ -6340,7 +6340,7 @@
         <p:spPr>
           <a:xfrm>
             <a:off x="75848" y="9182100"/>
-            <a:ext cx="1090811" cy="1015663"/>
+            <a:ext cx="1168910" cy="1015663"/>
           </a:xfrm>
           <a:prstGeom prst="rect">
             <a:avLst/>
@@ -6360,7 +6360,7 @@
                 </a:solidFill>
                 <a:latin typeface="Franklin Gothic Heavy" panose="020B0903020102020204" pitchFamily="34" charset="0"/>
               </a:rPr>
-              <a:t>13</a:t>
+              <a:t>12</a:t>
             </a:r>
             <a:endParaRPr lang="ko-KR" altLang="en-US" sz="6000" i="1" dirty="0">
               <a:solidFill>
@@ -7716,7 +7716,7 @@
         <p:spPr>
           <a:xfrm>
             <a:off x="75848" y="9182100"/>
-            <a:ext cx="1079526" cy="1015663"/>
+            <a:ext cx="1168910" cy="1015663"/>
           </a:xfrm>
           <a:prstGeom prst="rect">
             <a:avLst/>
@@ -7736,7 +7736,7 @@
                 </a:solidFill>
                 <a:latin typeface="Franklin Gothic Heavy" panose="020B0903020102020204" pitchFamily="34" charset="0"/>
               </a:rPr>
-              <a:t>04</a:t>
+              <a:t>02</a:t>
             </a:r>
             <a:endParaRPr lang="ko-KR" altLang="en-US" sz="6000" i="1" dirty="0">
               <a:solidFill>
@@ -8361,7 +8361,7 @@
         <p:spPr>
           <a:xfrm>
             <a:off x="75848" y="9182100"/>
-            <a:ext cx="1085554" cy="1015663"/>
+            <a:ext cx="1168910" cy="1015663"/>
           </a:xfrm>
           <a:prstGeom prst="rect">
             <a:avLst/>
@@ -8381,7 +8381,7 @@
                 </a:solidFill>
                 <a:latin typeface="Franklin Gothic Heavy" panose="020B0903020102020204" pitchFamily="34" charset="0"/>
               </a:rPr>
-              <a:t>06</a:t>
+              <a:t>03</a:t>
             </a:r>
             <a:endParaRPr lang="ko-KR" altLang="en-US" sz="6000" i="1" dirty="0">
               <a:solidFill>
@@ -11740,7 +11740,7 @@
         <p:spPr>
           <a:xfrm>
             <a:off x="75848" y="9182100"/>
-            <a:ext cx="1067921" cy="1015663"/>
+            <a:ext cx="1168910" cy="1015663"/>
           </a:xfrm>
           <a:prstGeom prst="rect">
             <a:avLst/>
@@ -11762,7 +11762,7 @@
                 </a:solidFill>
                 <a:latin typeface="Franklin Gothic Heavy" panose="020B0903020102020204" pitchFamily="34" charset="0"/>
               </a:rPr>
-              <a:t>07</a:t>
+              <a:t>04</a:t>
             </a:r>
             <a:endParaRPr lang="ko-KR" altLang="en-US" sz="6000" i="1" dirty="0">
               <a:solidFill>
@@ -12745,7 +12745,7 @@
         <p:spPr>
           <a:xfrm>
             <a:off x="75848" y="9182100"/>
-            <a:ext cx="1078821" cy="1015663"/>
+            <a:ext cx="1168910" cy="1015663"/>
           </a:xfrm>
           <a:prstGeom prst="rect">
             <a:avLst/>
@@ -12765,7 +12765,7 @@
                 </a:solidFill>
                 <a:latin typeface="Franklin Gothic Heavy" panose="020B0903020102020204" pitchFamily="34" charset="0"/>
               </a:rPr>
-              <a:t>11</a:t>
+              <a:t>05</a:t>
             </a:r>
             <a:endParaRPr lang="ko-KR" altLang="en-US" sz="6000" i="1" dirty="0">
               <a:solidFill>
@@ -12778,14 +12778,14 @@
       </p:sp>
       <p:pic>
         <p:nvPicPr>
-          <p:cNvPr id="5" name="그림 4"/>
+          <p:cNvPr id="2" name="그림 1"/>
           <p:cNvPicPr>
             <a:picLocks noChangeAspect="1"/>
           </p:cNvPicPr>
           <p:nvPr/>
         </p:nvPicPr>
         <p:blipFill>
-          <a:blip r:embed="rId6" cstate="print">
+          <a:blip r:embed="rId6">
             <a:extLst>
               <a:ext uri="{28A0092B-C50C-407E-A947-70E740481C1C}">
                 <a14:useLocalDpi xmlns:a14="http://schemas.microsoft.com/office/drawing/2010/main" val="0"/>
@@ -12798,14 +12798,15 @@
         </p:blipFill>
         <p:spPr>
           <a:xfrm>
-            <a:off x="7924799" y="3543300"/>
-            <a:ext cx="8850635" cy="5638800"/>
-          </a:xfrm>
-          <a:prstGeom prst="roundRect">
-            <a:avLst>
-              <a:gd name="adj" fmla="val 1802"/>
-            </a:avLst>
-          </a:prstGeom>
+            <a:off x="7823050" y="3512306"/>
+            <a:ext cx="8767908" cy="5669793"/>
+          </a:xfrm>
+          <a:prstGeom prst="rect">
+            <a:avLst/>
+          </a:prstGeom>
+          <a:effectLst>
+            <a:softEdge rad="139700"/>
+          </a:effectLst>
         </p:spPr>
       </p:pic>
     </p:spTree>
@@ -13170,20 +13171,7 @@
                 <a:latin typeface="에스코어 드림 5 Medium" pitchFamily="34" charset="-127"/>
                 <a:ea typeface="에스코어 드림 5 Medium" pitchFamily="34" charset="-127"/>
               </a:rPr>
-              <a:t>을 이용하여 </a:t>
-            </a:r>
-            <a:r>
-              <a:rPr lang="ko-KR" altLang="en-US" dirty="0" smtClean="0">
-                <a:solidFill>
-                  <a:schemeClr val="tx1">
-                    <a:lumMod val="65000"/>
-                    <a:lumOff val="35000"/>
-                  </a:schemeClr>
-                </a:solidFill>
-                <a:latin typeface="에스코어 드림 5 Medium" pitchFamily="34" charset="-127"/>
-                <a:ea typeface="에스코어 드림 5 Medium" pitchFamily="34" charset="-127"/>
-              </a:rPr>
-              <a:t>메인 화면을 제작하고</a:t>
+              <a:t>을 이용하여 메인 화면을 제작하고</a:t>
             </a:r>
             <a:endParaRPr lang="en-US" altLang="ko-KR" dirty="0" smtClean="0">
               <a:solidFill>
@@ -13317,7 +13305,7 @@
         <p:spPr>
           <a:xfrm>
             <a:off x="75848" y="9182100"/>
-            <a:ext cx="1078821" cy="1015663"/>
+            <a:ext cx="1168910" cy="1015663"/>
           </a:xfrm>
           <a:prstGeom prst="rect">
             <a:avLst/>
@@ -13337,7 +13325,7 @@
                 </a:solidFill>
                 <a:latin typeface="Franklin Gothic Heavy" panose="020B0903020102020204" pitchFamily="34" charset="0"/>
               </a:rPr>
-              <a:t>11</a:t>
+              <a:t>06</a:t>
             </a:r>
             <a:endParaRPr lang="ko-KR" altLang="en-US" sz="6000" i="1" dirty="0">
               <a:solidFill>
@@ -13532,6 +13520,68 @@
           </p:spPr>
         </p:pic>
       </p:grpSp>
+      <p:sp>
+        <p:nvSpPr>
+          <p:cNvPr id="42" name="TextBox 41"/>
+          <p:cNvSpPr txBox="1"/>
+          <p:nvPr/>
+        </p:nvSpPr>
+        <p:spPr>
+          <a:xfrm>
+            <a:off x="1279097" y="1143625"/>
+            <a:ext cx="2403222" cy="461665"/>
+          </a:xfrm>
+          <a:prstGeom prst="rect">
+            <a:avLst/>
+          </a:prstGeom>
+          <a:noFill/>
+        </p:spPr>
+        <p:txBody>
+          <a:bodyPr wrap="none" rtlCol="0">
+            <a:spAutoFit/>
+          </a:bodyPr>
+          <a:lstStyle/>
+          <a:p>
+            <a:r>
+              <a:rPr lang="en-US" altLang="ko-KR" sz="2400" dirty="0">
+                <a:solidFill>
+                  <a:srgbClr val="FE794C"/>
+                </a:solidFill>
+                <a:latin typeface="에스코어 드림 6 Bold" pitchFamily="34" charset="-127"/>
+                <a:ea typeface="에스코어 드림 6 Bold" pitchFamily="34" charset="-127"/>
+              </a:rPr>
+              <a:t>4</a:t>
+            </a:r>
+            <a:r>
+              <a:rPr lang="en-US" altLang="ko-KR" sz="2400" dirty="0" smtClean="0">
+                <a:solidFill>
+                  <a:srgbClr val="FE794C"/>
+                </a:solidFill>
+                <a:latin typeface="에스코어 드림 6 Bold" pitchFamily="34" charset="-127"/>
+                <a:ea typeface="에스코어 드림 6 Bold" pitchFamily="34" charset="-127"/>
+              </a:rPr>
+              <a:t>-2-1. </a:t>
+            </a:r>
+            <a:r>
+              <a:rPr lang="ko-KR" altLang="en-US" sz="2400" dirty="0" err="1">
+                <a:solidFill>
+                  <a:srgbClr val="FE794C"/>
+                </a:solidFill>
+                <a:latin typeface="에스코어 드림 6 Bold" pitchFamily="34" charset="-127"/>
+                <a:ea typeface="에스코어 드림 6 Bold" pitchFamily="34" charset="-127"/>
+              </a:rPr>
+              <a:t>담당부분</a:t>
+            </a:r>
+            <a:endParaRPr lang="ko-KR" altLang="en-US" sz="2400" dirty="0">
+              <a:solidFill>
+                <a:srgbClr val="FE794C"/>
+              </a:solidFill>
+              <a:latin typeface="에스코어 드림 6 Bold" pitchFamily="34" charset="-127"/>
+              <a:ea typeface="에스코어 드림 6 Bold" pitchFamily="34" charset="-127"/>
+            </a:endParaRPr>
+          </a:p>
+        </p:txBody>
+      </p:sp>
       <p:pic>
         <p:nvPicPr>
           <p:cNvPr id="25" name="Object 24"/>
@@ -13548,76 +13598,14 @@
         </p:blipFill>
         <p:spPr>
           <a:xfrm>
-            <a:off x="7715686" y="3314286"/>
-            <a:ext cx="9256193" cy="6062806"/>
+            <a:off x="7715687" y="3314286"/>
+            <a:ext cx="8667314" cy="6248814"/>
           </a:xfrm>
           <a:prstGeom prst="rect">
             <a:avLst/>
           </a:prstGeom>
         </p:spPr>
       </p:pic>
-      <p:sp>
-        <p:nvSpPr>
-          <p:cNvPr id="42" name="TextBox 41"/>
-          <p:cNvSpPr txBox="1"/>
-          <p:nvPr/>
-        </p:nvSpPr>
-        <p:spPr>
-          <a:xfrm>
-            <a:off x="1279097" y="1143625"/>
-            <a:ext cx="2403222" cy="461665"/>
-          </a:xfrm>
-          <a:prstGeom prst="rect">
-            <a:avLst/>
-          </a:prstGeom>
-          <a:noFill/>
-        </p:spPr>
-        <p:txBody>
-          <a:bodyPr wrap="none" rtlCol="0">
-            <a:spAutoFit/>
-          </a:bodyPr>
-          <a:lstStyle/>
-          <a:p>
-            <a:r>
-              <a:rPr lang="en-US" altLang="ko-KR" sz="2400" dirty="0">
-                <a:solidFill>
-                  <a:srgbClr val="FE794C"/>
-                </a:solidFill>
-                <a:latin typeface="에스코어 드림 6 Bold" pitchFamily="34" charset="-127"/>
-                <a:ea typeface="에스코어 드림 6 Bold" pitchFamily="34" charset="-127"/>
-              </a:rPr>
-              <a:t>4</a:t>
-            </a:r>
-            <a:r>
-              <a:rPr lang="en-US" altLang="ko-KR" sz="2400" dirty="0" smtClean="0">
-                <a:solidFill>
-                  <a:srgbClr val="FE794C"/>
-                </a:solidFill>
-                <a:latin typeface="에스코어 드림 6 Bold" pitchFamily="34" charset="-127"/>
-                <a:ea typeface="에스코어 드림 6 Bold" pitchFamily="34" charset="-127"/>
-              </a:rPr>
-              <a:t>-2-1. </a:t>
-            </a:r>
-            <a:r>
-              <a:rPr lang="ko-KR" altLang="en-US" sz="2400" dirty="0" err="1">
-                <a:solidFill>
-                  <a:srgbClr val="FE794C"/>
-                </a:solidFill>
-                <a:latin typeface="에스코어 드림 6 Bold" pitchFamily="34" charset="-127"/>
-                <a:ea typeface="에스코어 드림 6 Bold" pitchFamily="34" charset="-127"/>
-              </a:rPr>
-              <a:t>담당부분</a:t>
-            </a:r>
-            <a:endParaRPr lang="ko-KR" altLang="en-US" sz="2400" dirty="0">
-              <a:solidFill>
-                <a:srgbClr val="FE794C"/>
-              </a:solidFill>
-              <a:latin typeface="에스코어 드림 6 Bold" pitchFamily="34" charset="-127"/>
-              <a:ea typeface="에스코어 드림 6 Bold" pitchFamily="34" charset="-127"/>
-            </a:endParaRPr>
-          </a:p>
-        </p:txBody>
-      </p:sp>
       <p:sp>
         <p:nvSpPr>
           <p:cNvPr id="44" name="TextBox 43"/>
@@ -14001,6 +13989,39 @@
           </a:p>
         </p:txBody>
       </p:sp>
+      <p:pic>
+        <p:nvPicPr>
+          <p:cNvPr id="4" name="그림 3"/>
+          <p:cNvPicPr>
+            <a:picLocks noChangeAspect="1"/>
+          </p:cNvPicPr>
+          <p:nvPr/>
+        </p:nvPicPr>
+        <p:blipFill>
+          <a:blip r:embed="rId6">
+            <a:extLst>
+              <a:ext uri="{28A0092B-C50C-407E-A947-70E740481C1C}">
+                <a14:useLocalDpi xmlns:a14="http://schemas.microsoft.com/office/drawing/2010/main" val="0"/>
+              </a:ext>
+            </a:extLst>
+          </a:blip>
+          <a:stretch>
+            <a:fillRect/>
+          </a:stretch>
+        </p:blipFill>
+        <p:spPr>
+          <a:xfrm>
+            <a:off x="7919717" y="3514104"/>
+            <a:ext cx="8259253" cy="5667996"/>
+          </a:xfrm>
+          <a:prstGeom prst="rect">
+            <a:avLst/>
+          </a:prstGeom>
+          <a:effectLst>
+            <a:softEdge rad="101600"/>
+          </a:effectLst>
+        </p:spPr>
+      </p:pic>
       <p:sp>
         <p:nvSpPr>
           <p:cNvPr id="18" name="TextBox 17"/>
@@ -14010,7 +14031,7 @@
         <p:spPr>
           <a:xfrm>
             <a:off x="75848" y="9182100"/>
-            <a:ext cx="1089337" cy="1015663"/>
+            <a:ext cx="1168910" cy="1015663"/>
           </a:xfrm>
           <a:prstGeom prst="rect">
             <a:avLst/>
@@ -14030,7 +14051,7 @@
                 </a:solidFill>
                 <a:latin typeface="Franklin Gothic Heavy" panose="020B0903020102020204" pitchFamily="34" charset="0"/>
               </a:rPr>
-              <a:t>12</a:t>
+              <a:t>07</a:t>
             </a:r>
             <a:endParaRPr lang="ko-KR" altLang="en-US" sz="6000" i="1" dirty="0">
               <a:solidFill>
@@ -14128,37 +14149,6 @@
           </a:p>
         </p:txBody>
       </p:sp>
-      <p:pic>
-        <p:nvPicPr>
-          <p:cNvPr id="5" name="그림 4"/>
-          <p:cNvPicPr>
-            <a:picLocks noChangeAspect="1"/>
-          </p:cNvPicPr>
-          <p:nvPr/>
-        </p:nvPicPr>
-        <p:blipFill rotWithShape="1">
-          <a:blip r:embed="rId6" cstate="print">
-            <a:extLst>
-              <a:ext uri="{28A0092B-C50C-407E-A947-70E740481C1C}">
-                <a14:useLocalDpi xmlns:a14="http://schemas.microsoft.com/office/drawing/2010/main" val="0"/>
-              </a:ext>
-            </a:extLst>
-          </a:blip>
-          <a:srcRect b="60951"/>
-          <a:stretch/>
-        </p:blipFill>
-        <p:spPr>
-          <a:xfrm>
-            <a:off x="8001000" y="3568455"/>
-            <a:ext cx="8763000" cy="5613645"/>
-          </a:xfrm>
-          <a:prstGeom prst="roundRect">
-            <a:avLst>
-              <a:gd name="adj" fmla="val 1396"/>
-            </a:avLst>
-          </a:prstGeom>
-        </p:spPr>
-      </p:pic>
     </p:spTree>
     <p:extLst>
       <p:ext uri="{BB962C8B-B14F-4D97-AF65-F5344CB8AC3E}">
@@ -14446,7 +14436,7 @@
         <p:spPr>
           <a:xfrm>
             <a:off x="1319164" y="5881913"/>
-            <a:ext cx="5517940" cy="1631216"/>
+            <a:ext cx="5517940" cy="1323439"/>
           </a:xfrm>
           <a:prstGeom prst="rect">
             <a:avLst/>
@@ -14476,10 +14466,10 @@
                 <a:latin typeface="에스코어 드림 6 Bold" pitchFamily="34" charset="-127"/>
                 <a:ea typeface="에스코어 드림 6 Bold" pitchFamily="34" charset="-127"/>
               </a:rPr>
-              <a:t>ShopController</a:t>
-            </a:r>
-            <a:r>
-              <a:rPr lang="ko-KR" altLang="en-US" sz="2000" dirty="0">
+              <a:t>HTML</a:t>
+            </a:r>
+            <a:r>
+              <a:rPr lang="ko-KR" altLang="en-US" sz="2000" dirty="0" smtClean="0">
                 <a:solidFill>
                   <a:schemeClr val="tx1">
                     <a:lumMod val="65000"/>
@@ -14489,7 +14479,7 @@
                 <a:latin typeface="에스코어 드림 5 Medium" pitchFamily="34" charset="-127"/>
                 <a:ea typeface="에스코어 드림 5 Medium" pitchFamily="34" charset="-127"/>
               </a:rPr>
-              <a:t> </a:t>
+              <a:t>을 </a:t>
             </a:r>
             <a:r>
               <a:rPr lang="ko-KR" altLang="en-US" sz="2000" dirty="0" smtClean="0">
@@ -14502,39 +14492,7 @@
                 <a:latin typeface="에스코어 드림 5 Medium" pitchFamily="34" charset="-127"/>
                 <a:ea typeface="에스코어 드림 5 Medium" pitchFamily="34" charset="-127"/>
               </a:rPr>
-              <a:t>파일을 만들고 </a:t>
-            </a:r>
-            <a:endParaRPr lang="en-US" altLang="ko-KR" sz="2000" dirty="0" smtClean="0">
-              <a:solidFill>
-                <a:srgbClr val="FE794C"/>
-              </a:solidFill>
-              <a:latin typeface="에스코어 드림 6 Bold" pitchFamily="34" charset="-127"/>
-              <a:ea typeface="에스코어 드림 6 Bold" pitchFamily="34" charset="-127"/>
-            </a:endParaRPr>
-          </a:p>
-          <a:p>
-            <a:r>
-              <a:rPr lang="en-US" altLang="ko-KR" sz="2000" dirty="0" smtClean="0">
-                <a:solidFill>
-                  <a:srgbClr val="FE794C"/>
-                </a:solidFill>
-                <a:latin typeface="에스코어 드림 6 Bold" pitchFamily="34" charset="-127"/>
-                <a:ea typeface="에스코어 드림 6 Bold" pitchFamily="34" charset="-127"/>
-              </a:rPr>
-              <a:t>JSP</a:t>
-            </a:r>
-            <a:r>
-              <a:rPr lang="ko-KR" altLang="en-US" sz="2000" dirty="0" smtClean="0">
-                <a:solidFill>
-                  <a:schemeClr val="tx1">
-                    <a:lumMod val="65000"/>
-                    <a:lumOff val="35000"/>
-                  </a:schemeClr>
-                </a:solidFill>
-                <a:latin typeface="에스코어 드림 5 Medium" pitchFamily="34" charset="-127"/>
-                <a:ea typeface="에스코어 드림 5 Medium" pitchFamily="34" charset="-127"/>
-              </a:rPr>
-              <a:t>을 이용하여 </a:t>
+              <a:t>이용하여 </a:t>
             </a:r>
             <a:r>
               <a:rPr lang="en-US" altLang="ko-KR" sz="2000" dirty="0" smtClean="0">
@@ -14644,7 +14602,7 @@
         <p:spPr>
           <a:xfrm>
             <a:off x="75848" y="9182100"/>
-            <a:ext cx="1089337" cy="1015663"/>
+            <a:ext cx="1168910" cy="1015663"/>
           </a:xfrm>
           <a:prstGeom prst="rect">
             <a:avLst/>
@@ -14664,7 +14622,7 @@
                 </a:solidFill>
                 <a:latin typeface="Franklin Gothic Heavy" panose="020B0903020102020204" pitchFamily="34" charset="0"/>
               </a:rPr>
-              <a:t>12</a:t>
+              <a:t>08</a:t>
             </a:r>
             <a:endParaRPr lang="ko-KR" altLang="en-US" sz="6000" i="1" dirty="0">
               <a:solidFill>
@@ -14675,6 +14633,36 @@
           </a:p>
         </p:txBody>
       </p:sp>
+      <p:pic>
+        <p:nvPicPr>
+          <p:cNvPr id="2" name="그림 1"/>
+          <p:cNvPicPr>
+            <a:picLocks noChangeAspect="1"/>
+          </p:cNvPicPr>
+          <p:nvPr/>
+        </p:nvPicPr>
+        <p:blipFill>
+          <a:blip r:embed="rId6">
+            <a:extLst>
+              <a:ext uri="{28A0092B-C50C-407E-A947-70E740481C1C}">
+                <a14:useLocalDpi xmlns:a14="http://schemas.microsoft.com/office/drawing/2010/main" val="0"/>
+              </a:ext>
+            </a:extLst>
+          </a:blip>
+          <a:stretch>
+            <a:fillRect/>
+          </a:stretch>
+        </p:blipFill>
+        <p:spPr>
+          <a:xfrm>
+            <a:off x="9315221" y="4305300"/>
+            <a:ext cx="7756521" cy="3600759"/>
+          </a:xfrm>
+          <a:prstGeom prst="rect">
+            <a:avLst/>
+          </a:prstGeom>
+        </p:spPr>
+      </p:pic>
     </p:spTree>
     <p:extLst>
       <p:ext uri="{BB962C8B-B14F-4D97-AF65-F5344CB8AC3E}">
